--- a/trunk/classes/CS579/dbclass/hw4-1a.pptx
+++ b/trunk/classes/CS579/dbclass/hw4-1a.pptx
@@ -5,11 +5,12 @@
     <p:sldMasterId id="2147483648" r:id="rId1"/>
   </p:sldMasterIdLst>
   <p:notesMasterIdLst>
-    <p:notesMasterId r:id="rId4"/>
+    <p:notesMasterId r:id="rId5"/>
   </p:notesMasterIdLst>
   <p:sldIdLst>
     <p:sldId id="256" r:id="rId2"/>
     <p:sldId id="257" r:id="rId3"/>
+    <p:sldId id="258" r:id="rId4"/>
   </p:sldIdLst>
   <p:sldSz cx="9144000" cy="6858000" type="screen4x3"/>
   <p:notesSz cx="6858000" cy="9144000"/>
@@ -193,6 +194,7 @@
           <a:p>
             <a:fld id="{666F70CD-B0C7-4C56-9A8F-EBF0212E2FD0}" type="datetimeFigureOut">
               <a:rPr lang="en-US" smtClean="0"/>
+              <a:pPr/>
               <a:t>9/30/2009</a:t>
             </a:fld>
             <a:endParaRPr lang="en-US"/>
@@ -354,6 +356,7 @@
           <a:p>
             <a:fld id="{E16AFF4C-D96B-4E4F-927F-B3CCCC447A9C}" type="slidenum">
               <a:rPr lang="en-US" smtClean="0"/>
+              <a:pPr/>
               <a:t>‹#›</a:t>
             </a:fld>
             <a:endParaRPr lang="en-US"/>
@@ -525,6 +528,7 @@
           <a:p>
             <a:fld id="{E16AFF4C-D96B-4E4F-927F-B3CCCC447A9C}" type="slidenum">
               <a:rPr lang="en-US" smtClean="0"/>
+              <a:pPr/>
               <a:t>2</a:t>
             </a:fld>
             <a:endParaRPr lang="en-US"/>
@@ -720,6 +724,7 @@
           <a:p>
             <a:fld id="{50CC2CF7-1B93-4A44-87CB-33A5D0153F27}" type="datetimeFigureOut">
               <a:rPr lang="en-US" smtClean="0"/>
+              <a:pPr/>
               <a:t>9/30/2009</a:t>
             </a:fld>
             <a:endParaRPr lang="en-US"/>
@@ -762,6 +767,7 @@
           <a:p>
             <a:fld id="{E3244379-C6BC-475B-ADDB-4C124F4E2DA1}" type="slidenum">
               <a:rPr lang="en-US" smtClean="0"/>
+              <a:pPr/>
               <a:t>‹#›</a:t>
             </a:fld>
             <a:endParaRPr lang="en-US"/>
@@ -885,6 +891,7 @@
           <a:p>
             <a:fld id="{50CC2CF7-1B93-4A44-87CB-33A5D0153F27}" type="datetimeFigureOut">
               <a:rPr lang="en-US" smtClean="0"/>
+              <a:pPr/>
               <a:t>9/30/2009</a:t>
             </a:fld>
             <a:endParaRPr lang="en-US"/>
@@ -927,6 +934,7 @@
           <a:p>
             <a:fld id="{E3244379-C6BC-475B-ADDB-4C124F4E2DA1}" type="slidenum">
               <a:rPr lang="en-US" smtClean="0"/>
+              <a:pPr/>
               <a:t>‹#›</a:t>
             </a:fld>
             <a:endParaRPr lang="en-US"/>
@@ -1060,6 +1068,7 @@
           <a:p>
             <a:fld id="{50CC2CF7-1B93-4A44-87CB-33A5D0153F27}" type="datetimeFigureOut">
               <a:rPr lang="en-US" smtClean="0"/>
+              <a:pPr/>
               <a:t>9/30/2009</a:t>
             </a:fld>
             <a:endParaRPr lang="en-US"/>
@@ -1102,6 +1111,7 @@
           <a:p>
             <a:fld id="{E3244379-C6BC-475B-ADDB-4C124F4E2DA1}" type="slidenum">
               <a:rPr lang="en-US" smtClean="0"/>
+              <a:pPr/>
               <a:t>‹#›</a:t>
             </a:fld>
             <a:endParaRPr lang="en-US"/>
@@ -1225,6 +1235,7 @@
           <a:p>
             <a:fld id="{50CC2CF7-1B93-4A44-87CB-33A5D0153F27}" type="datetimeFigureOut">
               <a:rPr lang="en-US" smtClean="0"/>
+              <a:pPr/>
               <a:t>9/30/2009</a:t>
             </a:fld>
             <a:endParaRPr lang="en-US"/>
@@ -1267,6 +1278,7 @@
           <a:p>
             <a:fld id="{E3244379-C6BC-475B-ADDB-4C124F4E2DA1}" type="slidenum">
               <a:rPr lang="en-US" smtClean="0"/>
+              <a:pPr/>
               <a:t>‹#›</a:t>
             </a:fld>
             <a:endParaRPr lang="en-US"/>
@@ -1466,6 +1478,7 @@
           <a:p>
             <a:fld id="{50CC2CF7-1B93-4A44-87CB-33A5D0153F27}" type="datetimeFigureOut">
               <a:rPr lang="en-US" smtClean="0"/>
+              <a:pPr/>
               <a:t>9/30/2009</a:t>
             </a:fld>
             <a:endParaRPr lang="en-US"/>
@@ -1508,6 +1521,7 @@
           <a:p>
             <a:fld id="{E3244379-C6BC-475B-ADDB-4C124F4E2DA1}" type="slidenum">
               <a:rPr lang="en-US" smtClean="0"/>
+              <a:pPr/>
               <a:t>‹#›</a:t>
             </a:fld>
             <a:endParaRPr lang="en-US"/>
@@ -1749,6 +1763,7 @@
           <a:p>
             <a:fld id="{50CC2CF7-1B93-4A44-87CB-33A5D0153F27}" type="datetimeFigureOut">
               <a:rPr lang="en-US" smtClean="0"/>
+              <a:pPr/>
               <a:t>9/30/2009</a:t>
             </a:fld>
             <a:endParaRPr lang="en-US"/>
@@ -1791,6 +1806,7 @@
           <a:p>
             <a:fld id="{E3244379-C6BC-475B-ADDB-4C124F4E2DA1}" type="slidenum">
               <a:rPr lang="en-US" smtClean="0"/>
+              <a:pPr/>
               <a:t>‹#›</a:t>
             </a:fld>
             <a:endParaRPr lang="en-US"/>
@@ -2166,6 +2182,7 @@
           <a:p>
             <a:fld id="{50CC2CF7-1B93-4A44-87CB-33A5D0153F27}" type="datetimeFigureOut">
               <a:rPr lang="en-US" smtClean="0"/>
+              <a:pPr/>
               <a:t>9/30/2009</a:t>
             </a:fld>
             <a:endParaRPr lang="en-US"/>
@@ -2208,6 +2225,7 @@
           <a:p>
             <a:fld id="{E3244379-C6BC-475B-ADDB-4C124F4E2DA1}" type="slidenum">
               <a:rPr lang="en-US" smtClean="0"/>
+              <a:pPr/>
               <a:t>‹#›</a:t>
             </a:fld>
             <a:endParaRPr lang="en-US"/>
@@ -2279,6 +2297,7 @@
           <a:p>
             <a:fld id="{50CC2CF7-1B93-4A44-87CB-33A5D0153F27}" type="datetimeFigureOut">
               <a:rPr lang="en-US" smtClean="0"/>
+              <a:pPr/>
               <a:t>9/30/2009</a:t>
             </a:fld>
             <a:endParaRPr lang="en-US"/>
@@ -2321,6 +2340,7 @@
           <a:p>
             <a:fld id="{E3244379-C6BC-475B-ADDB-4C124F4E2DA1}" type="slidenum">
               <a:rPr lang="en-US" smtClean="0"/>
+              <a:pPr/>
               <a:t>‹#›</a:t>
             </a:fld>
             <a:endParaRPr lang="en-US"/>
@@ -2369,6 +2389,7 @@
           <a:p>
             <a:fld id="{50CC2CF7-1B93-4A44-87CB-33A5D0153F27}" type="datetimeFigureOut">
               <a:rPr lang="en-US" smtClean="0"/>
+              <a:pPr/>
               <a:t>9/30/2009</a:t>
             </a:fld>
             <a:endParaRPr lang="en-US"/>
@@ -2411,6 +2432,7 @@
           <a:p>
             <a:fld id="{E3244379-C6BC-475B-ADDB-4C124F4E2DA1}" type="slidenum">
               <a:rPr lang="en-US" smtClean="0"/>
+              <a:pPr/>
               <a:t>‹#›</a:t>
             </a:fld>
             <a:endParaRPr lang="en-US"/>
@@ -2641,6 +2663,7 @@
           <a:p>
             <a:fld id="{50CC2CF7-1B93-4A44-87CB-33A5D0153F27}" type="datetimeFigureOut">
               <a:rPr lang="en-US" smtClean="0"/>
+              <a:pPr/>
               <a:t>9/30/2009</a:t>
             </a:fld>
             <a:endParaRPr lang="en-US"/>
@@ -2683,6 +2706,7 @@
           <a:p>
             <a:fld id="{E3244379-C6BC-475B-ADDB-4C124F4E2DA1}" type="slidenum">
               <a:rPr lang="en-US" smtClean="0"/>
+              <a:pPr/>
               <a:t>‹#›</a:t>
             </a:fld>
             <a:endParaRPr lang="en-US"/>
@@ -2889,6 +2913,7 @@
           <a:p>
             <a:fld id="{50CC2CF7-1B93-4A44-87CB-33A5D0153F27}" type="datetimeFigureOut">
               <a:rPr lang="en-US" smtClean="0"/>
+              <a:pPr/>
               <a:t>9/30/2009</a:t>
             </a:fld>
             <a:endParaRPr lang="en-US"/>
@@ -2931,6 +2956,7 @@
           <a:p>
             <a:fld id="{E3244379-C6BC-475B-ADDB-4C124F4E2DA1}" type="slidenum">
               <a:rPr lang="en-US" smtClean="0"/>
+              <a:pPr/>
               <a:t>‹#›</a:t>
             </a:fld>
             <a:endParaRPr lang="en-US"/>
@@ -3097,6 +3123,7 @@
           <a:p>
             <a:fld id="{50CC2CF7-1B93-4A44-87CB-33A5D0153F27}" type="datetimeFigureOut">
               <a:rPr lang="en-US" smtClean="0"/>
+              <a:pPr/>
               <a:t>9/30/2009</a:t>
             </a:fld>
             <a:endParaRPr lang="en-US"/>
@@ -3175,6 +3202,7 @@
           <a:p>
             <a:fld id="{E3244379-C6BC-475B-ADDB-4C124F4E2DA1}" type="slidenum">
               <a:rPr lang="en-US" smtClean="0"/>
+              <a:pPr/>
               <a:t>‹#›</a:t>
             </a:fld>
             <a:endParaRPr lang="en-US"/>
@@ -5013,6 +5041,733 @@
           </a:p>
         </p:txBody>
       </p:sp>
+    </p:spTree>
+  </p:cSld>
+  <p:clrMapOvr>
+    <a:masterClrMapping/>
+  </p:clrMapOvr>
+</p:sld>
+</file>
+
+<file path=ppt/slides/slide3.xml><?xml version="1.0" encoding="utf-8"?>
+<p:sld xmlns:a="http://schemas.openxmlformats.org/drawingml/2006/main" xmlns:r="http://schemas.openxmlformats.org/officeDocument/2006/relationships" xmlns:p="http://schemas.openxmlformats.org/presentationml/2006/main">
+  <p:cSld>
+    <p:spTree>
+      <p:nvGrpSpPr>
+        <p:cNvPr id="1" name=""/>
+        <p:cNvGrpSpPr/>
+        <p:nvPr/>
+      </p:nvGrpSpPr>
+      <p:grpSpPr>
+        <a:xfrm>
+          <a:off x="0" y="0"/>
+          <a:ext cx="0" cy="0"/>
+          <a:chOff x="0" y="0"/>
+          <a:chExt cx="0" cy="0"/>
+        </a:xfrm>
+      </p:grpSpPr>
+      <p:sp>
+        <p:nvSpPr>
+          <p:cNvPr id="4" name="TextBox 3"/>
+          <p:cNvSpPr txBox="1"/>
+          <p:nvPr/>
+        </p:nvSpPr>
+        <p:spPr>
+          <a:xfrm>
+            <a:off x="1676400" y="1447800"/>
+            <a:ext cx="728084" cy="369332"/>
+          </a:xfrm>
+          <a:prstGeom prst="rect">
+            <a:avLst/>
+          </a:prstGeom>
+          <a:noFill/>
+          <a:ln>
+            <a:solidFill>
+              <a:schemeClr val="accent1">
+                <a:shade val="95000"/>
+                <a:satMod val="105000"/>
+              </a:schemeClr>
+            </a:solidFill>
+          </a:ln>
+        </p:spPr>
+        <p:txBody>
+          <a:bodyPr wrap="none" rtlCol="0">
+            <a:spAutoFit/>
+          </a:bodyPr>
+          <a:lstStyle/>
+          <a:p>
+            <a:r>
+              <a:rPr lang="en-US" dirty="0" smtClean="0"/>
+              <a:t>Video</a:t>
+            </a:r>
+            <a:endParaRPr lang="en-US" dirty="0"/>
+          </a:p>
+        </p:txBody>
+      </p:sp>
+      <p:sp>
+        <p:nvSpPr>
+          <p:cNvPr id="6" name="TextBox 5"/>
+          <p:cNvSpPr txBox="1"/>
+          <p:nvPr/>
+        </p:nvSpPr>
+        <p:spPr>
+          <a:xfrm>
+            <a:off x="4114800" y="1447800"/>
+            <a:ext cx="580608" cy="369332"/>
+          </a:xfrm>
+          <a:prstGeom prst="rect">
+            <a:avLst/>
+          </a:prstGeom>
+          <a:noFill/>
+          <a:ln>
+            <a:solidFill>
+              <a:schemeClr val="accent1">
+                <a:shade val="95000"/>
+                <a:satMod val="105000"/>
+              </a:schemeClr>
+            </a:solidFill>
+          </a:ln>
+        </p:spPr>
+        <p:txBody>
+          <a:bodyPr wrap="none" rtlCol="0">
+            <a:spAutoFit/>
+          </a:bodyPr>
+          <a:lstStyle/>
+          <a:p>
+            <a:r>
+              <a:rPr lang="en-US" dirty="0" smtClean="0"/>
+              <a:t>Film</a:t>
+            </a:r>
+            <a:endParaRPr lang="en-US" dirty="0"/>
+          </a:p>
+        </p:txBody>
+      </p:sp>
+      <p:sp>
+        <p:nvSpPr>
+          <p:cNvPr id="7" name="TextBox 6"/>
+          <p:cNvSpPr txBox="1"/>
+          <p:nvPr/>
+        </p:nvSpPr>
+        <p:spPr>
+          <a:xfrm>
+            <a:off x="6324600" y="1447800"/>
+            <a:ext cx="1197764" cy="369332"/>
+          </a:xfrm>
+          <a:prstGeom prst="rect">
+            <a:avLst/>
+          </a:prstGeom>
+          <a:noFill/>
+          <a:ln>
+            <a:solidFill>
+              <a:schemeClr val="accent1">
+                <a:shade val="95000"/>
+                <a:satMod val="105000"/>
+              </a:schemeClr>
+            </a:solidFill>
+          </a:ln>
+        </p:spPr>
+        <p:txBody>
+          <a:bodyPr wrap="none" rtlCol="0">
+            <a:spAutoFit/>
+          </a:bodyPr>
+          <a:lstStyle/>
+          <a:p>
+            <a:r>
+              <a:rPr lang="en-US" dirty="0" smtClean="0"/>
+              <a:t>Distributor</a:t>
+            </a:r>
+            <a:endParaRPr lang="en-US" dirty="0"/>
+          </a:p>
+        </p:txBody>
+      </p:sp>
+      <p:sp>
+        <p:nvSpPr>
+          <p:cNvPr id="8" name="TextBox 7"/>
+          <p:cNvSpPr txBox="1"/>
+          <p:nvPr/>
+        </p:nvSpPr>
+        <p:spPr>
+          <a:xfrm>
+            <a:off x="4267200" y="3124200"/>
+            <a:ext cx="617733" cy="369332"/>
+          </a:xfrm>
+          <a:prstGeom prst="rect">
+            <a:avLst/>
+          </a:prstGeom>
+          <a:noFill/>
+          <a:ln>
+            <a:solidFill>
+              <a:schemeClr val="accent1">
+                <a:shade val="95000"/>
+                <a:satMod val="105000"/>
+              </a:schemeClr>
+            </a:solidFill>
+          </a:ln>
+        </p:spPr>
+        <p:txBody>
+          <a:bodyPr wrap="none" rtlCol="0">
+            <a:spAutoFit/>
+          </a:bodyPr>
+          <a:lstStyle/>
+          <a:p>
+            <a:r>
+              <a:rPr lang="en-US" dirty="0" smtClean="0"/>
+              <a:t>Rent</a:t>
+            </a:r>
+            <a:endParaRPr lang="en-US" dirty="0"/>
+          </a:p>
+        </p:txBody>
+      </p:sp>
+      <p:sp>
+        <p:nvSpPr>
+          <p:cNvPr id="9" name="TextBox 8"/>
+          <p:cNvSpPr txBox="1"/>
+          <p:nvPr/>
+        </p:nvSpPr>
+        <p:spPr>
+          <a:xfrm>
+            <a:off x="6248400" y="3124200"/>
+            <a:ext cx="1108765" cy="369332"/>
+          </a:xfrm>
+          <a:prstGeom prst="rect">
+            <a:avLst/>
+          </a:prstGeom>
+          <a:noFill/>
+          <a:ln>
+            <a:solidFill>
+              <a:schemeClr val="accent1">
+                <a:shade val="95000"/>
+                <a:satMod val="105000"/>
+              </a:schemeClr>
+            </a:solidFill>
+          </a:ln>
+        </p:spPr>
+        <p:txBody>
+          <a:bodyPr wrap="none" rtlCol="0">
+            <a:spAutoFit/>
+          </a:bodyPr>
+          <a:lstStyle/>
+          <a:p>
+            <a:r>
+              <a:rPr lang="en-US" dirty="0" smtClean="0"/>
+              <a:t>Employee</a:t>
+            </a:r>
+            <a:endParaRPr lang="en-US" dirty="0"/>
+          </a:p>
+        </p:txBody>
+      </p:sp>
+      <p:sp>
+        <p:nvSpPr>
+          <p:cNvPr id="10" name="TextBox 9"/>
+          <p:cNvSpPr txBox="1"/>
+          <p:nvPr/>
+        </p:nvSpPr>
+        <p:spPr>
+          <a:xfrm>
+            <a:off x="1905000" y="3124200"/>
+            <a:ext cx="1093569" cy="369332"/>
+          </a:xfrm>
+          <a:prstGeom prst="rect">
+            <a:avLst/>
+          </a:prstGeom>
+          <a:noFill/>
+          <a:ln>
+            <a:solidFill>
+              <a:schemeClr val="accent1">
+                <a:shade val="95000"/>
+                <a:satMod val="105000"/>
+              </a:schemeClr>
+            </a:solidFill>
+          </a:ln>
+        </p:spPr>
+        <p:txBody>
+          <a:bodyPr wrap="none" rtlCol="0">
+            <a:spAutoFit/>
+          </a:bodyPr>
+          <a:lstStyle/>
+          <a:p>
+            <a:r>
+              <a:rPr lang="en-US" dirty="0" smtClean="0"/>
+              <a:t>Customer</a:t>
+            </a:r>
+            <a:endParaRPr lang="en-US" dirty="0"/>
+          </a:p>
+        </p:txBody>
+      </p:sp>
+      <p:sp>
+        <p:nvSpPr>
+          <p:cNvPr id="11" name="TextBox 10"/>
+          <p:cNvSpPr txBox="1"/>
+          <p:nvPr/>
+        </p:nvSpPr>
+        <p:spPr>
+          <a:xfrm>
+            <a:off x="1524000" y="4648200"/>
+            <a:ext cx="1021177" cy="369332"/>
+          </a:xfrm>
+          <a:prstGeom prst="rect">
+            <a:avLst/>
+          </a:prstGeom>
+          <a:noFill/>
+          <a:ln>
+            <a:solidFill>
+              <a:schemeClr val="accent1">
+                <a:shade val="95000"/>
+                <a:satMod val="105000"/>
+              </a:schemeClr>
+            </a:solidFill>
+          </a:ln>
+        </p:spPr>
+        <p:txBody>
+          <a:bodyPr wrap="none" rtlCol="0">
+            <a:spAutoFit/>
+          </a:bodyPr>
+          <a:lstStyle/>
+          <a:p>
+            <a:r>
+              <a:rPr lang="en-US" dirty="0" smtClean="0"/>
+              <a:t>Category</a:t>
+            </a:r>
+            <a:endParaRPr lang="en-US" dirty="0"/>
+          </a:p>
+        </p:txBody>
+      </p:sp>
+      <p:sp>
+        <p:nvSpPr>
+          <p:cNvPr id="12" name="TextBox 11"/>
+          <p:cNvSpPr txBox="1"/>
+          <p:nvPr/>
+        </p:nvSpPr>
+        <p:spPr>
+          <a:xfrm>
+            <a:off x="1981200" y="1828800"/>
+            <a:ext cx="935064" cy="646331"/>
+          </a:xfrm>
+          <a:prstGeom prst="rect">
+            <a:avLst/>
+          </a:prstGeom>
+          <a:noFill/>
+        </p:spPr>
+        <p:txBody>
+          <a:bodyPr wrap="none" rtlCol="0">
+            <a:spAutoFit/>
+          </a:bodyPr>
+          <a:lstStyle/>
+          <a:p>
+            <a:r>
+              <a:rPr lang="en-US" u="sng" dirty="0" err="1" smtClean="0"/>
+              <a:t>vidid</a:t>
+            </a:r>
+            <a:endParaRPr lang="en-US" u="sng" dirty="0" smtClean="0"/>
+          </a:p>
+          <a:p>
+            <a:pPr algn="r"/>
+            <a:r>
+              <a:rPr lang="en-US" dirty="0" err="1" smtClean="0"/>
+              <a:t>acqdate</a:t>
+            </a:r>
+            <a:endParaRPr lang="en-US" dirty="0"/>
+          </a:p>
+        </p:txBody>
+      </p:sp>
+      <p:sp>
+        <p:nvSpPr>
+          <p:cNvPr id="13" name="TextBox 12"/>
+          <p:cNvSpPr txBox="1"/>
+          <p:nvPr/>
+        </p:nvSpPr>
+        <p:spPr>
+          <a:xfrm>
+            <a:off x="6629400" y="1828801"/>
+            <a:ext cx="1110560" cy="646331"/>
+          </a:xfrm>
+          <a:prstGeom prst="rect">
+            <a:avLst/>
+          </a:prstGeom>
+          <a:noFill/>
+        </p:spPr>
+        <p:txBody>
+          <a:bodyPr wrap="square" rtlCol="0">
+            <a:spAutoFit/>
+          </a:bodyPr>
+          <a:lstStyle/>
+          <a:p>
+            <a:r>
+              <a:rPr lang="en-US" u="sng" dirty="0" err="1" smtClean="0"/>
+              <a:t>ditributor</a:t>
+            </a:r>
+            <a:endParaRPr lang="en-US" u="sng" dirty="0" smtClean="0"/>
+          </a:p>
+          <a:p>
+            <a:pPr algn="ctr"/>
+            <a:endParaRPr lang="en-US" dirty="0"/>
+          </a:p>
+        </p:txBody>
+      </p:sp>
+      <p:sp>
+        <p:nvSpPr>
+          <p:cNvPr id="14" name="TextBox 13"/>
+          <p:cNvSpPr txBox="1"/>
+          <p:nvPr/>
+        </p:nvSpPr>
+        <p:spPr>
+          <a:xfrm>
+            <a:off x="4343400" y="1828800"/>
+            <a:ext cx="901209" cy="646331"/>
+          </a:xfrm>
+          <a:prstGeom prst="rect">
+            <a:avLst/>
+          </a:prstGeom>
+          <a:noFill/>
+        </p:spPr>
+        <p:txBody>
+          <a:bodyPr wrap="none" rtlCol="0">
+            <a:spAutoFit/>
+          </a:bodyPr>
+          <a:lstStyle/>
+          <a:p>
+            <a:r>
+              <a:rPr lang="en-US" u="sng" dirty="0" smtClean="0"/>
+              <a:t>title</a:t>
+            </a:r>
+          </a:p>
+          <a:p>
+            <a:pPr algn="r"/>
+            <a:r>
+              <a:rPr lang="en-US" u="sng" dirty="0" err="1" smtClean="0"/>
+              <a:t>yrmade</a:t>
+            </a:r>
+            <a:endParaRPr lang="en-US" u="sng" dirty="0"/>
+          </a:p>
+        </p:txBody>
+      </p:sp>
+      <p:sp>
+        <p:nvSpPr>
+          <p:cNvPr id="15" name="TextBox 14"/>
+          <p:cNvSpPr txBox="1"/>
+          <p:nvPr/>
+        </p:nvSpPr>
+        <p:spPr>
+          <a:xfrm>
+            <a:off x="2438400" y="3505200"/>
+            <a:ext cx="1171154" cy="923330"/>
+          </a:xfrm>
+          <a:prstGeom prst="rect">
+            <a:avLst/>
+          </a:prstGeom>
+          <a:noFill/>
+        </p:spPr>
+        <p:txBody>
+          <a:bodyPr wrap="none" rtlCol="0">
+            <a:spAutoFit/>
+          </a:bodyPr>
+          <a:lstStyle/>
+          <a:p>
+            <a:r>
+              <a:rPr lang="en-US" u="sng" dirty="0" err="1" smtClean="0"/>
+              <a:t>custid</a:t>
+            </a:r>
+            <a:endParaRPr lang="en-US" u="sng" dirty="0" smtClean="0"/>
+          </a:p>
+          <a:p>
+            <a:pPr algn="r"/>
+            <a:r>
+              <a:rPr lang="en-US" dirty="0" err="1" smtClean="0"/>
+              <a:t>custaddr</a:t>
+            </a:r>
+            <a:endParaRPr lang="en-US" dirty="0" smtClean="0"/>
+          </a:p>
+          <a:p>
+            <a:pPr algn="r"/>
+            <a:r>
+              <a:rPr lang="en-US" dirty="0" err="1" smtClean="0"/>
+              <a:t>custphone</a:t>
+            </a:r>
+            <a:endParaRPr lang="en-US" dirty="0"/>
+          </a:p>
+        </p:txBody>
+      </p:sp>
+      <p:sp>
+        <p:nvSpPr>
+          <p:cNvPr id="18" name="TextBox 17"/>
+          <p:cNvSpPr txBox="1"/>
+          <p:nvPr/>
+        </p:nvSpPr>
+        <p:spPr>
+          <a:xfrm>
+            <a:off x="4419600" y="3429000"/>
+            <a:ext cx="1044068" cy="923330"/>
+          </a:xfrm>
+          <a:prstGeom prst="rect">
+            <a:avLst/>
+          </a:prstGeom>
+          <a:noFill/>
+        </p:spPr>
+        <p:txBody>
+          <a:bodyPr wrap="none" rtlCol="0">
+            <a:spAutoFit/>
+          </a:bodyPr>
+          <a:lstStyle/>
+          <a:p>
+            <a:r>
+              <a:rPr lang="en-US" dirty="0" err="1" smtClean="0"/>
+              <a:t>rentdate</a:t>
+            </a:r>
+            <a:endParaRPr lang="en-US" dirty="0" smtClean="0"/>
+          </a:p>
+          <a:p>
+            <a:r>
+              <a:rPr lang="en-US" dirty="0" err="1" smtClean="0"/>
+              <a:t>Renttime</a:t>
+            </a:r>
+            <a:endParaRPr lang="en-US" dirty="0" smtClean="0"/>
+          </a:p>
+          <a:p>
+            <a:r>
+              <a:rPr lang="en-US" dirty="0" err="1" smtClean="0"/>
+              <a:t>duedate</a:t>
+            </a:r>
+            <a:endParaRPr lang="en-US" dirty="0"/>
+          </a:p>
+        </p:txBody>
+      </p:sp>
+      <p:sp>
+        <p:nvSpPr>
+          <p:cNvPr id="19" name="TextBox 18"/>
+          <p:cNvSpPr txBox="1"/>
+          <p:nvPr/>
+        </p:nvSpPr>
+        <p:spPr>
+          <a:xfrm>
+            <a:off x="6781800" y="3429000"/>
+            <a:ext cx="1138453" cy="646331"/>
+          </a:xfrm>
+          <a:prstGeom prst="rect">
+            <a:avLst/>
+          </a:prstGeom>
+          <a:noFill/>
+        </p:spPr>
+        <p:txBody>
+          <a:bodyPr wrap="none" rtlCol="0">
+            <a:spAutoFit/>
+          </a:bodyPr>
+          <a:lstStyle/>
+          <a:p>
+            <a:r>
+              <a:rPr lang="en-US" u="sng" dirty="0" err="1" smtClean="0"/>
+              <a:t>empno</a:t>
+            </a:r>
+            <a:endParaRPr lang="en-US" u="sng" dirty="0" smtClean="0"/>
+          </a:p>
+          <a:p>
+            <a:r>
+              <a:rPr lang="en-US" dirty="0" err="1" smtClean="0"/>
+              <a:t>empname</a:t>
+            </a:r>
+            <a:endParaRPr lang="en-US" dirty="0"/>
+          </a:p>
+        </p:txBody>
+      </p:sp>
+      <p:cxnSp>
+        <p:nvCxnSpPr>
+          <p:cNvPr id="22" name="Straight Connector 21"/>
+          <p:cNvCxnSpPr>
+            <a:stCxn id="6" idx="3"/>
+            <a:endCxn id="7" idx="1"/>
+          </p:cNvCxnSpPr>
+          <p:nvPr/>
+        </p:nvCxnSpPr>
+        <p:spPr>
+          <a:xfrm>
+            <a:off x="4695408" y="1632466"/>
+            <a:ext cx="1629192" cy="1588"/>
+          </a:xfrm>
+          <a:prstGeom prst="line">
+            <a:avLst/>
+          </a:prstGeom>
+        </p:spPr>
+        <p:style>
+          <a:lnRef idx="1">
+            <a:schemeClr val="accent1"/>
+          </a:lnRef>
+          <a:fillRef idx="0">
+            <a:schemeClr val="accent1"/>
+          </a:fillRef>
+          <a:effectRef idx="0">
+            <a:schemeClr val="accent1"/>
+          </a:effectRef>
+          <a:fontRef idx="minor">
+            <a:schemeClr val="tx1"/>
+          </a:fontRef>
+        </p:style>
+      </p:cxnSp>
+      <p:cxnSp>
+        <p:nvCxnSpPr>
+          <p:cNvPr id="24" name="Straight Connector 23"/>
+          <p:cNvCxnSpPr>
+            <a:stCxn id="4" idx="3"/>
+            <a:endCxn id="6" idx="1"/>
+          </p:cNvCxnSpPr>
+          <p:nvPr/>
+        </p:nvCxnSpPr>
+        <p:spPr>
+          <a:xfrm>
+            <a:off x="2404484" y="1632466"/>
+            <a:ext cx="1710316" cy="1588"/>
+          </a:xfrm>
+          <a:prstGeom prst="line">
+            <a:avLst/>
+          </a:prstGeom>
+        </p:spPr>
+        <p:style>
+          <a:lnRef idx="1">
+            <a:schemeClr val="accent1"/>
+          </a:lnRef>
+          <a:fillRef idx="0">
+            <a:schemeClr val="accent1"/>
+          </a:fillRef>
+          <a:effectRef idx="0">
+            <a:schemeClr val="accent1"/>
+          </a:effectRef>
+          <a:fontRef idx="minor">
+            <a:schemeClr val="tx1"/>
+          </a:fontRef>
+        </p:style>
+      </p:cxnSp>
+      <p:cxnSp>
+        <p:nvCxnSpPr>
+          <p:cNvPr id="26" name="Straight Connector 25"/>
+          <p:cNvCxnSpPr>
+            <a:stCxn id="9" idx="1"/>
+            <a:endCxn id="8" idx="3"/>
+          </p:cNvCxnSpPr>
+          <p:nvPr/>
+        </p:nvCxnSpPr>
+        <p:spPr>
+          <a:xfrm rot="10800000">
+            <a:off x="4884934" y="3308866"/>
+            <a:ext cx="1363467" cy="1588"/>
+          </a:xfrm>
+          <a:prstGeom prst="line">
+            <a:avLst/>
+          </a:prstGeom>
+        </p:spPr>
+        <p:style>
+          <a:lnRef idx="1">
+            <a:schemeClr val="accent1"/>
+          </a:lnRef>
+          <a:fillRef idx="0">
+            <a:schemeClr val="accent1"/>
+          </a:fillRef>
+          <a:effectRef idx="0">
+            <a:schemeClr val="accent1"/>
+          </a:effectRef>
+          <a:fontRef idx="minor">
+            <a:schemeClr val="tx1"/>
+          </a:fontRef>
+        </p:style>
+      </p:cxnSp>
+      <p:cxnSp>
+        <p:nvCxnSpPr>
+          <p:cNvPr id="28" name="Straight Connector 27"/>
+          <p:cNvCxnSpPr>
+            <a:stCxn id="8" idx="1"/>
+            <a:endCxn id="10" idx="3"/>
+          </p:cNvCxnSpPr>
+          <p:nvPr/>
+        </p:nvCxnSpPr>
+        <p:spPr>
+          <a:xfrm rot="10800000">
+            <a:off x="2998570" y="3308866"/>
+            <a:ext cx="1268631" cy="1588"/>
+          </a:xfrm>
+          <a:prstGeom prst="line">
+            <a:avLst/>
+          </a:prstGeom>
+        </p:spPr>
+        <p:style>
+          <a:lnRef idx="1">
+            <a:schemeClr val="accent1"/>
+          </a:lnRef>
+          <a:fillRef idx="0">
+            <a:schemeClr val="accent1"/>
+          </a:fillRef>
+          <a:effectRef idx="0">
+            <a:schemeClr val="accent1"/>
+          </a:effectRef>
+          <a:fontRef idx="minor">
+            <a:schemeClr val="tx1"/>
+          </a:fontRef>
+        </p:style>
+      </p:cxnSp>
+      <p:cxnSp>
+        <p:nvCxnSpPr>
+          <p:cNvPr id="30" name="Elbow Connector 29"/>
+          <p:cNvCxnSpPr>
+            <a:stCxn id="4" idx="2"/>
+            <a:endCxn id="8" idx="0"/>
+          </p:cNvCxnSpPr>
+          <p:nvPr/>
+        </p:nvCxnSpPr>
+        <p:spPr>
+          <a:xfrm rot="16200000" flipH="1">
+            <a:off x="2654720" y="1202853"/>
+            <a:ext cx="1307068" cy="2535625"/>
+          </a:xfrm>
+          <a:prstGeom prst="bentConnector3">
+            <a:avLst>
+              <a:gd name="adj1" fmla="val 50000"/>
+            </a:avLst>
+          </a:prstGeom>
+        </p:spPr>
+        <p:style>
+          <a:lnRef idx="1">
+            <a:schemeClr val="accent1"/>
+          </a:lnRef>
+          <a:fillRef idx="0">
+            <a:schemeClr val="accent1"/>
+          </a:fillRef>
+          <a:effectRef idx="0">
+            <a:schemeClr val="accent1"/>
+          </a:effectRef>
+          <a:fontRef idx="minor">
+            <a:schemeClr val="tx1"/>
+          </a:fontRef>
+        </p:style>
+      </p:cxnSp>
+      <p:cxnSp>
+        <p:nvCxnSpPr>
+          <p:cNvPr id="34" name="Straight Connector 33"/>
+          <p:cNvCxnSpPr>
+            <a:stCxn id="11" idx="0"/>
+            <a:endCxn id="10" idx="2"/>
+          </p:cNvCxnSpPr>
+          <p:nvPr/>
+        </p:nvCxnSpPr>
+        <p:spPr>
+          <a:xfrm rot="5400000" flipH="1" flipV="1">
+            <a:off x="1665853" y="3862268"/>
+            <a:ext cx="1154668" cy="417196"/>
+          </a:xfrm>
+          <a:prstGeom prst="line">
+            <a:avLst/>
+          </a:prstGeom>
+        </p:spPr>
+        <p:style>
+          <a:lnRef idx="1">
+            <a:schemeClr val="accent1"/>
+          </a:lnRef>
+          <a:fillRef idx="0">
+            <a:schemeClr val="accent1"/>
+          </a:fillRef>
+          <a:effectRef idx="0">
+            <a:schemeClr val="accent1"/>
+          </a:effectRef>
+          <a:fontRef idx="minor">
+            <a:schemeClr val="tx1"/>
+          </a:fontRef>
+        </p:style>
+      </p:cxnSp>
     </p:spTree>
   </p:cSld>
   <p:clrMapOvr>

--- a/trunk/classes/CS579/dbclass/hw4-1a.pptx
+++ b/trunk/classes/CS579/dbclass/hw4-1a.pptx
@@ -5,12 +5,15 @@
     <p:sldMasterId id="2147483648" r:id="rId1"/>
   </p:sldMasterIdLst>
   <p:notesMasterIdLst>
-    <p:notesMasterId r:id="rId5"/>
+    <p:notesMasterId r:id="rId8"/>
   </p:notesMasterIdLst>
   <p:sldIdLst>
     <p:sldId id="256" r:id="rId2"/>
     <p:sldId id="257" r:id="rId3"/>
     <p:sldId id="258" r:id="rId4"/>
+    <p:sldId id="259" r:id="rId5"/>
+    <p:sldId id="261" r:id="rId6"/>
+    <p:sldId id="260" r:id="rId7"/>
   </p:sldIdLst>
   <p:sldSz cx="9144000" cy="6858000" type="screen4x3"/>
   <p:notesSz cx="6858000" cy="9144000"/>
@@ -195,7 +198,7 @@
             <a:fld id="{666F70CD-B0C7-4C56-9A8F-EBF0212E2FD0}" type="datetimeFigureOut">
               <a:rPr lang="en-US" smtClean="0"/>
               <a:pPr/>
-              <a:t>9/30/2009</a:t>
+              <a:t>10/5/2009</a:t>
             </a:fld>
             <a:endParaRPr lang="en-US"/>
           </a:p>
@@ -725,7 +728,7 @@
             <a:fld id="{50CC2CF7-1B93-4A44-87CB-33A5D0153F27}" type="datetimeFigureOut">
               <a:rPr lang="en-US" smtClean="0"/>
               <a:pPr/>
-              <a:t>9/30/2009</a:t>
+              <a:t>10/5/2009</a:t>
             </a:fld>
             <a:endParaRPr lang="en-US"/>
           </a:p>
@@ -892,7 +895,7 @@
             <a:fld id="{50CC2CF7-1B93-4A44-87CB-33A5D0153F27}" type="datetimeFigureOut">
               <a:rPr lang="en-US" smtClean="0"/>
               <a:pPr/>
-              <a:t>9/30/2009</a:t>
+              <a:t>10/5/2009</a:t>
             </a:fld>
             <a:endParaRPr lang="en-US"/>
           </a:p>
@@ -1069,7 +1072,7 @@
             <a:fld id="{50CC2CF7-1B93-4A44-87CB-33A5D0153F27}" type="datetimeFigureOut">
               <a:rPr lang="en-US" smtClean="0"/>
               <a:pPr/>
-              <a:t>9/30/2009</a:t>
+              <a:t>10/5/2009</a:t>
             </a:fld>
             <a:endParaRPr lang="en-US"/>
           </a:p>
@@ -1236,7 +1239,7 @@
             <a:fld id="{50CC2CF7-1B93-4A44-87CB-33A5D0153F27}" type="datetimeFigureOut">
               <a:rPr lang="en-US" smtClean="0"/>
               <a:pPr/>
-              <a:t>9/30/2009</a:t>
+              <a:t>10/5/2009</a:t>
             </a:fld>
             <a:endParaRPr lang="en-US"/>
           </a:p>
@@ -1479,7 +1482,7 @@
             <a:fld id="{50CC2CF7-1B93-4A44-87CB-33A5D0153F27}" type="datetimeFigureOut">
               <a:rPr lang="en-US" smtClean="0"/>
               <a:pPr/>
-              <a:t>9/30/2009</a:t>
+              <a:t>10/5/2009</a:t>
             </a:fld>
             <a:endParaRPr lang="en-US"/>
           </a:p>
@@ -1764,7 +1767,7 @@
             <a:fld id="{50CC2CF7-1B93-4A44-87CB-33A5D0153F27}" type="datetimeFigureOut">
               <a:rPr lang="en-US" smtClean="0"/>
               <a:pPr/>
-              <a:t>9/30/2009</a:t>
+              <a:t>10/5/2009</a:t>
             </a:fld>
             <a:endParaRPr lang="en-US"/>
           </a:p>
@@ -2183,7 +2186,7 @@
             <a:fld id="{50CC2CF7-1B93-4A44-87CB-33A5D0153F27}" type="datetimeFigureOut">
               <a:rPr lang="en-US" smtClean="0"/>
               <a:pPr/>
-              <a:t>9/30/2009</a:t>
+              <a:t>10/5/2009</a:t>
             </a:fld>
             <a:endParaRPr lang="en-US"/>
           </a:p>
@@ -2298,7 +2301,7 @@
             <a:fld id="{50CC2CF7-1B93-4A44-87CB-33A5D0153F27}" type="datetimeFigureOut">
               <a:rPr lang="en-US" smtClean="0"/>
               <a:pPr/>
-              <a:t>9/30/2009</a:t>
+              <a:t>10/5/2009</a:t>
             </a:fld>
             <a:endParaRPr lang="en-US"/>
           </a:p>
@@ -2390,7 +2393,7 @@
             <a:fld id="{50CC2CF7-1B93-4A44-87CB-33A5D0153F27}" type="datetimeFigureOut">
               <a:rPr lang="en-US" smtClean="0"/>
               <a:pPr/>
-              <a:t>9/30/2009</a:t>
+              <a:t>10/5/2009</a:t>
             </a:fld>
             <a:endParaRPr lang="en-US"/>
           </a:p>
@@ -2664,7 +2667,7 @@
             <a:fld id="{50CC2CF7-1B93-4A44-87CB-33A5D0153F27}" type="datetimeFigureOut">
               <a:rPr lang="en-US" smtClean="0"/>
               <a:pPr/>
-              <a:t>9/30/2009</a:t>
+              <a:t>10/5/2009</a:t>
             </a:fld>
             <a:endParaRPr lang="en-US"/>
           </a:p>
@@ -2914,7 +2917,7 @@
             <a:fld id="{50CC2CF7-1B93-4A44-87CB-33A5D0153F27}" type="datetimeFigureOut">
               <a:rPr lang="en-US" smtClean="0"/>
               <a:pPr/>
-              <a:t>9/30/2009</a:t>
+              <a:t>10/5/2009</a:t>
             </a:fld>
             <a:endParaRPr lang="en-US"/>
           </a:p>
@@ -3124,7 +3127,7 @@
             <a:fld id="{50CC2CF7-1B93-4A44-87CB-33A5D0153F27}" type="datetimeFigureOut">
               <a:rPr lang="en-US" smtClean="0"/>
               <a:pPr/>
-              <a:t>9/30/2009</a:t>
+              <a:t>10/5/2009</a:t>
             </a:fld>
             <a:endParaRPr lang="en-US"/>
           </a:p>
@@ -5768,6 +5771,1643 @@
           </a:fontRef>
         </p:style>
       </p:cxnSp>
+    </p:spTree>
+  </p:cSld>
+  <p:clrMapOvr>
+    <a:masterClrMapping/>
+  </p:clrMapOvr>
+</p:sld>
+</file>
+
+<file path=ppt/slides/slide4.xml><?xml version="1.0" encoding="utf-8"?>
+<p:sld xmlns:a="http://schemas.openxmlformats.org/drawingml/2006/main" xmlns:r="http://schemas.openxmlformats.org/officeDocument/2006/relationships" xmlns:p="http://schemas.openxmlformats.org/presentationml/2006/main">
+  <p:cSld>
+    <p:spTree>
+      <p:nvGrpSpPr>
+        <p:cNvPr id="1" name=""/>
+        <p:cNvGrpSpPr/>
+        <p:nvPr/>
+      </p:nvGrpSpPr>
+      <p:grpSpPr>
+        <a:xfrm>
+          <a:off x="0" y="0"/>
+          <a:ext cx="0" cy="0"/>
+          <a:chOff x="0" y="0"/>
+          <a:chExt cx="0" cy="0"/>
+        </a:xfrm>
+      </p:grpSpPr>
+      <p:sp>
+        <p:nvSpPr>
+          <p:cNvPr id="4" name="TextBox 3"/>
+          <p:cNvSpPr txBox="1"/>
+          <p:nvPr/>
+        </p:nvSpPr>
+        <p:spPr>
+          <a:xfrm>
+            <a:off x="2057400" y="1981200"/>
+            <a:ext cx="972126" cy="2308324"/>
+          </a:xfrm>
+          <a:prstGeom prst="rect">
+            <a:avLst/>
+          </a:prstGeom>
+          <a:noFill/>
+          <a:ln>
+            <a:solidFill>
+              <a:schemeClr val="tx1"/>
+            </a:solidFill>
+          </a:ln>
+        </p:spPr>
+        <p:txBody>
+          <a:bodyPr wrap="square" rtlCol="0">
+            <a:spAutoFit/>
+          </a:bodyPr>
+          <a:lstStyle/>
+          <a:p>
+            <a:r>
+              <a:rPr lang="en-US" dirty="0" err="1" smtClean="0"/>
+              <a:t>empno</a:t>
+            </a:r>
+            <a:endParaRPr lang="en-US" dirty="0" smtClean="0"/>
+          </a:p>
+          <a:p>
+            <a:r>
+              <a:rPr lang="en-US" dirty="0" err="1" smtClean="0"/>
+              <a:t>ename</a:t>
+            </a:r>
+            <a:endParaRPr lang="en-US" dirty="0" smtClean="0"/>
+          </a:p>
+          <a:p>
+            <a:r>
+              <a:rPr lang="en-US" dirty="0" smtClean="0"/>
+              <a:t>job</a:t>
+            </a:r>
+          </a:p>
+          <a:p>
+            <a:r>
+              <a:rPr lang="en-US" dirty="0" smtClean="0"/>
+              <a:t>mgr</a:t>
+            </a:r>
+          </a:p>
+          <a:p>
+            <a:r>
+              <a:rPr lang="en-US" dirty="0" err="1" smtClean="0"/>
+              <a:t>hiredate</a:t>
+            </a:r>
+            <a:endParaRPr lang="en-US" dirty="0" smtClean="0"/>
+          </a:p>
+          <a:p>
+            <a:r>
+              <a:rPr lang="en-US" dirty="0" err="1" smtClean="0"/>
+              <a:t>sal</a:t>
+            </a:r>
+            <a:endParaRPr lang="en-US" dirty="0" smtClean="0"/>
+          </a:p>
+          <a:p>
+            <a:r>
+              <a:rPr lang="en-US" dirty="0" err="1" smtClean="0"/>
+              <a:t>comm</a:t>
+            </a:r>
+            <a:endParaRPr lang="en-US" dirty="0" smtClean="0"/>
+          </a:p>
+          <a:p>
+            <a:r>
+              <a:rPr lang="en-US" dirty="0" err="1" smtClean="0"/>
+              <a:t>deptno</a:t>
+            </a:r>
+            <a:endParaRPr lang="en-US" dirty="0"/>
+          </a:p>
+        </p:txBody>
+      </p:sp>
+      <p:sp>
+        <p:nvSpPr>
+          <p:cNvPr id="5" name="TextBox 4"/>
+          <p:cNvSpPr txBox="1"/>
+          <p:nvPr/>
+        </p:nvSpPr>
+        <p:spPr>
+          <a:xfrm>
+            <a:off x="2057400" y="1295400"/>
+            <a:ext cx="859979" cy="369332"/>
+          </a:xfrm>
+          <a:prstGeom prst="rect">
+            <a:avLst/>
+          </a:prstGeom>
+          <a:noFill/>
+        </p:spPr>
+        <p:txBody>
+          <a:bodyPr wrap="square" rtlCol="0">
+            <a:spAutoFit/>
+          </a:bodyPr>
+          <a:lstStyle/>
+          <a:p>
+            <a:r>
+              <a:rPr lang="en-US" dirty="0" err="1" smtClean="0"/>
+              <a:t>Emps</a:t>
+            </a:r>
+            <a:r>
+              <a:rPr lang="en-US" dirty="0" smtClean="0"/>
+              <a:t> e</a:t>
+            </a:r>
+            <a:endParaRPr lang="en-US" dirty="0"/>
+          </a:p>
+        </p:txBody>
+      </p:sp>
+      <p:sp>
+        <p:nvSpPr>
+          <p:cNvPr id="6" name="TextBox 5"/>
+          <p:cNvSpPr txBox="1"/>
+          <p:nvPr/>
+        </p:nvSpPr>
+        <p:spPr>
+          <a:xfrm>
+            <a:off x="4038600" y="1981200"/>
+            <a:ext cx="972126" cy="2308324"/>
+          </a:xfrm>
+          <a:prstGeom prst="rect">
+            <a:avLst/>
+          </a:prstGeom>
+          <a:noFill/>
+          <a:ln>
+            <a:solidFill>
+              <a:schemeClr val="tx1"/>
+            </a:solidFill>
+          </a:ln>
+        </p:spPr>
+        <p:txBody>
+          <a:bodyPr wrap="square" rtlCol="0">
+            <a:spAutoFit/>
+          </a:bodyPr>
+          <a:lstStyle/>
+          <a:p>
+            <a:r>
+              <a:rPr lang="en-US" dirty="0" err="1" smtClean="0"/>
+              <a:t>empno</a:t>
+            </a:r>
+            <a:endParaRPr lang="en-US" dirty="0" smtClean="0"/>
+          </a:p>
+          <a:p>
+            <a:r>
+              <a:rPr lang="en-US" dirty="0" err="1" smtClean="0"/>
+              <a:t>ename</a:t>
+            </a:r>
+            <a:endParaRPr lang="en-US" dirty="0" smtClean="0"/>
+          </a:p>
+          <a:p>
+            <a:r>
+              <a:rPr lang="en-US" dirty="0" smtClean="0"/>
+              <a:t>job</a:t>
+            </a:r>
+          </a:p>
+          <a:p>
+            <a:r>
+              <a:rPr lang="en-US" dirty="0" smtClean="0"/>
+              <a:t>mgr</a:t>
+            </a:r>
+          </a:p>
+          <a:p>
+            <a:r>
+              <a:rPr lang="en-US" dirty="0" err="1" smtClean="0"/>
+              <a:t>hiredate</a:t>
+            </a:r>
+            <a:endParaRPr lang="en-US" dirty="0" smtClean="0"/>
+          </a:p>
+          <a:p>
+            <a:r>
+              <a:rPr lang="en-US" dirty="0" err="1" smtClean="0"/>
+              <a:t>sal</a:t>
+            </a:r>
+            <a:endParaRPr lang="en-US" dirty="0" smtClean="0"/>
+          </a:p>
+          <a:p>
+            <a:r>
+              <a:rPr lang="en-US" dirty="0" err="1" smtClean="0"/>
+              <a:t>comm</a:t>
+            </a:r>
+            <a:endParaRPr lang="en-US" dirty="0" smtClean="0"/>
+          </a:p>
+          <a:p>
+            <a:r>
+              <a:rPr lang="en-US" dirty="0" err="1" smtClean="0"/>
+              <a:t>deptno</a:t>
+            </a:r>
+            <a:endParaRPr lang="en-US" dirty="0"/>
+          </a:p>
+        </p:txBody>
+      </p:sp>
+      <p:sp>
+        <p:nvSpPr>
+          <p:cNvPr id="7" name="TextBox 6"/>
+          <p:cNvSpPr txBox="1"/>
+          <p:nvPr/>
+        </p:nvSpPr>
+        <p:spPr>
+          <a:xfrm>
+            <a:off x="4038600" y="1295400"/>
+            <a:ext cx="928909" cy="369332"/>
+          </a:xfrm>
+          <a:prstGeom prst="rect">
+            <a:avLst/>
+          </a:prstGeom>
+          <a:noFill/>
+        </p:spPr>
+        <p:txBody>
+          <a:bodyPr wrap="square" rtlCol="0">
+            <a:spAutoFit/>
+          </a:bodyPr>
+          <a:lstStyle/>
+          <a:p>
+            <a:r>
+              <a:rPr lang="en-US" dirty="0" err="1" smtClean="0"/>
+              <a:t>Emps</a:t>
+            </a:r>
+            <a:r>
+              <a:rPr lang="en-US" dirty="0" smtClean="0"/>
+              <a:t> m</a:t>
+            </a:r>
+            <a:endParaRPr lang="en-US" dirty="0"/>
+          </a:p>
+        </p:txBody>
+      </p:sp>
+      <p:cxnSp>
+        <p:nvCxnSpPr>
+          <p:cNvPr id="8" name="Straight Connector 7"/>
+          <p:cNvCxnSpPr/>
+          <p:nvPr/>
+        </p:nvCxnSpPr>
+        <p:spPr>
+          <a:xfrm>
+            <a:off x="2895600" y="2133600"/>
+            <a:ext cx="1143000" cy="838200"/>
+          </a:xfrm>
+          <a:prstGeom prst="line">
+            <a:avLst/>
+          </a:prstGeom>
+          <a:ln>
+            <a:solidFill>
+              <a:srgbClr val="FF0000"/>
+            </a:solidFill>
+          </a:ln>
+        </p:spPr>
+        <p:style>
+          <a:lnRef idx="1">
+            <a:schemeClr val="accent1"/>
+          </a:lnRef>
+          <a:fillRef idx="0">
+            <a:schemeClr val="accent1"/>
+          </a:fillRef>
+          <a:effectRef idx="0">
+            <a:schemeClr val="accent1"/>
+          </a:effectRef>
+          <a:fontRef idx="minor">
+            <a:schemeClr val="tx1"/>
+          </a:fontRef>
+        </p:style>
+      </p:cxnSp>
+      <p:sp>
+        <p:nvSpPr>
+          <p:cNvPr id="9" name="Right Arrow 8"/>
+          <p:cNvSpPr/>
+          <p:nvPr/>
+        </p:nvSpPr>
+        <p:spPr>
+          <a:xfrm>
+            <a:off x="1600200" y="2438400"/>
+            <a:ext cx="457200" cy="45719"/>
+          </a:xfrm>
+          <a:prstGeom prst="rightArrow">
+            <a:avLst/>
+          </a:prstGeom>
+          <a:noFill/>
+          <a:ln w="50800"/>
+        </p:spPr>
+        <p:style>
+          <a:lnRef idx="2">
+            <a:schemeClr val="accent1">
+              <a:shade val="50000"/>
+            </a:schemeClr>
+          </a:lnRef>
+          <a:fillRef idx="1">
+            <a:schemeClr val="accent1"/>
+          </a:fillRef>
+          <a:effectRef idx="0">
+            <a:schemeClr val="accent1"/>
+          </a:effectRef>
+          <a:fontRef idx="minor">
+            <a:schemeClr val="lt1"/>
+          </a:fontRef>
+        </p:style>
+        <p:txBody>
+          <a:bodyPr rtlCol="0" anchor="ctr"/>
+          <a:lstStyle/>
+          <a:p>
+            <a:pPr algn="ctr"/>
+            <a:endParaRPr lang="en-US"/>
+          </a:p>
+        </p:txBody>
+      </p:sp>
+      <p:sp>
+        <p:nvSpPr>
+          <p:cNvPr id="10" name="Right Arrow 9"/>
+          <p:cNvSpPr/>
+          <p:nvPr/>
+        </p:nvSpPr>
+        <p:spPr>
+          <a:xfrm>
+            <a:off x="1600200" y="2667000"/>
+            <a:ext cx="457200" cy="45719"/>
+          </a:xfrm>
+          <a:prstGeom prst="rightArrow">
+            <a:avLst/>
+          </a:prstGeom>
+          <a:noFill/>
+          <a:ln w="50800"/>
+        </p:spPr>
+        <p:style>
+          <a:lnRef idx="2">
+            <a:schemeClr val="accent1">
+              <a:shade val="50000"/>
+            </a:schemeClr>
+          </a:lnRef>
+          <a:fillRef idx="1">
+            <a:schemeClr val="accent1"/>
+          </a:fillRef>
+          <a:effectRef idx="0">
+            <a:schemeClr val="accent1"/>
+          </a:effectRef>
+          <a:fontRef idx="minor">
+            <a:schemeClr val="lt1"/>
+          </a:fontRef>
+        </p:style>
+        <p:txBody>
+          <a:bodyPr rtlCol="0" anchor="ctr"/>
+          <a:lstStyle/>
+          <a:p>
+            <a:pPr algn="ctr"/>
+            <a:endParaRPr lang="en-US"/>
+          </a:p>
+        </p:txBody>
+      </p:sp>
+      <p:sp>
+        <p:nvSpPr>
+          <p:cNvPr id="22" name="Right Arrow 21"/>
+          <p:cNvSpPr/>
+          <p:nvPr/>
+        </p:nvSpPr>
+        <p:spPr>
+          <a:xfrm>
+            <a:off x="3581400" y="2971800"/>
+            <a:ext cx="457200" cy="45719"/>
+          </a:xfrm>
+          <a:prstGeom prst="rightArrow">
+            <a:avLst/>
+          </a:prstGeom>
+          <a:noFill/>
+          <a:ln w="50800"/>
+        </p:spPr>
+        <p:style>
+          <a:lnRef idx="2">
+            <a:schemeClr val="accent1">
+              <a:shade val="50000"/>
+            </a:schemeClr>
+          </a:lnRef>
+          <a:fillRef idx="1">
+            <a:schemeClr val="accent1"/>
+          </a:fillRef>
+          <a:effectRef idx="0">
+            <a:schemeClr val="accent1"/>
+          </a:effectRef>
+          <a:fontRef idx="minor">
+            <a:schemeClr val="lt1"/>
+          </a:fontRef>
+        </p:style>
+        <p:txBody>
+          <a:bodyPr rtlCol="0" anchor="ctr"/>
+          <a:lstStyle/>
+          <a:p>
+            <a:pPr algn="ctr"/>
+            <a:endParaRPr lang="en-US"/>
+          </a:p>
+        </p:txBody>
+      </p:sp>
+      <p:sp>
+        <p:nvSpPr>
+          <p:cNvPr id="23" name="TextBox 22"/>
+          <p:cNvSpPr txBox="1"/>
+          <p:nvPr/>
+        </p:nvSpPr>
+        <p:spPr>
+          <a:xfrm>
+            <a:off x="3200400" y="2819400"/>
+            <a:ext cx="300082" cy="369332"/>
+          </a:xfrm>
+          <a:prstGeom prst="rect">
+            <a:avLst/>
+          </a:prstGeom>
+          <a:noFill/>
+        </p:spPr>
+        <p:txBody>
+          <a:bodyPr wrap="square" rtlCol="0">
+            <a:spAutoFit/>
+          </a:bodyPr>
+          <a:lstStyle/>
+          <a:p>
+            <a:r>
+              <a:rPr lang="en-US" dirty="0" smtClean="0"/>
+              <a:t>#</a:t>
+            </a:r>
+            <a:endParaRPr lang="en-US" dirty="0"/>
+          </a:p>
+        </p:txBody>
+      </p:sp>
+    </p:spTree>
+  </p:cSld>
+  <p:clrMapOvr>
+    <a:masterClrMapping/>
+  </p:clrMapOvr>
+</p:sld>
+</file>
+
+<file path=ppt/slides/slide5.xml><?xml version="1.0" encoding="utf-8"?>
+<p:sld xmlns:a="http://schemas.openxmlformats.org/drawingml/2006/main" xmlns:r="http://schemas.openxmlformats.org/officeDocument/2006/relationships" xmlns:p="http://schemas.openxmlformats.org/presentationml/2006/main">
+  <p:cSld>
+    <p:spTree>
+      <p:nvGrpSpPr>
+        <p:cNvPr id="1" name=""/>
+        <p:cNvGrpSpPr/>
+        <p:nvPr/>
+      </p:nvGrpSpPr>
+      <p:grpSpPr>
+        <a:xfrm>
+          <a:off x="0" y="0"/>
+          <a:ext cx="0" cy="0"/>
+          <a:chOff x="0" y="0"/>
+          <a:chExt cx="0" cy="0"/>
+        </a:xfrm>
+      </p:grpSpPr>
+      <p:sp>
+        <p:nvSpPr>
+          <p:cNvPr id="4" name="Title 3"/>
+          <p:cNvSpPr>
+            <a:spLocks noGrp="1"/>
+          </p:cNvSpPr>
+          <p:nvPr>
+            <p:ph type="title"/>
+          </p:nvPr>
+        </p:nvSpPr>
+        <p:spPr/>
+        <p:txBody>
+          <a:bodyPr/>
+          <a:lstStyle/>
+          <a:p>
+            <a:r>
+              <a:rPr lang="en-US" dirty="0" smtClean="0"/>
+              <a:t>Hw5-2</a:t>
+            </a:r>
+            <a:endParaRPr lang="en-US" dirty="0"/>
+          </a:p>
+        </p:txBody>
+      </p:sp>
+      <p:sp>
+        <p:nvSpPr>
+          <p:cNvPr id="5" name="TextBox 4"/>
+          <p:cNvSpPr txBox="1"/>
+          <p:nvPr/>
+        </p:nvSpPr>
+        <p:spPr>
+          <a:xfrm>
+            <a:off x="1676400" y="2971800"/>
+            <a:ext cx="823687" cy="369332"/>
+          </a:xfrm>
+          <a:prstGeom prst="rect">
+            <a:avLst/>
+          </a:prstGeom>
+          <a:noFill/>
+          <a:ln>
+            <a:solidFill>
+              <a:schemeClr val="accent1">
+                <a:shade val="50000"/>
+              </a:schemeClr>
+            </a:solidFill>
+          </a:ln>
+        </p:spPr>
+        <p:txBody>
+          <a:bodyPr wrap="none" rtlCol="0">
+            <a:spAutoFit/>
+          </a:bodyPr>
+          <a:lstStyle/>
+          <a:p>
+            <a:r>
+              <a:rPr lang="en-US" dirty="0" smtClean="0"/>
+              <a:t>Person</a:t>
+            </a:r>
+            <a:endParaRPr lang="en-US" dirty="0"/>
+          </a:p>
+        </p:txBody>
+      </p:sp>
+      <p:sp>
+        <p:nvSpPr>
+          <p:cNvPr id="6" name="TextBox 5"/>
+          <p:cNvSpPr txBox="1"/>
+          <p:nvPr/>
+        </p:nvSpPr>
+        <p:spPr>
+          <a:xfrm>
+            <a:off x="3962400" y="1905000"/>
+            <a:ext cx="846194" cy="369332"/>
+          </a:xfrm>
+          <a:prstGeom prst="rect">
+            <a:avLst/>
+          </a:prstGeom>
+          <a:noFill/>
+          <a:ln>
+            <a:solidFill>
+              <a:schemeClr val="accent1">
+                <a:shade val="50000"/>
+              </a:schemeClr>
+            </a:solidFill>
+          </a:ln>
+        </p:spPr>
+        <p:txBody>
+          <a:bodyPr wrap="square" rtlCol="0">
+            <a:spAutoFit/>
+          </a:bodyPr>
+          <a:lstStyle/>
+          <a:p>
+            <a:r>
+              <a:rPr lang="en-US" dirty="0" smtClean="0"/>
+              <a:t>Project</a:t>
+            </a:r>
+            <a:endParaRPr lang="en-US" dirty="0"/>
+          </a:p>
+        </p:txBody>
+      </p:sp>
+      <p:cxnSp>
+        <p:nvCxnSpPr>
+          <p:cNvPr id="8" name="Straight Connector 7"/>
+          <p:cNvCxnSpPr>
+            <a:stCxn id="5" idx="0"/>
+            <a:endCxn id="6" idx="1"/>
+          </p:cNvCxnSpPr>
+          <p:nvPr/>
+        </p:nvCxnSpPr>
+        <p:spPr>
+          <a:xfrm rot="5400000" flipH="1" flipV="1">
+            <a:off x="2584255" y="1593655"/>
+            <a:ext cx="882134" cy="1874156"/>
+          </a:xfrm>
+          <a:prstGeom prst="line">
+            <a:avLst/>
+          </a:prstGeom>
+        </p:spPr>
+        <p:style>
+          <a:lnRef idx="1">
+            <a:schemeClr val="accent1"/>
+          </a:lnRef>
+          <a:fillRef idx="0">
+            <a:schemeClr val="accent1"/>
+          </a:fillRef>
+          <a:effectRef idx="0">
+            <a:schemeClr val="accent1"/>
+          </a:effectRef>
+          <a:fontRef idx="minor">
+            <a:schemeClr val="tx1"/>
+          </a:fontRef>
+        </p:style>
+      </p:cxnSp>
+      <p:sp>
+        <p:nvSpPr>
+          <p:cNvPr id="10" name="TextBox 9"/>
+          <p:cNvSpPr txBox="1"/>
+          <p:nvPr/>
+        </p:nvSpPr>
+        <p:spPr>
+          <a:xfrm>
+            <a:off x="2286000" y="1981200"/>
+            <a:ext cx="995785" cy="369332"/>
+          </a:xfrm>
+          <a:prstGeom prst="rect">
+            <a:avLst/>
+          </a:prstGeom>
+          <a:noFill/>
+        </p:spPr>
+        <p:txBody>
+          <a:bodyPr wrap="none" rtlCol="0">
+            <a:spAutoFit/>
+          </a:bodyPr>
+          <a:lstStyle/>
+          <a:p>
+            <a:r>
+              <a:rPr lang="en-US" dirty="0" smtClean="0"/>
+              <a:t>assigned</a:t>
+            </a:r>
+            <a:endParaRPr lang="en-US" dirty="0"/>
+          </a:p>
+        </p:txBody>
+      </p:sp>
+      <p:sp>
+        <p:nvSpPr>
+          <p:cNvPr id="11" name="TextBox 10"/>
+          <p:cNvSpPr txBox="1"/>
+          <p:nvPr/>
+        </p:nvSpPr>
+        <p:spPr>
+          <a:xfrm>
+            <a:off x="3962400" y="4572000"/>
+            <a:ext cx="972126" cy="369332"/>
+          </a:xfrm>
+          <a:prstGeom prst="rect">
+            <a:avLst/>
+          </a:prstGeom>
+          <a:noFill/>
+          <a:ln>
+            <a:solidFill>
+              <a:schemeClr val="accent1">
+                <a:shade val="95000"/>
+                <a:satMod val="105000"/>
+              </a:schemeClr>
+            </a:solidFill>
+          </a:ln>
+        </p:spPr>
+        <p:txBody>
+          <a:bodyPr wrap="none" rtlCol="0">
+            <a:spAutoFit/>
+          </a:bodyPr>
+          <a:lstStyle/>
+          <a:p>
+            <a:r>
+              <a:rPr lang="en-US" dirty="0" smtClean="0"/>
+              <a:t>Meeting</a:t>
+            </a:r>
+            <a:endParaRPr lang="en-US" dirty="0"/>
+          </a:p>
+        </p:txBody>
+      </p:sp>
+      <p:cxnSp>
+        <p:nvCxnSpPr>
+          <p:cNvPr id="13" name="Straight Connector 12"/>
+          <p:cNvCxnSpPr>
+            <a:stCxn id="11" idx="1"/>
+            <a:endCxn id="5" idx="2"/>
+          </p:cNvCxnSpPr>
+          <p:nvPr/>
+        </p:nvCxnSpPr>
+        <p:spPr>
+          <a:xfrm rot="10800000">
+            <a:off x="2088244" y="3341132"/>
+            <a:ext cx="1874156" cy="1415534"/>
+          </a:xfrm>
+          <a:prstGeom prst="line">
+            <a:avLst/>
+          </a:prstGeom>
+        </p:spPr>
+        <p:style>
+          <a:lnRef idx="1">
+            <a:schemeClr val="accent1"/>
+          </a:lnRef>
+          <a:fillRef idx="0">
+            <a:schemeClr val="accent1"/>
+          </a:fillRef>
+          <a:effectRef idx="0">
+            <a:schemeClr val="accent1"/>
+          </a:effectRef>
+          <a:fontRef idx="minor">
+            <a:schemeClr val="tx1"/>
+          </a:fontRef>
+        </p:style>
+      </p:cxnSp>
+      <p:sp>
+        <p:nvSpPr>
+          <p:cNvPr id="14" name="TextBox 13"/>
+          <p:cNvSpPr txBox="1"/>
+          <p:nvPr/>
+        </p:nvSpPr>
+        <p:spPr>
+          <a:xfrm>
+            <a:off x="2362200" y="3810000"/>
+            <a:ext cx="800347" cy="369332"/>
+          </a:xfrm>
+          <a:prstGeom prst="rect">
+            <a:avLst/>
+          </a:prstGeom>
+          <a:noFill/>
+        </p:spPr>
+        <p:txBody>
+          <a:bodyPr wrap="none" rtlCol="0">
+            <a:spAutoFit/>
+          </a:bodyPr>
+          <a:lstStyle/>
+          <a:p>
+            <a:r>
+              <a:rPr lang="en-US" dirty="0" smtClean="0"/>
+              <a:t>attend</a:t>
+            </a:r>
+            <a:endParaRPr lang="en-US" dirty="0"/>
+          </a:p>
+        </p:txBody>
+      </p:sp>
+      <p:sp>
+        <p:nvSpPr>
+          <p:cNvPr id="15" name="TextBox 14"/>
+          <p:cNvSpPr txBox="1"/>
+          <p:nvPr/>
+        </p:nvSpPr>
+        <p:spPr>
+          <a:xfrm>
+            <a:off x="4038600" y="3124200"/>
+            <a:ext cx="788999" cy="369332"/>
+          </a:xfrm>
+          <a:prstGeom prst="rect">
+            <a:avLst/>
+          </a:prstGeom>
+          <a:noFill/>
+          <a:ln>
+            <a:solidFill>
+              <a:schemeClr val="accent1">
+                <a:shade val="95000"/>
+                <a:satMod val="105000"/>
+              </a:schemeClr>
+            </a:solidFill>
+          </a:ln>
+        </p:spPr>
+        <p:txBody>
+          <a:bodyPr wrap="square" rtlCol="0">
+            <a:spAutoFit/>
+          </a:bodyPr>
+          <a:lstStyle/>
+          <a:p>
+            <a:r>
+              <a:rPr lang="en-US" dirty="0" smtClean="0"/>
+              <a:t>Action</a:t>
+            </a:r>
+            <a:endParaRPr lang="en-US" dirty="0"/>
+          </a:p>
+        </p:txBody>
+      </p:sp>
+      <p:cxnSp>
+        <p:nvCxnSpPr>
+          <p:cNvPr id="17" name="Straight Connector 16"/>
+          <p:cNvCxnSpPr>
+            <a:stCxn id="11" idx="0"/>
+            <a:endCxn id="15" idx="2"/>
+          </p:cNvCxnSpPr>
+          <p:nvPr/>
+        </p:nvCxnSpPr>
+        <p:spPr>
+          <a:xfrm rot="16200000" flipV="1">
+            <a:off x="3901548" y="4025084"/>
+            <a:ext cx="1078468" cy="15363"/>
+          </a:xfrm>
+          <a:prstGeom prst="line">
+            <a:avLst/>
+          </a:prstGeom>
+        </p:spPr>
+        <p:style>
+          <a:lnRef idx="1">
+            <a:schemeClr val="accent1"/>
+          </a:lnRef>
+          <a:fillRef idx="0">
+            <a:schemeClr val="accent1"/>
+          </a:fillRef>
+          <a:effectRef idx="0">
+            <a:schemeClr val="accent1"/>
+          </a:effectRef>
+          <a:fontRef idx="minor">
+            <a:schemeClr val="tx1"/>
+          </a:fontRef>
+        </p:style>
+      </p:cxnSp>
+      <p:sp>
+        <p:nvSpPr>
+          <p:cNvPr id="18" name="TextBox 17"/>
+          <p:cNvSpPr txBox="1"/>
+          <p:nvPr/>
+        </p:nvSpPr>
+        <p:spPr>
+          <a:xfrm>
+            <a:off x="4572000" y="3733800"/>
+            <a:ext cx="1007776" cy="369332"/>
+          </a:xfrm>
+          <a:prstGeom prst="rect">
+            <a:avLst/>
+          </a:prstGeom>
+          <a:noFill/>
+        </p:spPr>
+        <p:txBody>
+          <a:bodyPr wrap="none" rtlCol="0">
+            <a:spAutoFit/>
+          </a:bodyPr>
+          <a:lstStyle/>
+          <a:p>
+            <a:r>
+              <a:rPr lang="en-US" dirty="0" smtClean="0"/>
+              <a:t>Result of</a:t>
+            </a:r>
+            <a:endParaRPr lang="en-US" dirty="0"/>
+          </a:p>
+        </p:txBody>
+      </p:sp>
+      <p:cxnSp>
+        <p:nvCxnSpPr>
+          <p:cNvPr id="26" name="Straight Connector 25"/>
+          <p:cNvCxnSpPr>
+            <a:stCxn id="15" idx="0"/>
+            <a:endCxn id="6" idx="2"/>
+          </p:cNvCxnSpPr>
+          <p:nvPr/>
+        </p:nvCxnSpPr>
+        <p:spPr>
+          <a:xfrm rot="16200000" flipV="1">
+            <a:off x="3984365" y="2675464"/>
+            <a:ext cx="849868" cy="47603"/>
+          </a:xfrm>
+          <a:prstGeom prst="line">
+            <a:avLst/>
+          </a:prstGeom>
+        </p:spPr>
+        <p:style>
+          <a:lnRef idx="1">
+            <a:schemeClr val="accent1"/>
+          </a:lnRef>
+          <a:fillRef idx="0">
+            <a:schemeClr val="accent1"/>
+          </a:fillRef>
+          <a:effectRef idx="0">
+            <a:schemeClr val="accent1"/>
+          </a:effectRef>
+          <a:fontRef idx="minor">
+            <a:schemeClr val="tx1"/>
+          </a:fontRef>
+        </p:style>
+      </p:cxnSp>
+      <p:sp>
+        <p:nvSpPr>
+          <p:cNvPr id="27" name="TextBox 26"/>
+          <p:cNvSpPr txBox="1"/>
+          <p:nvPr/>
+        </p:nvSpPr>
+        <p:spPr>
+          <a:xfrm>
+            <a:off x="4495800" y="2590800"/>
+            <a:ext cx="1167499" cy="369332"/>
+          </a:xfrm>
+          <a:prstGeom prst="rect">
+            <a:avLst/>
+          </a:prstGeom>
+          <a:noFill/>
+        </p:spPr>
+        <p:txBody>
+          <a:bodyPr wrap="none" rtlCol="0">
+            <a:spAutoFit/>
+          </a:bodyPr>
+          <a:lstStyle/>
+          <a:p>
+            <a:r>
+              <a:rPr lang="en-US" dirty="0" smtClean="0"/>
+              <a:t>associated</a:t>
+            </a:r>
+            <a:endParaRPr lang="en-US" dirty="0"/>
+          </a:p>
+        </p:txBody>
+      </p:sp>
+      <p:sp>
+        <p:nvSpPr>
+          <p:cNvPr id="32" name="TextBox 31"/>
+          <p:cNvSpPr txBox="1"/>
+          <p:nvPr/>
+        </p:nvSpPr>
+        <p:spPr>
+          <a:xfrm>
+            <a:off x="1371600" y="3429000"/>
+            <a:ext cx="716863" cy="923330"/>
+          </a:xfrm>
+          <a:prstGeom prst="rect">
+            <a:avLst/>
+          </a:prstGeom>
+          <a:noFill/>
+        </p:spPr>
+        <p:txBody>
+          <a:bodyPr wrap="none" rtlCol="0">
+            <a:spAutoFit/>
+          </a:bodyPr>
+          <a:lstStyle/>
+          <a:p>
+            <a:r>
+              <a:rPr lang="en-US" u="sng" dirty="0" err="1" smtClean="0"/>
+              <a:t>uid</a:t>
+            </a:r>
+            <a:endParaRPr lang="en-US" u="sng" dirty="0" smtClean="0"/>
+          </a:p>
+          <a:p>
+            <a:r>
+              <a:rPr lang="en-US" dirty="0" smtClean="0"/>
+              <a:t>name</a:t>
+            </a:r>
+          </a:p>
+          <a:p>
+            <a:endParaRPr lang="en-US" dirty="0"/>
+          </a:p>
+        </p:txBody>
+      </p:sp>
+      <p:sp>
+        <p:nvSpPr>
+          <p:cNvPr id="45" name="TextBox 44"/>
+          <p:cNvSpPr txBox="1"/>
+          <p:nvPr/>
+        </p:nvSpPr>
+        <p:spPr>
+          <a:xfrm>
+            <a:off x="4800600" y="1828800"/>
+            <a:ext cx="918841" cy="646331"/>
+          </a:xfrm>
+          <a:prstGeom prst="rect">
+            <a:avLst/>
+          </a:prstGeom>
+          <a:noFill/>
+        </p:spPr>
+        <p:txBody>
+          <a:bodyPr wrap="none" rtlCol="0">
+            <a:spAutoFit/>
+          </a:bodyPr>
+          <a:lstStyle/>
+          <a:p>
+            <a:r>
+              <a:rPr lang="en-US" u="sng" dirty="0" err="1" smtClean="0"/>
+              <a:t>prid</a:t>
+            </a:r>
+            <a:endParaRPr lang="en-US" u="sng" dirty="0" smtClean="0"/>
+          </a:p>
+          <a:p>
+            <a:r>
+              <a:rPr lang="en-US" dirty="0" err="1" smtClean="0"/>
+              <a:t>prname</a:t>
+            </a:r>
+            <a:endParaRPr lang="en-US" dirty="0"/>
+          </a:p>
+        </p:txBody>
+      </p:sp>
+      <p:sp>
+        <p:nvSpPr>
+          <p:cNvPr id="56" name="TextBox 55"/>
+          <p:cNvSpPr txBox="1"/>
+          <p:nvPr/>
+        </p:nvSpPr>
+        <p:spPr>
+          <a:xfrm>
+            <a:off x="4038600" y="5257800"/>
+            <a:ext cx="604846" cy="646331"/>
+          </a:xfrm>
+          <a:prstGeom prst="rect">
+            <a:avLst/>
+          </a:prstGeom>
+          <a:noFill/>
+        </p:spPr>
+        <p:txBody>
+          <a:bodyPr wrap="none" rtlCol="0">
+            <a:spAutoFit/>
+          </a:bodyPr>
+          <a:lstStyle/>
+          <a:p>
+            <a:r>
+              <a:rPr lang="en-US" u="sng" dirty="0" smtClean="0"/>
+              <a:t>mid</a:t>
+            </a:r>
+          </a:p>
+          <a:p>
+            <a:r>
+              <a:rPr lang="en-US" dirty="0" smtClean="0"/>
+              <a:t>date</a:t>
+            </a:r>
+          </a:p>
+        </p:txBody>
+      </p:sp>
+      <p:sp>
+        <p:nvSpPr>
+          <p:cNvPr id="58" name="TextBox 57"/>
+          <p:cNvSpPr txBox="1"/>
+          <p:nvPr/>
+        </p:nvSpPr>
+        <p:spPr>
+          <a:xfrm>
+            <a:off x="5029200" y="3048000"/>
+            <a:ext cx="909929" cy="646331"/>
+          </a:xfrm>
+          <a:prstGeom prst="rect">
+            <a:avLst/>
+          </a:prstGeom>
+          <a:noFill/>
+        </p:spPr>
+        <p:txBody>
+          <a:bodyPr wrap="none" rtlCol="0">
+            <a:spAutoFit/>
+          </a:bodyPr>
+          <a:lstStyle/>
+          <a:p>
+            <a:r>
+              <a:rPr lang="en-US" u="sng" dirty="0" err="1" smtClean="0"/>
+              <a:t>actitem</a:t>
+            </a:r>
+            <a:endParaRPr lang="en-US" u="sng" dirty="0" smtClean="0"/>
+          </a:p>
+          <a:p>
+            <a:r>
+              <a:rPr lang="en-US" dirty="0" smtClean="0"/>
+              <a:t>owner</a:t>
+            </a:r>
+            <a:endParaRPr lang="en-US" dirty="0"/>
+          </a:p>
+        </p:txBody>
+      </p:sp>
+    </p:spTree>
+  </p:cSld>
+  <p:clrMapOvr>
+    <a:masterClrMapping/>
+  </p:clrMapOvr>
+</p:sld>
+</file>
+
+<file path=ppt/slides/slide6.xml><?xml version="1.0" encoding="utf-8"?>
+<p:sld xmlns:a="http://schemas.openxmlformats.org/drawingml/2006/main" xmlns:r="http://schemas.openxmlformats.org/officeDocument/2006/relationships" xmlns:p="http://schemas.openxmlformats.org/presentationml/2006/main">
+  <p:cSld>
+    <p:spTree>
+      <p:nvGrpSpPr>
+        <p:cNvPr id="1" name=""/>
+        <p:cNvGrpSpPr/>
+        <p:nvPr/>
+      </p:nvGrpSpPr>
+      <p:grpSpPr>
+        <a:xfrm>
+          <a:off x="0" y="0"/>
+          <a:ext cx="0" cy="0"/>
+          <a:chOff x="0" y="0"/>
+          <a:chExt cx="0" cy="0"/>
+        </a:xfrm>
+      </p:grpSpPr>
+      <p:grpSp>
+        <p:nvGrpSpPr>
+          <p:cNvPr id="29" name="Group 28"/>
+          <p:cNvGrpSpPr/>
+          <p:nvPr/>
+        </p:nvGrpSpPr>
+        <p:grpSpPr>
+          <a:xfrm>
+            <a:off x="1600200" y="1219200"/>
+            <a:ext cx="5396113" cy="2994124"/>
+            <a:chOff x="1600200" y="1219200"/>
+            <a:chExt cx="5396113" cy="2994124"/>
+          </a:xfrm>
+        </p:grpSpPr>
+        <p:sp>
+          <p:nvSpPr>
+            <p:cNvPr id="4" name="TextBox 3"/>
+            <p:cNvSpPr txBox="1"/>
+            <p:nvPr/>
+          </p:nvSpPr>
+          <p:spPr>
+            <a:xfrm>
+              <a:off x="2057400" y="1981200"/>
+              <a:ext cx="972126" cy="923330"/>
+            </a:xfrm>
+            <a:prstGeom prst="rect">
+              <a:avLst/>
+            </a:prstGeom>
+            <a:noFill/>
+            <a:ln>
+              <a:solidFill>
+                <a:schemeClr val="tx1"/>
+              </a:solidFill>
+            </a:ln>
+          </p:spPr>
+          <p:txBody>
+            <a:bodyPr wrap="square" rtlCol="0">
+              <a:spAutoFit/>
+            </a:bodyPr>
+            <a:lstStyle/>
+            <a:p>
+              <a:r>
+                <a:rPr lang="en-US" dirty="0" err="1" smtClean="0"/>
+                <a:t>deptno</a:t>
+              </a:r>
+              <a:endParaRPr lang="en-US" dirty="0" smtClean="0"/>
+            </a:p>
+            <a:p>
+              <a:r>
+                <a:rPr lang="en-US" dirty="0" err="1" smtClean="0"/>
+                <a:t>dname</a:t>
+              </a:r>
+              <a:endParaRPr lang="en-US" dirty="0" smtClean="0"/>
+            </a:p>
+            <a:p>
+              <a:r>
+                <a:rPr lang="en-US" dirty="0" smtClean="0"/>
+                <a:t>loc</a:t>
+              </a:r>
+              <a:endParaRPr lang="en-US" dirty="0" smtClean="0"/>
+            </a:p>
+          </p:txBody>
+        </p:sp>
+        <p:sp>
+          <p:nvSpPr>
+            <p:cNvPr id="5" name="TextBox 4"/>
+            <p:cNvSpPr txBox="1"/>
+            <p:nvPr/>
+          </p:nvSpPr>
+          <p:spPr>
+            <a:xfrm>
+              <a:off x="2057400" y="1295400"/>
+              <a:ext cx="859979" cy="369332"/>
+            </a:xfrm>
+            <a:prstGeom prst="rect">
+              <a:avLst/>
+            </a:prstGeom>
+            <a:noFill/>
+          </p:spPr>
+          <p:txBody>
+            <a:bodyPr wrap="square" rtlCol="0">
+              <a:spAutoFit/>
+            </a:bodyPr>
+            <a:lstStyle/>
+            <a:p>
+              <a:r>
+                <a:rPr lang="en-US" dirty="0" err="1" smtClean="0"/>
+                <a:t>Depts</a:t>
+              </a:r>
+              <a:endParaRPr lang="en-US" dirty="0"/>
+            </a:p>
+          </p:txBody>
+        </p:sp>
+        <p:sp>
+          <p:nvSpPr>
+            <p:cNvPr id="6" name="TextBox 5"/>
+            <p:cNvSpPr txBox="1"/>
+            <p:nvPr/>
+          </p:nvSpPr>
+          <p:spPr>
+            <a:xfrm>
+              <a:off x="3810000" y="1905000"/>
+              <a:ext cx="972126" cy="2308324"/>
+            </a:xfrm>
+            <a:prstGeom prst="rect">
+              <a:avLst/>
+            </a:prstGeom>
+            <a:noFill/>
+            <a:ln>
+              <a:solidFill>
+                <a:schemeClr val="tx1"/>
+              </a:solidFill>
+            </a:ln>
+          </p:spPr>
+          <p:txBody>
+            <a:bodyPr wrap="square" rtlCol="0">
+              <a:spAutoFit/>
+            </a:bodyPr>
+            <a:lstStyle/>
+            <a:p>
+              <a:r>
+                <a:rPr lang="en-US" dirty="0" err="1" smtClean="0"/>
+                <a:t>empno</a:t>
+              </a:r>
+              <a:endParaRPr lang="en-US" dirty="0" smtClean="0"/>
+            </a:p>
+            <a:p>
+              <a:r>
+                <a:rPr lang="en-US" dirty="0" err="1" smtClean="0"/>
+                <a:t>ename</a:t>
+              </a:r>
+              <a:endParaRPr lang="en-US" dirty="0" smtClean="0"/>
+            </a:p>
+            <a:p>
+              <a:r>
+                <a:rPr lang="en-US" dirty="0" smtClean="0"/>
+                <a:t>job</a:t>
+              </a:r>
+            </a:p>
+            <a:p>
+              <a:r>
+                <a:rPr lang="en-US" dirty="0" smtClean="0"/>
+                <a:t>mgr</a:t>
+              </a:r>
+            </a:p>
+            <a:p>
+              <a:r>
+                <a:rPr lang="en-US" dirty="0" err="1" smtClean="0"/>
+                <a:t>hiredate</a:t>
+              </a:r>
+              <a:endParaRPr lang="en-US" dirty="0" smtClean="0"/>
+            </a:p>
+            <a:p>
+              <a:r>
+                <a:rPr lang="en-US" dirty="0" err="1" smtClean="0"/>
+                <a:t>sal</a:t>
+              </a:r>
+              <a:endParaRPr lang="en-US" dirty="0" smtClean="0"/>
+            </a:p>
+            <a:p>
+              <a:r>
+                <a:rPr lang="en-US" dirty="0" err="1" smtClean="0"/>
+                <a:t>comm</a:t>
+              </a:r>
+              <a:endParaRPr lang="en-US" dirty="0" smtClean="0"/>
+            </a:p>
+            <a:p>
+              <a:r>
+                <a:rPr lang="en-US" dirty="0" err="1" smtClean="0"/>
+                <a:t>deptno</a:t>
+              </a:r>
+              <a:endParaRPr lang="en-US" dirty="0"/>
+            </a:p>
+          </p:txBody>
+        </p:sp>
+        <p:sp>
+          <p:nvSpPr>
+            <p:cNvPr id="7" name="TextBox 6"/>
+            <p:cNvSpPr txBox="1"/>
+            <p:nvPr/>
+          </p:nvSpPr>
+          <p:spPr>
+            <a:xfrm>
+              <a:off x="3810000" y="1295400"/>
+              <a:ext cx="928909" cy="369332"/>
+            </a:xfrm>
+            <a:prstGeom prst="rect">
+              <a:avLst/>
+            </a:prstGeom>
+            <a:noFill/>
+          </p:spPr>
+          <p:txBody>
+            <a:bodyPr wrap="square" rtlCol="0">
+              <a:spAutoFit/>
+            </a:bodyPr>
+            <a:lstStyle/>
+            <a:p>
+              <a:r>
+                <a:rPr lang="en-US" dirty="0" err="1" smtClean="0"/>
+                <a:t>Emps</a:t>
+              </a:r>
+              <a:endParaRPr lang="en-US" dirty="0"/>
+            </a:p>
+          </p:txBody>
+        </p:sp>
+        <p:cxnSp>
+          <p:nvCxnSpPr>
+            <p:cNvPr id="8" name="Straight Connector 7"/>
+            <p:cNvCxnSpPr/>
+            <p:nvPr/>
+          </p:nvCxnSpPr>
+          <p:spPr>
+            <a:xfrm rot="16200000" flipH="1">
+              <a:off x="2400300" y="2552700"/>
+              <a:ext cx="1981200" cy="990600"/>
+            </a:xfrm>
+            <a:prstGeom prst="line">
+              <a:avLst/>
+            </a:prstGeom>
+            <a:ln>
+              <a:solidFill>
+                <a:srgbClr val="FF0000"/>
+              </a:solidFill>
+            </a:ln>
+          </p:spPr>
+          <p:style>
+            <a:lnRef idx="1">
+              <a:schemeClr val="accent1"/>
+            </a:lnRef>
+            <a:fillRef idx="0">
+              <a:schemeClr val="accent1"/>
+            </a:fillRef>
+            <a:effectRef idx="0">
+              <a:schemeClr val="accent1"/>
+            </a:effectRef>
+            <a:fontRef idx="minor">
+              <a:schemeClr val="tx1"/>
+            </a:fontRef>
+          </p:style>
+        </p:cxnSp>
+        <p:sp>
+          <p:nvSpPr>
+            <p:cNvPr id="9" name="Right Arrow 8"/>
+            <p:cNvSpPr/>
+            <p:nvPr/>
+          </p:nvSpPr>
+          <p:spPr>
+            <a:xfrm>
+              <a:off x="1600200" y="2133600"/>
+              <a:ext cx="457200" cy="45719"/>
+            </a:xfrm>
+            <a:prstGeom prst="rightArrow">
+              <a:avLst/>
+            </a:prstGeom>
+            <a:noFill/>
+            <a:ln w="50800"/>
+          </p:spPr>
+          <p:style>
+            <a:lnRef idx="2">
+              <a:schemeClr val="accent1">
+                <a:shade val="50000"/>
+              </a:schemeClr>
+            </a:lnRef>
+            <a:fillRef idx="1">
+              <a:schemeClr val="accent1"/>
+            </a:fillRef>
+            <a:effectRef idx="0">
+              <a:schemeClr val="accent1"/>
+            </a:effectRef>
+            <a:fontRef idx="minor">
+              <a:schemeClr val="lt1"/>
+            </a:fontRef>
+          </p:style>
+          <p:txBody>
+            <a:bodyPr rtlCol="0" anchor="ctr"/>
+            <a:lstStyle/>
+            <a:p>
+              <a:pPr algn="ctr"/>
+              <a:endParaRPr lang="en-US"/>
+            </a:p>
+          </p:txBody>
+        </p:sp>
+        <p:sp>
+          <p:nvSpPr>
+            <p:cNvPr id="10" name="Right Arrow 9"/>
+            <p:cNvSpPr/>
+            <p:nvPr/>
+          </p:nvSpPr>
+          <p:spPr>
+            <a:xfrm>
+              <a:off x="5257800" y="2286000"/>
+              <a:ext cx="457200" cy="45719"/>
+            </a:xfrm>
+            <a:prstGeom prst="rightArrow">
+              <a:avLst/>
+            </a:prstGeom>
+            <a:noFill/>
+            <a:ln w="50800"/>
+          </p:spPr>
+          <p:style>
+            <a:lnRef idx="2">
+              <a:schemeClr val="accent1">
+                <a:shade val="50000"/>
+              </a:schemeClr>
+            </a:lnRef>
+            <a:fillRef idx="1">
+              <a:schemeClr val="accent1"/>
+            </a:fillRef>
+            <a:effectRef idx="0">
+              <a:schemeClr val="accent1"/>
+            </a:effectRef>
+            <a:fontRef idx="minor">
+              <a:schemeClr val="lt1"/>
+            </a:fontRef>
+          </p:style>
+          <p:txBody>
+            <a:bodyPr rtlCol="0" anchor="ctr"/>
+            <a:lstStyle/>
+            <a:p>
+              <a:pPr algn="ctr"/>
+              <a:endParaRPr lang="en-US"/>
+            </a:p>
+          </p:txBody>
+        </p:sp>
+        <p:sp>
+          <p:nvSpPr>
+            <p:cNvPr id="11" name="Right Arrow 10"/>
+            <p:cNvSpPr/>
+            <p:nvPr/>
+          </p:nvSpPr>
+          <p:spPr>
+            <a:xfrm>
+              <a:off x="3429000" y="2133600"/>
+              <a:ext cx="457200" cy="45719"/>
+            </a:xfrm>
+            <a:prstGeom prst="rightArrow">
+              <a:avLst/>
+            </a:prstGeom>
+            <a:noFill/>
+            <a:ln w="50800"/>
+          </p:spPr>
+          <p:style>
+            <a:lnRef idx="2">
+              <a:schemeClr val="accent1">
+                <a:shade val="50000"/>
+              </a:schemeClr>
+            </a:lnRef>
+            <a:fillRef idx="1">
+              <a:schemeClr val="accent1"/>
+            </a:fillRef>
+            <a:effectRef idx="0">
+              <a:schemeClr val="accent1"/>
+            </a:effectRef>
+            <a:fontRef idx="minor">
+              <a:schemeClr val="lt1"/>
+            </a:fontRef>
+          </p:style>
+          <p:txBody>
+            <a:bodyPr rtlCol="0" anchor="ctr"/>
+            <a:lstStyle/>
+            <a:p>
+              <a:pPr algn="ctr"/>
+              <a:endParaRPr lang="en-US"/>
+            </a:p>
+          </p:txBody>
+        </p:sp>
+        <p:sp>
+          <p:nvSpPr>
+            <p:cNvPr id="12" name="TextBox 11"/>
+            <p:cNvSpPr txBox="1"/>
+            <p:nvPr/>
+          </p:nvSpPr>
+          <p:spPr>
+            <a:xfrm>
+              <a:off x="3124200" y="1981200"/>
+              <a:ext cx="300082" cy="369332"/>
+            </a:xfrm>
+            <a:prstGeom prst="rect">
+              <a:avLst/>
+            </a:prstGeom>
+            <a:noFill/>
+          </p:spPr>
+          <p:txBody>
+            <a:bodyPr wrap="square" rtlCol="0">
+              <a:spAutoFit/>
+            </a:bodyPr>
+            <a:lstStyle/>
+            <a:p>
+              <a:r>
+                <a:rPr lang="en-US" dirty="0" smtClean="0"/>
+                <a:t>#</a:t>
+              </a:r>
+              <a:endParaRPr lang="en-US" dirty="0"/>
+            </a:p>
+          </p:txBody>
+        </p:sp>
+        <p:sp>
+          <p:nvSpPr>
+            <p:cNvPr id="13" name="TextBox 12"/>
+            <p:cNvSpPr txBox="1"/>
+            <p:nvPr/>
+          </p:nvSpPr>
+          <p:spPr>
+            <a:xfrm>
+              <a:off x="5715000" y="1828800"/>
+              <a:ext cx="1281313" cy="923330"/>
+            </a:xfrm>
+            <a:prstGeom prst="rect">
+              <a:avLst/>
+            </a:prstGeom>
+            <a:noFill/>
+            <a:ln>
+              <a:solidFill>
+                <a:schemeClr val="accent1">
+                  <a:shade val="50000"/>
+                </a:schemeClr>
+              </a:solidFill>
+            </a:ln>
+          </p:spPr>
+          <p:txBody>
+            <a:bodyPr wrap="none" rtlCol="0">
+              <a:spAutoFit/>
+            </a:bodyPr>
+            <a:lstStyle/>
+            <a:p>
+              <a:r>
+                <a:rPr lang="en-US" dirty="0" err="1" smtClean="0"/>
+                <a:t>empno</a:t>
+              </a:r>
+              <a:endParaRPr lang="en-US" dirty="0" smtClean="0"/>
+            </a:p>
+            <a:p>
+              <a:r>
+                <a:rPr lang="en-US" dirty="0" err="1" smtClean="0"/>
+                <a:t>pno</a:t>
+              </a:r>
+              <a:endParaRPr lang="en-US" dirty="0" smtClean="0"/>
+            </a:p>
+            <a:p>
+              <a:r>
+                <a:rPr lang="en-US" dirty="0" err="1" smtClean="0"/>
+                <a:t>hrsPerweek</a:t>
+              </a:r>
+              <a:endParaRPr lang="en-US" dirty="0"/>
+            </a:p>
+          </p:txBody>
+        </p:sp>
+        <p:sp>
+          <p:nvSpPr>
+            <p:cNvPr id="14" name="TextBox 13"/>
+            <p:cNvSpPr txBox="1"/>
+            <p:nvPr/>
+          </p:nvSpPr>
+          <p:spPr>
+            <a:xfrm>
+              <a:off x="5486400" y="1219200"/>
+              <a:ext cx="619080" cy="369332"/>
+            </a:xfrm>
+            <a:prstGeom prst="rect">
+              <a:avLst/>
+            </a:prstGeom>
+            <a:noFill/>
+          </p:spPr>
+          <p:txBody>
+            <a:bodyPr wrap="none" rtlCol="0">
+              <a:spAutoFit/>
+            </a:bodyPr>
+            <a:lstStyle/>
+            <a:p>
+              <a:r>
+                <a:rPr lang="en-US" dirty="0" err="1" smtClean="0"/>
+                <a:t>Asns</a:t>
+              </a:r>
+              <a:endParaRPr lang="en-US" dirty="0" smtClean="0"/>
+            </a:p>
+          </p:txBody>
+        </p:sp>
+        <p:cxnSp>
+          <p:nvCxnSpPr>
+            <p:cNvPr id="24" name="Straight Connector 23"/>
+            <p:cNvCxnSpPr/>
+            <p:nvPr/>
+          </p:nvCxnSpPr>
+          <p:spPr>
+            <a:xfrm flipV="1">
+              <a:off x="4724400" y="1981200"/>
+              <a:ext cx="990600" cy="76200"/>
+            </a:xfrm>
+            <a:prstGeom prst="line">
+              <a:avLst/>
+            </a:prstGeom>
+            <a:ln>
+              <a:solidFill>
+                <a:srgbClr val="FF0000"/>
+              </a:solidFill>
+            </a:ln>
+          </p:spPr>
+          <p:style>
+            <a:lnRef idx="1">
+              <a:schemeClr val="accent1"/>
+            </a:lnRef>
+            <a:fillRef idx="0">
+              <a:schemeClr val="accent1"/>
+            </a:fillRef>
+            <a:effectRef idx="0">
+              <a:schemeClr val="accent1"/>
+            </a:effectRef>
+            <a:fontRef idx="minor">
+              <a:schemeClr val="tx1"/>
+            </a:fontRef>
+          </p:style>
+        </p:cxnSp>
+        <p:sp>
+          <p:nvSpPr>
+            <p:cNvPr id="27" name="TextBox 26"/>
+            <p:cNvSpPr txBox="1"/>
+            <p:nvPr/>
+          </p:nvSpPr>
+          <p:spPr>
+            <a:xfrm>
+              <a:off x="4953000" y="2438400"/>
+              <a:ext cx="838200" cy="369332"/>
+            </a:xfrm>
+            <a:prstGeom prst="rect">
+              <a:avLst/>
+            </a:prstGeom>
+            <a:noFill/>
+          </p:spPr>
+          <p:txBody>
+            <a:bodyPr wrap="square" rtlCol="0">
+              <a:spAutoFit/>
+            </a:bodyPr>
+            <a:lstStyle/>
+            <a:p>
+              <a:r>
+                <a:rPr lang="en-US" dirty="0" smtClean="0"/>
+                <a:t># &gt;=1</a:t>
+              </a:r>
+              <a:endParaRPr lang="en-US" dirty="0"/>
+            </a:p>
+          </p:txBody>
+        </p:sp>
+      </p:grpSp>
+      <p:sp>
+        <p:nvSpPr>
+          <p:cNvPr id="30" name="Title 29"/>
+          <p:cNvSpPr>
+            <a:spLocks noGrp="1"/>
+          </p:cNvSpPr>
+          <p:nvPr>
+            <p:ph type="title"/>
+          </p:nvPr>
+        </p:nvSpPr>
+        <p:spPr/>
+        <p:txBody>
+          <a:bodyPr/>
+          <a:lstStyle/>
+          <a:p>
+            <a:r>
+              <a:rPr lang="en-US" dirty="0" smtClean="0"/>
+              <a:t>hw5-3-2</a:t>
+            </a:r>
+            <a:endParaRPr lang="en-US" dirty="0"/>
+          </a:p>
+        </p:txBody>
+      </p:sp>
     </p:spTree>
   </p:cSld>
   <p:clrMapOvr>

--- a/trunk/classes/CS579/dbclass/hw4-1a.pptx
+++ b/trunk/classes/CS579/dbclass/hw4-1a.pptx
@@ -5,7 +5,7 @@
     <p:sldMasterId id="2147483648" r:id="rId1"/>
   </p:sldMasterIdLst>
   <p:notesMasterIdLst>
-    <p:notesMasterId r:id="rId8"/>
+    <p:notesMasterId r:id="rId9"/>
   </p:notesMasterIdLst>
   <p:sldIdLst>
     <p:sldId id="256" r:id="rId2"/>
@@ -14,6 +14,7 @@
     <p:sldId id="259" r:id="rId5"/>
     <p:sldId id="261" r:id="rId6"/>
     <p:sldId id="260" r:id="rId7"/>
+    <p:sldId id="262" r:id="rId8"/>
   </p:sldIdLst>
   <p:sldSz cx="9144000" cy="6858000" type="screen4x3"/>
   <p:notesSz cx="6858000" cy="9144000"/>
@@ -21,92 +22,122 @@
     <a:defPPr>
       <a:defRPr lang="en-US"/>
     </a:defPPr>
-    <a:lvl1pPr marL="0" algn="l" defTabSz="914400" rtl="0" eaLnBrk="1" latinLnBrk="0" hangingPunct="1">
-      <a:defRPr sz="1800" kern="1200">
+    <a:lvl1pPr algn="l" rtl="0" fontAlgn="base">
+      <a:spcBef>
+        <a:spcPct val="0"/>
+      </a:spcBef>
+      <a:spcAft>
+        <a:spcPct val="0"/>
+      </a:spcAft>
+      <a:defRPr kern="1200">
         <a:solidFill>
           <a:schemeClr val="tx1"/>
         </a:solidFill>
-        <a:latin typeface="+mn-lt"/>
+        <a:latin typeface="Arial" charset="0"/>
         <a:ea typeface="+mn-ea"/>
         <a:cs typeface="+mn-cs"/>
       </a:defRPr>
     </a:lvl1pPr>
-    <a:lvl2pPr marL="457200" algn="l" defTabSz="914400" rtl="0" eaLnBrk="1" latinLnBrk="0" hangingPunct="1">
-      <a:defRPr sz="1800" kern="1200">
+    <a:lvl2pPr marL="457200" algn="l" rtl="0" fontAlgn="base">
+      <a:spcBef>
+        <a:spcPct val="0"/>
+      </a:spcBef>
+      <a:spcAft>
+        <a:spcPct val="0"/>
+      </a:spcAft>
+      <a:defRPr kern="1200">
         <a:solidFill>
           <a:schemeClr val="tx1"/>
         </a:solidFill>
-        <a:latin typeface="+mn-lt"/>
+        <a:latin typeface="Arial" charset="0"/>
         <a:ea typeface="+mn-ea"/>
         <a:cs typeface="+mn-cs"/>
       </a:defRPr>
     </a:lvl2pPr>
-    <a:lvl3pPr marL="914400" algn="l" defTabSz="914400" rtl="0" eaLnBrk="1" latinLnBrk="0" hangingPunct="1">
-      <a:defRPr sz="1800" kern="1200">
+    <a:lvl3pPr marL="914400" algn="l" rtl="0" fontAlgn="base">
+      <a:spcBef>
+        <a:spcPct val="0"/>
+      </a:spcBef>
+      <a:spcAft>
+        <a:spcPct val="0"/>
+      </a:spcAft>
+      <a:defRPr kern="1200">
         <a:solidFill>
           <a:schemeClr val="tx1"/>
         </a:solidFill>
-        <a:latin typeface="+mn-lt"/>
+        <a:latin typeface="Arial" charset="0"/>
         <a:ea typeface="+mn-ea"/>
         <a:cs typeface="+mn-cs"/>
       </a:defRPr>
     </a:lvl3pPr>
-    <a:lvl4pPr marL="1371600" algn="l" defTabSz="914400" rtl="0" eaLnBrk="1" latinLnBrk="0" hangingPunct="1">
-      <a:defRPr sz="1800" kern="1200">
+    <a:lvl4pPr marL="1371600" algn="l" rtl="0" fontAlgn="base">
+      <a:spcBef>
+        <a:spcPct val="0"/>
+      </a:spcBef>
+      <a:spcAft>
+        <a:spcPct val="0"/>
+      </a:spcAft>
+      <a:defRPr kern="1200">
         <a:solidFill>
           <a:schemeClr val="tx1"/>
         </a:solidFill>
-        <a:latin typeface="+mn-lt"/>
+        <a:latin typeface="Arial" charset="0"/>
         <a:ea typeface="+mn-ea"/>
         <a:cs typeface="+mn-cs"/>
       </a:defRPr>
     </a:lvl4pPr>
-    <a:lvl5pPr marL="1828800" algn="l" defTabSz="914400" rtl="0" eaLnBrk="1" latinLnBrk="0" hangingPunct="1">
-      <a:defRPr sz="1800" kern="1200">
+    <a:lvl5pPr marL="1828800" algn="l" rtl="0" fontAlgn="base">
+      <a:spcBef>
+        <a:spcPct val="0"/>
+      </a:spcBef>
+      <a:spcAft>
+        <a:spcPct val="0"/>
+      </a:spcAft>
+      <a:defRPr kern="1200">
         <a:solidFill>
           <a:schemeClr val="tx1"/>
         </a:solidFill>
-        <a:latin typeface="+mn-lt"/>
+        <a:latin typeface="Arial" charset="0"/>
         <a:ea typeface="+mn-ea"/>
         <a:cs typeface="+mn-cs"/>
       </a:defRPr>
     </a:lvl5pPr>
     <a:lvl6pPr marL="2286000" algn="l" defTabSz="914400" rtl="0" eaLnBrk="1" latinLnBrk="0" hangingPunct="1">
-      <a:defRPr sz="1800" kern="1200">
+      <a:defRPr kern="1200">
         <a:solidFill>
           <a:schemeClr val="tx1"/>
         </a:solidFill>
-        <a:latin typeface="+mn-lt"/>
+        <a:latin typeface="Arial" charset="0"/>
         <a:ea typeface="+mn-ea"/>
         <a:cs typeface="+mn-cs"/>
       </a:defRPr>
     </a:lvl6pPr>
     <a:lvl7pPr marL="2743200" algn="l" defTabSz="914400" rtl="0" eaLnBrk="1" latinLnBrk="0" hangingPunct="1">
-      <a:defRPr sz="1800" kern="1200">
+      <a:defRPr kern="1200">
         <a:solidFill>
           <a:schemeClr val="tx1"/>
         </a:solidFill>
-        <a:latin typeface="+mn-lt"/>
+        <a:latin typeface="Arial" charset="0"/>
         <a:ea typeface="+mn-ea"/>
         <a:cs typeface="+mn-cs"/>
       </a:defRPr>
     </a:lvl7pPr>
     <a:lvl8pPr marL="3200400" algn="l" defTabSz="914400" rtl="0" eaLnBrk="1" latinLnBrk="0" hangingPunct="1">
-      <a:defRPr sz="1800" kern="1200">
+      <a:defRPr kern="1200">
         <a:solidFill>
           <a:schemeClr val="tx1"/>
         </a:solidFill>
-        <a:latin typeface="+mn-lt"/>
+        <a:latin typeface="Arial" charset="0"/>
         <a:ea typeface="+mn-ea"/>
         <a:cs typeface="+mn-cs"/>
       </a:defRPr>
     </a:lvl8pPr>
     <a:lvl9pPr marL="3657600" algn="l" defTabSz="914400" rtl="0" eaLnBrk="1" latinLnBrk="0" hangingPunct="1">
-      <a:defRPr sz="1800" kern="1200">
+      <a:defRPr kern="1200">
         <a:solidFill>
           <a:schemeClr val="tx1"/>
         </a:solidFill>
-        <a:latin typeface="+mn-lt"/>
+        <a:latin typeface="Arial" charset="0"/>
         <a:ea typeface="+mn-ea"/>
         <a:cs typeface="+mn-cs"/>
       </a:defRPr>
@@ -159,11 +190,22 @@
         <p:txBody>
           <a:bodyPr vert="horz" lIns="91440" tIns="45720" rIns="91440" bIns="45720" rtlCol="0"/>
           <a:lstStyle>
-            <a:lvl1pPr algn="l">
-              <a:defRPr sz="1200"/>
+            <a:lvl1pPr algn="l" fontAlgn="auto">
+              <a:spcBef>
+                <a:spcPts val="0"/>
+              </a:spcBef>
+              <a:spcAft>
+                <a:spcPts val="0"/>
+              </a:spcAft>
+              <a:defRPr sz="1200">
+                <a:latin typeface="+mn-lt"/>
+              </a:defRPr>
             </a:lvl1pPr>
           </a:lstStyle>
           <a:p>
+            <a:pPr>
+              <a:defRPr/>
+            </a:pPr>
             <a:endParaRPr lang="en-US"/>
           </a:p>
         </p:txBody>
@@ -190,15 +232,28 @@
         <p:txBody>
           <a:bodyPr vert="horz" lIns="91440" tIns="45720" rIns="91440" bIns="45720" rtlCol="0"/>
           <a:lstStyle>
-            <a:lvl1pPr algn="r">
-              <a:defRPr sz="1200"/>
+            <a:lvl1pPr algn="r" fontAlgn="auto">
+              <a:spcBef>
+                <a:spcPts val="0"/>
+              </a:spcBef>
+              <a:spcAft>
+                <a:spcPts val="0"/>
+              </a:spcAft>
+              <a:defRPr sz="1200" smtClean="0">
+                <a:latin typeface="+mn-lt"/>
+              </a:defRPr>
             </a:lvl1pPr>
           </a:lstStyle>
           <a:p>
-            <a:fld id="{666F70CD-B0C7-4C56-9A8F-EBF0212E2FD0}" type="datetimeFigureOut">
-              <a:rPr lang="en-US" smtClean="0"/>
-              <a:pPr/>
-              <a:t>10/5/2009</a:t>
+            <a:pPr>
+              <a:defRPr/>
+            </a:pPr>
+            <a:fld id="{BA208186-38E2-421D-81DF-819F5A1FB1DF}" type="datetimeFigureOut">
+              <a:rPr lang="en-US"/>
+              <a:pPr>
+                <a:defRPr/>
+              </a:pPr>
+              <a:t>10/7/2009</a:t>
             </a:fld>
             <a:endParaRPr lang="en-US"/>
           </a:p>
@@ -233,7 +288,8 @@
           <a:bodyPr vert="horz" lIns="91440" tIns="45720" rIns="91440" bIns="45720" rtlCol="0" anchor="ctr"/>
           <a:lstStyle/>
           <a:p>
-            <a:endParaRPr lang="en-US"/>
+            <a:pPr lvl="0"/>
+            <a:endParaRPr lang="en-US" noProof="0"/>
           </a:p>
         </p:txBody>
       </p:sp>
@@ -264,38 +320,38 @@
           <a:p>
             <a:pPr lvl="0"/>
             <a:r>
-              <a:rPr lang="en-US" smtClean="0"/>
+              <a:rPr lang="en-US" noProof="0" smtClean="0"/>
               <a:t>Click to edit Master text styles</a:t>
             </a:r>
           </a:p>
           <a:p>
             <a:pPr lvl="1"/>
             <a:r>
-              <a:rPr lang="en-US" smtClean="0"/>
+              <a:rPr lang="en-US" noProof="0" smtClean="0"/>
               <a:t>Second level</a:t>
             </a:r>
           </a:p>
           <a:p>
             <a:pPr lvl="2"/>
             <a:r>
-              <a:rPr lang="en-US" smtClean="0"/>
+              <a:rPr lang="en-US" noProof="0" smtClean="0"/>
               <a:t>Third level</a:t>
             </a:r>
           </a:p>
           <a:p>
             <a:pPr lvl="3"/>
             <a:r>
-              <a:rPr lang="en-US" smtClean="0"/>
+              <a:rPr lang="en-US" noProof="0" smtClean="0"/>
               <a:t>Fourth level</a:t>
             </a:r>
           </a:p>
           <a:p>
             <a:pPr lvl="4"/>
             <a:r>
-              <a:rPr lang="en-US" smtClean="0"/>
+              <a:rPr lang="en-US" noProof="0" smtClean="0"/>
               <a:t>Fifth level</a:t>
             </a:r>
-            <a:endParaRPr lang="en-US"/>
+            <a:endParaRPr lang="en-US" noProof="0"/>
           </a:p>
         </p:txBody>
       </p:sp>
@@ -321,11 +377,22 @@
         <p:txBody>
           <a:bodyPr vert="horz" lIns="91440" tIns="45720" rIns="91440" bIns="45720" rtlCol="0" anchor="b"/>
           <a:lstStyle>
-            <a:lvl1pPr algn="l">
-              <a:defRPr sz="1200"/>
+            <a:lvl1pPr algn="l" fontAlgn="auto">
+              <a:spcBef>
+                <a:spcPts val="0"/>
+              </a:spcBef>
+              <a:spcAft>
+                <a:spcPts val="0"/>
+              </a:spcAft>
+              <a:defRPr sz="1200">
+                <a:latin typeface="+mn-lt"/>
+              </a:defRPr>
             </a:lvl1pPr>
           </a:lstStyle>
           <a:p>
+            <a:pPr>
+              <a:defRPr/>
+            </a:pPr>
             <a:endParaRPr lang="en-US"/>
           </a:p>
         </p:txBody>
@@ -352,14 +419,27 @@
         <p:txBody>
           <a:bodyPr vert="horz" lIns="91440" tIns="45720" rIns="91440" bIns="45720" rtlCol="0" anchor="b"/>
           <a:lstStyle>
-            <a:lvl1pPr algn="r">
-              <a:defRPr sz="1200"/>
+            <a:lvl1pPr algn="r" fontAlgn="auto">
+              <a:spcBef>
+                <a:spcPts val="0"/>
+              </a:spcBef>
+              <a:spcAft>
+                <a:spcPts val="0"/>
+              </a:spcAft>
+              <a:defRPr sz="1200" smtClean="0">
+                <a:latin typeface="+mn-lt"/>
+              </a:defRPr>
             </a:lvl1pPr>
           </a:lstStyle>
           <a:p>
-            <a:fld id="{E16AFF4C-D96B-4E4F-927F-B3CCCC447A9C}" type="slidenum">
-              <a:rPr lang="en-US" smtClean="0"/>
-              <a:pPr/>
+            <a:pPr>
+              <a:defRPr/>
+            </a:pPr>
+            <a:fld id="{3F8F09BE-1757-4285-87D1-78C041A27938}" type="slidenum">
+              <a:rPr lang="en-US"/>
+              <a:pPr>
+                <a:defRPr/>
+              </a:pPr>
               <a:t>‹#›</a:t>
             </a:fld>
             <a:endParaRPr lang="en-US"/>
@@ -370,7 +450,13 @@
   </p:cSld>
   <p:clrMap bg1="lt1" tx1="dk1" bg2="lt2" tx2="dk2" accent1="accent1" accent2="accent2" accent3="accent3" accent4="accent4" accent5="accent5" accent6="accent6" hlink="hlink" folHlink="folHlink"/>
   <p:notesStyle>
-    <a:lvl1pPr marL="0" algn="l" defTabSz="914400" rtl="0" eaLnBrk="1" latinLnBrk="0" hangingPunct="1">
+    <a:lvl1pPr algn="l" rtl="0" fontAlgn="base">
+      <a:spcBef>
+        <a:spcPct val="30000"/>
+      </a:spcBef>
+      <a:spcAft>
+        <a:spcPct val="0"/>
+      </a:spcAft>
       <a:defRPr sz="1200" kern="1200">
         <a:solidFill>
           <a:schemeClr val="tx1"/>
@@ -380,7 +466,13 @@
         <a:cs typeface="+mn-cs"/>
       </a:defRPr>
     </a:lvl1pPr>
-    <a:lvl2pPr marL="457200" algn="l" defTabSz="914400" rtl="0" eaLnBrk="1" latinLnBrk="0" hangingPunct="1">
+    <a:lvl2pPr marL="457200" algn="l" rtl="0" fontAlgn="base">
+      <a:spcBef>
+        <a:spcPct val="30000"/>
+      </a:spcBef>
+      <a:spcAft>
+        <a:spcPct val="0"/>
+      </a:spcAft>
       <a:defRPr sz="1200" kern="1200">
         <a:solidFill>
           <a:schemeClr val="tx1"/>
@@ -390,7 +482,13 @@
         <a:cs typeface="+mn-cs"/>
       </a:defRPr>
     </a:lvl2pPr>
-    <a:lvl3pPr marL="914400" algn="l" defTabSz="914400" rtl="0" eaLnBrk="1" latinLnBrk="0" hangingPunct="1">
+    <a:lvl3pPr marL="914400" algn="l" rtl="0" fontAlgn="base">
+      <a:spcBef>
+        <a:spcPct val="30000"/>
+      </a:spcBef>
+      <a:spcAft>
+        <a:spcPct val="0"/>
+      </a:spcAft>
       <a:defRPr sz="1200" kern="1200">
         <a:solidFill>
           <a:schemeClr val="tx1"/>
@@ -400,7 +498,13 @@
         <a:cs typeface="+mn-cs"/>
       </a:defRPr>
     </a:lvl3pPr>
-    <a:lvl4pPr marL="1371600" algn="l" defTabSz="914400" rtl="0" eaLnBrk="1" latinLnBrk="0" hangingPunct="1">
+    <a:lvl4pPr marL="1371600" algn="l" rtl="0" fontAlgn="base">
+      <a:spcBef>
+        <a:spcPct val="30000"/>
+      </a:spcBef>
+      <a:spcAft>
+        <a:spcPct val="0"/>
+      </a:spcAft>
       <a:defRPr sz="1200" kern="1200">
         <a:solidFill>
           <a:schemeClr val="tx1"/>
@@ -410,7 +514,13 @@
         <a:cs typeface="+mn-cs"/>
       </a:defRPr>
     </a:lvl4pPr>
-    <a:lvl5pPr marL="1828800" algn="l" defTabSz="914400" rtl="0" eaLnBrk="1" latinLnBrk="0" hangingPunct="1">
+    <a:lvl5pPr marL="1828800" algn="l" rtl="0" fontAlgn="base">
+      <a:spcBef>
+        <a:spcPct val="30000"/>
+      </a:spcBef>
+      <a:spcAft>
+        <a:spcPct val="0"/>
+      </a:spcAft>
       <a:defRPr sz="1200" kern="1200">
         <a:solidFill>
           <a:schemeClr val="tx1"/>
@@ -483,7 +593,7 @@
       </p:grpSpPr>
       <p:sp>
         <p:nvSpPr>
-          <p:cNvPr id="2" name="Slide Image Placeholder 1"/>
+          <p:cNvPr id="16385" name="Slide Image Placeholder 1"/>
           <p:cNvSpPr>
             <a:spLocks noGrp="1" noRot="1" noChangeAspect="1"/>
           </p:cNvSpPr>
@@ -491,11 +601,21 @@
             <p:ph type="sldImg"/>
           </p:nvPr>
         </p:nvSpPr>
-        <p:spPr/>
-      </p:sp>
-      <p:sp>
-        <p:nvSpPr>
-          <p:cNvPr id="3" name="Notes Placeholder 2"/>
+        <p:spPr bwMode="auto">
+          <a:noFill/>
+          <a:ln>
+            <a:solidFill>
+              <a:srgbClr val="000000"/>
+            </a:solidFill>
+            <a:miter lim="800000"/>
+            <a:headEnd/>
+            <a:tailEnd/>
+          </a:ln>
+        </p:spPr>
+      </p:sp>
+      <p:sp>
+        <p:nvSpPr>
+          <p:cNvPr id="16386" name="Notes Placeholder 2"/>
           <p:cNvSpPr>
             <a:spLocks noGrp="1"/>
           </p:cNvSpPr>
@@ -503,35 +623,70 @@
             <p:ph type="body" idx="1"/>
           </p:nvPr>
         </p:nvSpPr>
-        <p:spPr/>
-        <p:txBody>
-          <a:bodyPr>
-            <a:normAutofit/>
+        <p:spPr bwMode="auto">
+          <a:noFill/>
+        </p:spPr>
+        <p:txBody>
+          <a:bodyPr wrap="square" numCol="1" anchor="t" anchorCtr="0" compatLnSpc="1">
+            <a:prstTxWarp prst="textNoShape">
+              <a:avLst/>
+            </a:prstTxWarp>
           </a:bodyPr>
           <a:lstStyle/>
           <a:p>
-            <a:endParaRPr lang="en-US" dirty="0"/>
-          </a:p>
-        </p:txBody>
-      </p:sp>
-      <p:sp>
-        <p:nvSpPr>
-          <p:cNvPr id="4" name="Slide Number Placeholder 3"/>
+            <a:pPr>
+              <a:spcBef>
+                <a:spcPct val="0"/>
+              </a:spcBef>
+            </a:pPr>
+            <a:endParaRPr lang="en-US" smtClean="0"/>
+          </a:p>
+        </p:txBody>
+      </p:sp>
+      <p:sp>
+        <p:nvSpPr>
+          <p:cNvPr id="16387" name="Slide Number Placeholder 3"/>
           <p:cNvSpPr>
             <a:spLocks noGrp="1"/>
           </p:cNvSpPr>
           <p:nvPr>
-            <p:ph type="sldNum" sz="quarter" idx="10"/>
+            <p:ph type="sldNum" sz="quarter" idx="5"/>
           </p:nvPr>
         </p:nvSpPr>
-        <p:spPr/>
-        <p:txBody>
-          <a:bodyPr/>
+        <p:spPr bwMode="auto">
+          <a:noFill/>
+          <a:ln>
+            <a:miter lim="800000"/>
+            <a:headEnd/>
+            <a:tailEnd/>
+          </a:ln>
+        </p:spPr>
+        <p:txBody>
+          <a:bodyPr wrap="square" numCol="1" anchorCtr="0" compatLnSpc="1">
+            <a:prstTxWarp prst="textNoShape">
+              <a:avLst/>
+            </a:prstTxWarp>
+          </a:bodyPr>
           <a:lstStyle/>
           <a:p>
-            <a:fld id="{E16AFF4C-D96B-4E4F-927F-B3CCCC447A9C}" type="slidenum">
-              <a:rPr lang="en-US" smtClean="0"/>
-              <a:pPr/>
+            <a:pPr fontAlgn="base">
+              <a:spcBef>
+                <a:spcPct val="0"/>
+              </a:spcBef>
+              <a:spcAft>
+                <a:spcPct val="0"/>
+              </a:spcAft>
+            </a:pPr>
+            <a:fld id="{070E66A9-E65D-4475-B7D1-4677DA3B0F4D}" type="slidenum">
+              <a:rPr lang="en-US"/>
+              <a:pPr fontAlgn="base">
+                <a:spcBef>
+                  <a:spcPct val="0"/>
+                </a:spcBef>
+                <a:spcAft>
+                  <a:spcPct val="0"/>
+                </a:spcAft>
+              </a:pPr>
               <a:t>2</a:t>
             </a:fld>
             <a:endParaRPr lang="en-US"/>
@@ -723,12 +878,21 @@
         <p:spPr/>
         <p:txBody>
           <a:bodyPr/>
-          <a:lstStyle/>
-          <a:p>
-            <a:fld id="{50CC2CF7-1B93-4A44-87CB-33A5D0153F27}" type="datetimeFigureOut">
-              <a:rPr lang="en-US" smtClean="0"/>
-              <a:pPr/>
-              <a:t>10/5/2009</a:t>
+          <a:lstStyle>
+            <a:lvl1pPr>
+              <a:defRPr/>
+            </a:lvl1pPr>
+          </a:lstStyle>
+          <a:p>
+            <a:pPr>
+              <a:defRPr/>
+            </a:pPr>
+            <a:fld id="{5AB84F03-5FFC-44C9-BB63-1738F6ED3E07}" type="datetimeFigureOut">
+              <a:rPr lang="en-US"/>
+              <a:pPr>
+                <a:defRPr/>
+              </a:pPr>
+              <a:t>10/7/2009</a:t>
             </a:fld>
             <a:endParaRPr lang="en-US"/>
           </a:p>
@@ -747,8 +911,15 @@
         <p:spPr/>
         <p:txBody>
           <a:bodyPr/>
-          <a:lstStyle/>
-          <a:p>
+          <a:lstStyle>
+            <a:lvl1pPr>
+              <a:defRPr/>
+            </a:lvl1pPr>
+          </a:lstStyle>
+          <a:p>
+            <a:pPr>
+              <a:defRPr/>
+            </a:pPr>
             <a:endParaRPr lang="en-US"/>
           </a:p>
         </p:txBody>
@@ -766,11 +937,20 @@
         <p:spPr/>
         <p:txBody>
           <a:bodyPr/>
-          <a:lstStyle/>
-          <a:p>
-            <a:fld id="{E3244379-C6BC-475B-ADDB-4C124F4E2DA1}" type="slidenum">
-              <a:rPr lang="en-US" smtClean="0"/>
-              <a:pPr/>
+          <a:lstStyle>
+            <a:lvl1pPr>
+              <a:defRPr/>
+            </a:lvl1pPr>
+          </a:lstStyle>
+          <a:p>
+            <a:pPr>
+              <a:defRPr/>
+            </a:pPr>
+            <a:fld id="{362199EF-3804-4FB7-B898-04C67FDED848}" type="slidenum">
+              <a:rPr lang="en-US"/>
+              <a:pPr>
+                <a:defRPr/>
+              </a:pPr>
               <a:t>‹#›</a:t>
             </a:fld>
             <a:endParaRPr lang="en-US"/>
@@ -890,12 +1070,21 @@
         <p:spPr/>
         <p:txBody>
           <a:bodyPr/>
-          <a:lstStyle/>
-          <a:p>
-            <a:fld id="{50CC2CF7-1B93-4A44-87CB-33A5D0153F27}" type="datetimeFigureOut">
-              <a:rPr lang="en-US" smtClean="0"/>
-              <a:pPr/>
-              <a:t>10/5/2009</a:t>
+          <a:lstStyle>
+            <a:lvl1pPr>
+              <a:defRPr/>
+            </a:lvl1pPr>
+          </a:lstStyle>
+          <a:p>
+            <a:pPr>
+              <a:defRPr/>
+            </a:pPr>
+            <a:fld id="{7F4BFAF4-154F-4FA7-8D0F-9CD0FEB10CF5}" type="datetimeFigureOut">
+              <a:rPr lang="en-US"/>
+              <a:pPr>
+                <a:defRPr/>
+              </a:pPr>
+              <a:t>10/7/2009</a:t>
             </a:fld>
             <a:endParaRPr lang="en-US"/>
           </a:p>
@@ -914,8 +1103,15 @@
         <p:spPr/>
         <p:txBody>
           <a:bodyPr/>
-          <a:lstStyle/>
-          <a:p>
+          <a:lstStyle>
+            <a:lvl1pPr>
+              <a:defRPr/>
+            </a:lvl1pPr>
+          </a:lstStyle>
+          <a:p>
+            <a:pPr>
+              <a:defRPr/>
+            </a:pPr>
             <a:endParaRPr lang="en-US"/>
           </a:p>
         </p:txBody>
@@ -933,11 +1129,20 @@
         <p:spPr/>
         <p:txBody>
           <a:bodyPr/>
-          <a:lstStyle/>
-          <a:p>
-            <a:fld id="{E3244379-C6BC-475B-ADDB-4C124F4E2DA1}" type="slidenum">
-              <a:rPr lang="en-US" smtClean="0"/>
-              <a:pPr/>
+          <a:lstStyle>
+            <a:lvl1pPr>
+              <a:defRPr/>
+            </a:lvl1pPr>
+          </a:lstStyle>
+          <a:p>
+            <a:pPr>
+              <a:defRPr/>
+            </a:pPr>
+            <a:fld id="{CF7CCC21-EB56-4890-9B10-4EF931D3858F}" type="slidenum">
+              <a:rPr lang="en-US"/>
+              <a:pPr>
+                <a:defRPr/>
+              </a:pPr>
               <a:t>‹#›</a:t>
             </a:fld>
             <a:endParaRPr lang="en-US"/>
@@ -1067,12 +1272,21 @@
         <p:spPr/>
         <p:txBody>
           <a:bodyPr/>
-          <a:lstStyle/>
-          <a:p>
-            <a:fld id="{50CC2CF7-1B93-4A44-87CB-33A5D0153F27}" type="datetimeFigureOut">
-              <a:rPr lang="en-US" smtClean="0"/>
-              <a:pPr/>
-              <a:t>10/5/2009</a:t>
+          <a:lstStyle>
+            <a:lvl1pPr>
+              <a:defRPr/>
+            </a:lvl1pPr>
+          </a:lstStyle>
+          <a:p>
+            <a:pPr>
+              <a:defRPr/>
+            </a:pPr>
+            <a:fld id="{A34EFCB4-A272-4775-ACC0-56D4B8E9E81C}" type="datetimeFigureOut">
+              <a:rPr lang="en-US"/>
+              <a:pPr>
+                <a:defRPr/>
+              </a:pPr>
+              <a:t>10/7/2009</a:t>
             </a:fld>
             <a:endParaRPr lang="en-US"/>
           </a:p>
@@ -1091,8 +1305,15 @@
         <p:spPr/>
         <p:txBody>
           <a:bodyPr/>
-          <a:lstStyle/>
-          <a:p>
+          <a:lstStyle>
+            <a:lvl1pPr>
+              <a:defRPr/>
+            </a:lvl1pPr>
+          </a:lstStyle>
+          <a:p>
+            <a:pPr>
+              <a:defRPr/>
+            </a:pPr>
             <a:endParaRPr lang="en-US"/>
           </a:p>
         </p:txBody>
@@ -1110,11 +1331,20 @@
         <p:spPr/>
         <p:txBody>
           <a:bodyPr/>
-          <a:lstStyle/>
-          <a:p>
-            <a:fld id="{E3244379-C6BC-475B-ADDB-4C124F4E2DA1}" type="slidenum">
-              <a:rPr lang="en-US" smtClean="0"/>
-              <a:pPr/>
+          <a:lstStyle>
+            <a:lvl1pPr>
+              <a:defRPr/>
+            </a:lvl1pPr>
+          </a:lstStyle>
+          <a:p>
+            <a:pPr>
+              <a:defRPr/>
+            </a:pPr>
+            <a:fld id="{046CC3A8-6E58-4D7B-A7CA-2B0B9DFEA7BF}" type="slidenum">
+              <a:rPr lang="en-US"/>
+              <a:pPr>
+                <a:defRPr/>
+              </a:pPr>
               <a:t>‹#›</a:t>
             </a:fld>
             <a:endParaRPr lang="en-US"/>
@@ -1234,12 +1464,21 @@
         <p:spPr/>
         <p:txBody>
           <a:bodyPr/>
-          <a:lstStyle/>
-          <a:p>
-            <a:fld id="{50CC2CF7-1B93-4A44-87CB-33A5D0153F27}" type="datetimeFigureOut">
-              <a:rPr lang="en-US" smtClean="0"/>
-              <a:pPr/>
-              <a:t>10/5/2009</a:t>
+          <a:lstStyle>
+            <a:lvl1pPr>
+              <a:defRPr/>
+            </a:lvl1pPr>
+          </a:lstStyle>
+          <a:p>
+            <a:pPr>
+              <a:defRPr/>
+            </a:pPr>
+            <a:fld id="{688ED429-6093-4A4E-9493-DE0969F2916F}" type="datetimeFigureOut">
+              <a:rPr lang="en-US"/>
+              <a:pPr>
+                <a:defRPr/>
+              </a:pPr>
+              <a:t>10/7/2009</a:t>
             </a:fld>
             <a:endParaRPr lang="en-US"/>
           </a:p>
@@ -1258,8 +1497,15 @@
         <p:spPr/>
         <p:txBody>
           <a:bodyPr/>
-          <a:lstStyle/>
-          <a:p>
+          <a:lstStyle>
+            <a:lvl1pPr>
+              <a:defRPr/>
+            </a:lvl1pPr>
+          </a:lstStyle>
+          <a:p>
+            <a:pPr>
+              <a:defRPr/>
+            </a:pPr>
             <a:endParaRPr lang="en-US"/>
           </a:p>
         </p:txBody>
@@ -1277,11 +1523,20 @@
         <p:spPr/>
         <p:txBody>
           <a:bodyPr/>
-          <a:lstStyle/>
-          <a:p>
-            <a:fld id="{E3244379-C6BC-475B-ADDB-4C124F4E2DA1}" type="slidenum">
-              <a:rPr lang="en-US" smtClean="0"/>
-              <a:pPr/>
+          <a:lstStyle>
+            <a:lvl1pPr>
+              <a:defRPr/>
+            </a:lvl1pPr>
+          </a:lstStyle>
+          <a:p>
+            <a:pPr>
+              <a:defRPr/>
+            </a:pPr>
+            <a:fld id="{ECBB0D69-867D-4BFD-B4CA-83D1FCA77BF6}" type="slidenum">
+              <a:rPr lang="en-US"/>
+              <a:pPr>
+                <a:defRPr/>
+              </a:pPr>
               <a:t>‹#›</a:t>
             </a:fld>
             <a:endParaRPr lang="en-US"/>
@@ -1477,12 +1732,21 @@
         <p:spPr/>
         <p:txBody>
           <a:bodyPr/>
-          <a:lstStyle/>
-          <a:p>
-            <a:fld id="{50CC2CF7-1B93-4A44-87CB-33A5D0153F27}" type="datetimeFigureOut">
-              <a:rPr lang="en-US" smtClean="0"/>
-              <a:pPr/>
-              <a:t>10/5/2009</a:t>
+          <a:lstStyle>
+            <a:lvl1pPr>
+              <a:defRPr/>
+            </a:lvl1pPr>
+          </a:lstStyle>
+          <a:p>
+            <a:pPr>
+              <a:defRPr/>
+            </a:pPr>
+            <a:fld id="{89A40E71-23EF-4D18-AF76-0FC7901696F8}" type="datetimeFigureOut">
+              <a:rPr lang="en-US"/>
+              <a:pPr>
+                <a:defRPr/>
+              </a:pPr>
+              <a:t>10/7/2009</a:t>
             </a:fld>
             <a:endParaRPr lang="en-US"/>
           </a:p>
@@ -1501,8 +1765,15 @@
         <p:spPr/>
         <p:txBody>
           <a:bodyPr/>
-          <a:lstStyle/>
-          <a:p>
+          <a:lstStyle>
+            <a:lvl1pPr>
+              <a:defRPr/>
+            </a:lvl1pPr>
+          </a:lstStyle>
+          <a:p>
+            <a:pPr>
+              <a:defRPr/>
+            </a:pPr>
             <a:endParaRPr lang="en-US"/>
           </a:p>
         </p:txBody>
@@ -1520,11 +1791,20 @@
         <p:spPr/>
         <p:txBody>
           <a:bodyPr/>
-          <a:lstStyle/>
-          <a:p>
-            <a:fld id="{E3244379-C6BC-475B-ADDB-4C124F4E2DA1}" type="slidenum">
-              <a:rPr lang="en-US" smtClean="0"/>
-              <a:pPr/>
+          <a:lstStyle>
+            <a:lvl1pPr>
+              <a:defRPr/>
+            </a:lvl1pPr>
+          </a:lstStyle>
+          <a:p>
+            <a:pPr>
+              <a:defRPr/>
+            </a:pPr>
+            <a:fld id="{06A3F778-85C6-4C7C-B252-C0E20B24D258}" type="slidenum">
+              <a:rPr lang="en-US"/>
+              <a:pPr>
+                <a:defRPr/>
+              </a:pPr>
               <a:t>‹#›</a:t>
             </a:fld>
             <a:endParaRPr lang="en-US"/>
@@ -1751,7 +2031,7 @@
       </p:sp>
       <p:sp>
         <p:nvSpPr>
-          <p:cNvPr id="5" name="Date Placeholder 4"/>
+          <p:cNvPr id="5" name="Date Placeholder 3"/>
           <p:cNvSpPr>
             <a:spLocks noGrp="1"/>
           </p:cNvSpPr>
@@ -1762,12 +2042,21 @@
         <p:spPr/>
         <p:txBody>
           <a:bodyPr/>
-          <a:lstStyle/>
-          <a:p>
-            <a:fld id="{50CC2CF7-1B93-4A44-87CB-33A5D0153F27}" type="datetimeFigureOut">
-              <a:rPr lang="en-US" smtClean="0"/>
-              <a:pPr/>
-              <a:t>10/5/2009</a:t>
+          <a:lstStyle>
+            <a:lvl1pPr>
+              <a:defRPr/>
+            </a:lvl1pPr>
+          </a:lstStyle>
+          <a:p>
+            <a:pPr>
+              <a:defRPr/>
+            </a:pPr>
+            <a:fld id="{1E49D55A-7F55-4F2C-95F5-ACDCD351B31C}" type="datetimeFigureOut">
+              <a:rPr lang="en-US"/>
+              <a:pPr>
+                <a:defRPr/>
+              </a:pPr>
+              <a:t>10/7/2009</a:t>
             </a:fld>
             <a:endParaRPr lang="en-US"/>
           </a:p>
@@ -1775,7 +2064,7 @@
       </p:sp>
       <p:sp>
         <p:nvSpPr>
-          <p:cNvPr id="6" name="Footer Placeholder 5"/>
+          <p:cNvPr id="6" name="Footer Placeholder 4"/>
           <p:cNvSpPr>
             <a:spLocks noGrp="1"/>
           </p:cNvSpPr>
@@ -1786,15 +2075,22 @@
         <p:spPr/>
         <p:txBody>
           <a:bodyPr/>
-          <a:lstStyle/>
-          <a:p>
+          <a:lstStyle>
+            <a:lvl1pPr>
+              <a:defRPr/>
+            </a:lvl1pPr>
+          </a:lstStyle>
+          <a:p>
+            <a:pPr>
+              <a:defRPr/>
+            </a:pPr>
             <a:endParaRPr lang="en-US"/>
           </a:p>
         </p:txBody>
       </p:sp>
       <p:sp>
         <p:nvSpPr>
-          <p:cNvPr id="7" name="Slide Number Placeholder 6"/>
+          <p:cNvPr id="7" name="Slide Number Placeholder 5"/>
           <p:cNvSpPr>
             <a:spLocks noGrp="1"/>
           </p:cNvSpPr>
@@ -1805,11 +2101,20 @@
         <p:spPr/>
         <p:txBody>
           <a:bodyPr/>
-          <a:lstStyle/>
-          <a:p>
-            <a:fld id="{E3244379-C6BC-475B-ADDB-4C124F4E2DA1}" type="slidenum">
-              <a:rPr lang="en-US" smtClean="0"/>
-              <a:pPr/>
+          <a:lstStyle>
+            <a:lvl1pPr>
+              <a:defRPr/>
+            </a:lvl1pPr>
+          </a:lstStyle>
+          <a:p>
+            <a:pPr>
+              <a:defRPr/>
+            </a:pPr>
+            <a:fld id="{D43E8B27-C9B7-43CB-9F3A-3778ABAE35D4}" type="slidenum">
+              <a:rPr lang="en-US"/>
+              <a:pPr>
+                <a:defRPr/>
+              </a:pPr>
               <a:t>‹#›</a:t>
             </a:fld>
             <a:endParaRPr lang="en-US"/>
@@ -2170,7 +2475,7 @@
       </p:sp>
       <p:sp>
         <p:nvSpPr>
-          <p:cNvPr id="7" name="Date Placeholder 6"/>
+          <p:cNvPr id="7" name="Date Placeholder 3"/>
           <p:cNvSpPr>
             <a:spLocks noGrp="1"/>
           </p:cNvSpPr>
@@ -2181,12 +2486,21 @@
         <p:spPr/>
         <p:txBody>
           <a:bodyPr/>
-          <a:lstStyle/>
-          <a:p>
-            <a:fld id="{50CC2CF7-1B93-4A44-87CB-33A5D0153F27}" type="datetimeFigureOut">
-              <a:rPr lang="en-US" smtClean="0"/>
-              <a:pPr/>
-              <a:t>10/5/2009</a:t>
+          <a:lstStyle>
+            <a:lvl1pPr>
+              <a:defRPr/>
+            </a:lvl1pPr>
+          </a:lstStyle>
+          <a:p>
+            <a:pPr>
+              <a:defRPr/>
+            </a:pPr>
+            <a:fld id="{94E28825-0631-4BA7-A688-8E5AF2FEE2CE}" type="datetimeFigureOut">
+              <a:rPr lang="en-US"/>
+              <a:pPr>
+                <a:defRPr/>
+              </a:pPr>
+              <a:t>10/7/2009</a:t>
             </a:fld>
             <a:endParaRPr lang="en-US"/>
           </a:p>
@@ -2194,7 +2508,7 @@
       </p:sp>
       <p:sp>
         <p:nvSpPr>
-          <p:cNvPr id="8" name="Footer Placeholder 7"/>
+          <p:cNvPr id="8" name="Footer Placeholder 4"/>
           <p:cNvSpPr>
             <a:spLocks noGrp="1"/>
           </p:cNvSpPr>
@@ -2205,15 +2519,22 @@
         <p:spPr/>
         <p:txBody>
           <a:bodyPr/>
-          <a:lstStyle/>
-          <a:p>
+          <a:lstStyle>
+            <a:lvl1pPr>
+              <a:defRPr/>
+            </a:lvl1pPr>
+          </a:lstStyle>
+          <a:p>
+            <a:pPr>
+              <a:defRPr/>
+            </a:pPr>
             <a:endParaRPr lang="en-US"/>
           </a:p>
         </p:txBody>
       </p:sp>
       <p:sp>
         <p:nvSpPr>
-          <p:cNvPr id="9" name="Slide Number Placeholder 8"/>
+          <p:cNvPr id="9" name="Slide Number Placeholder 5"/>
           <p:cNvSpPr>
             <a:spLocks noGrp="1"/>
           </p:cNvSpPr>
@@ -2224,11 +2545,20 @@
         <p:spPr/>
         <p:txBody>
           <a:bodyPr/>
-          <a:lstStyle/>
-          <a:p>
-            <a:fld id="{E3244379-C6BC-475B-ADDB-4C124F4E2DA1}" type="slidenum">
-              <a:rPr lang="en-US" smtClean="0"/>
-              <a:pPr/>
+          <a:lstStyle>
+            <a:lvl1pPr>
+              <a:defRPr/>
+            </a:lvl1pPr>
+          </a:lstStyle>
+          <a:p>
+            <a:pPr>
+              <a:defRPr/>
+            </a:pPr>
+            <a:fld id="{89026D28-8352-40F9-8960-3B2893F43CFC}" type="slidenum">
+              <a:rPr lang="en-US"/>
+              <a:pPr>
+                <a:defRPr/>
+              </a:pPr>
               <a:t>‹#›</a:t>
             </a:fld>
             <a:endParaRPr lang="en-US"/>
@@ -2285,7 +2615,7 @@
       </p:sp>
       <p:sp>
         <p:nvSpPr>
-          <p:cNvPr id="3" name="Date Placeholder 2"/>
+          <p:cNvPr id="3" name="Date Placeholder 3"/>
           <p:cNvSpPr>
             <a:spLocks noGrp="1"/>
           </p:cNvSpPr>
@@ -2296,12 +2626,21 @@
         <p:spPr/>
         <p:txBody>
           <a:bodyPr/>
-          <a:lstStyle/>
-          <a:p>
-            <a:fld id="{50CC2CF7-1B93-4A44-87CB-33A5D0153F27}" type="datetimeFigureOut">
-              <a:rPr lang="en-US" smtClean="0"/>
-              <a:pPr/>
-              <a:t>10/5/2009</a:t>
+          <a:lstStyle>
+            <a:lvl1pPr>
+              <a:defRPr/>
+            </a:lvl1pPr>
+          </a:lstStyle>
+          <a:p>
+            <a:pPr>
+              <a:defRPr/>
+            </a:pPr>
+            <a:fld id="{E30E4AC1-11DC-425D-A97D-A32DEA6E7B80}" type="datetimeFigureOut">
+              <a:rPr lang="en-US"/>
+              <a:pPr>
+                <a:defRPr/>
+              </a:pPr>
+              <a:t>10/7/2009</a:t>
             </a:fld>
             <a:endParaRPr lang="en-US"/>
           </a:p>
@@ -2309,7 +2648,7 @@
       </p:sp>
       <p:sp>
         <p:nvSpPr>
-          <p:cNvPr id="4" name="Footer Placeholder 3"/>
+          <p:cNvPr id="4" name="Footer Placeholder 4"/>
           <p:cNvSpPr>
             <a:spLocks noGrp="1"/>
           </p:cNvSpPr>
@@ -2320,15 +2659,22 @@
         <p:spPr/>
         <p:txBody>
           <a:bodyPr/>
-          <a:lstStyle/>
-          <a:p>
+          <a:lstStyle>
+            <a:lvl1pPr>
+              <a:defRPr/>
+            </a:lvl1pPr>
+          </a:lstStyle>
+          <a:p>
+            <a:pPr>
+              <a:defRPr/>
+            </a:pPr>
             <a:endParaRPr lang="en-US"/>
           </a:p>
         </p:txBody>
       </p:sp>
       <p:sp>
         <p:nvSpPr>
-          <p:cNvPr id="5" name="Slide Number Placeholder 4"/>
+          <p:cNvPr id="5" name="Slide Number Placeholder 5"/>
           <p:cNvSpPr>
             <a:spLocks noGrp="1"/>
           </p:cNvSpPr>
@@ -2339,11 +2685,20 @@
         <p:spPr/>
         <p:txBody>
           <a:bodyPr/>
-          <a:lstStyle/>
-          <a:p>
-            <a:fld id="{E3244379-C6BC-475B-ADDB-4C124F4E2DA1}" type="slidenum">
-              <a:rPr lang="en-US" smtClean="0"/>
-              <a:pPr/>
+          <a:lstStyle>
+            <a:lvl1pPr>
+              <a:defRPr/>
+            </a:lvl1pPr>
+          </a:lstStyle>
+          <a:p>
+            <a:pPr>
+              <a:defRPr/>
+            </a:pPr>
+            <a:fld id="{A0CE5506-BAB6-4AFC-AD24-01331C30934F}" type="slidenum">
+              <a:rPr lang="en-US"/>
+              <a:pPr>
+                <a:defRPr/>
+              </a:pPr>
               <a:t>‹#›</a:t>
             </a:fld>
             <a:endParaRPr lang="en-US"/>
@@ -2377,7 +2732,7 @@
       </p:grpSpPr>
       <p:sp>
         <p:nvSpPr>
-          <p:cNvPr id="2" name="Date Placeholder 1"/>
+          <p:cNvPr id="2" name="Date Placeholder 3"/>
           <p:cNvSpPr>
             <a:spLocks noGrp="1"/>
           </p:cNvSpPr>
@@ -2388,12 +2743,21 @@
         <p:spPr/>
         <p:txBody>
           <a:bodyPr/>
-          <a:lstStyle/>
-          <a:p>
-            <a:fld id="{50CC2CF7-1B93-4A44-87CB-33A5D0153F27}" type="datetimeFigureOut">
-              <a:rPr lang="en-US" smtClean="0"/>
-              <a:pPr/>
-              <a:t>10/5/2009</a:t>
+          <a:lstStyle>
+            <a:lvl1pPr>
+              <a:defRPr/>
+            </a:lvl1pPr>
+          </a:lstStyle>
+          <a:p>
+            <a:pPr>
+              <a:defRPr/>
+            </a:pPr>
+            <a:fld id="{2C612D43-82FE-4BBE-9D03-E31033FC966E}" type="datetimeFigureOut">
+              <a:rPr lang="en-US"/>
+              <a:pPr>
+                <a:defRPr/>
+              </a:pPr>
+              <a:t>10/7/2009</a:t>
             </a:fld>
             <a:endParaRPr lang="en-US"/>
           </a:p>
@@ -2401,7 +2765,7 @@
       </p:sp>
       <p:sp>
         <p:nvSpPr>
-          <p:cNvPr id="3" name="Footer Placeholder 2"/>
+          <p:cNvPr id="3" name="Footer Placeholder 4"/>
           <p:cNvSpPr>
             <a:spLocks noGrp="1"/>
           </p:cNvSpPr>
@@ -2412,15 +2776,22 @@
         <p:spPr/>
         <p:txBody>
           <a:bodyPr/>
-          <a:lstStyle/>
-          <a:p>
+          <a:lstStyle>
+            <a:lvl1pPr>
+              <a:defRPr/>
+            </a:lvl1pPr>
+          </a:lstStyle>
+          <a:p>
+            <a:pPr>
+              <a:defRPr/>
+            </a:pPr>
             <a:endParaRPr lang="en-US"/>
           </a:p>
         </p:txBody>
       </p:sp>
       <p:sp>
         <p:nvSpPr>
-          <p:cNvPr id="4" name="Slide Number Placeholder 3"/>
+          <p:cNvPr id="4" name="Slide Number Placeholder 5"/>
           <p:cNvSpPr>
             <a:spLocks noGrp="1"/>
           </p:cNvSpPr>
@@ -2431,11 +2802,20 @@
         <p:spPr/>
         <p:txBody>
           <a:bodyPr/>
-          <a:lstStyle/>
-          <a:p>
-            <a:fld id="{E3244379-C6BC-475B-ADDB-4C124F4E2DA1}" type="slidenum">
-              <a:rPr lang="en-US" smtClean="0"/>
-              <a:pPr/>
+          <a:lstStyle>
+            <a:lvl1pPr>
+              <a:defRPr/>
+            </a:lvl1pPr>
+          </a:lstStyle>
+          <a:p>
+            <a:pPr>
+              <a:defRPr/>
+            </a:pPr>
+            <a:fld id="{48712175-FC5B-4288-999E-1629E7BFF71B}" type="slidenum">
+              <a:rPr lang="en-US"/>
+              <a:pPr>
+                <a:defRPr/>
+              </a:pPr>
               <a:t>‹#›</a:t>
             </a:fld>
             <a:endParaRPr lang="en-US"/>
@@ -2651,7 +3031,7 @@
       </p:sp>
       <p:sp>
         <p:nvSpPr>
-          <p:cNvPr id="5" name="Date Placeholder 4"/>
+          <p:cNvPr id="5" name="Date Placeholder 3"/>
           <p:cNvSpPr>
             <a:spLocks noGrp="1"/>
           </p:cNvSpPr>
@@ -2662,12 +3042,21 @@
         <p:spPr/>
         <p:txBody>
           <a:bodyPr/>
-          <a:lstStyle/>
-          <a:p>
-            <a:fld id="{50CC2CF7-1B93-4A44-87CB-33A5D0153F27}" type="datetimeFigureOut">
-              <a:rPr lang="en-US" smtClean="0"/>
-              <a:pPr/>
-              <a:t>10/5/2009</a:t>
+          <a:lstStyle>
+            <a:lvl1pPr>
+              <a:defRPr/>
+            </a:lvl1pPr>
+          </a:lstStyle>
+          <a:p>
+            <a:pPr>
+              <a:defRPr/>
+            </a:pPr>
+            <a:fld id="{7F97203E-88D9-4304-B875-9E5D1BEADDA5}" type="datetimeFigureOut">
+              <a:rPr lang="en-US"/>
+              <a:pPr>
+                <a:defRPr/>
+              </a:pPr>
+              <a:t>10/7/2009</a:t>
             </a:fld>
             <a:endParaRPr lang="en-US"/>
           </a:p>
@@ -2675,7 +3064,7 @@
       </p:sp>
       <p:sp>
         <p:nvSpPr>
-          <p:cNvPr id="6" name="Footer Placeholder 5"/>
+          <p:cNvPr id="6" name="Footer Placeholder 4"/>
           <p:cNvSpPr>
             <a:spLocks noGrp="1"/>
           </p:cNvSpPr>
@@ -2686,15 +3075,22 @@
         <p:spPr/>
         <p:txBody>
           <a:bodyPr/>
-          <a:lstStyle/>
-          <a:p>
+          <a:lstStyle>
+            <a:lvl1pPr>
+              <a:defRPr/>
+            </a:lvl1pPr>
+          </a:lstStyle>
+          <a:p>
+            <a:pPr>
+              <a:defRPr/>
+            </a:pPr>
             <a:endParaRPr lang="en-US"/>
           </a:p>
         </p:txBody>
       </p:sp>
       <p:sp>
         <p:nvSpPr>
-          <p:cNvPr id="7" name="Slide Number Placeholder 6"/>
+          <p:cNvPr id="7" name="Slide Number Placeholder 5"/>
           <p:cNvSpPr>
             <a:spLocks noGrp="1"/>
           </p:cNvSpPr>
@@ -2705,11 +3101,20 @@
         <p:spPr/>
         <p:txBody>
           <a:bodyPr/>
-          <a:lstStyle/>
-          <a:p>
-            <a:fld id="{E3244379-C6BC-475B-ADDB-4C124F4E2DA1}" type="slidenum">
-              <a:rPr lang="en-US" smtClean="0"/>
-              <a:pPr/>
+          <a:lstStyle>
+            <a:lvl1pPr>
+              <a:defRPr/>
+            </a:lvl1pPr>
+          </a:lstStyle>
+          <a:p>
+            <a:pPr>
+              <a:defRPr/>
+            </a:pPr>
+            <a:fld id="{0B2C1A21-6E74-422E-9E6D-CD8EBA168B10}" type="slidenum">
+              <a:rPr lang="en-US"/>
+              <a:pPr>
+                <a:defRPr/>
+              </a:pPr>
               <a:t>‹#›</a:t>
             </a:fld>
             <a:endParaRPr lang="en-US"/>
@@ -2790,7 +3195,9 @@
           </a:xfrm>
         </p:spPr>
         <p:txBody>
-          <a:bodyPr/>
+          <a:bodyPr rtlCol="0">
+            <a:normAutofit/>
+          </a:bodyPr>
           <a:lstStyle>
             <a:lvl1pPr marL="0" indent="0">
               <a:buNone/>
@@ -2830,7 +3237,8 @@
             </a:lvl9pPr>
           </a:lstStyle>
           <a:p>
-            <a:endParaRPr lang="en-US"/>
+            <a:pPr lvl="0"/>
+            <a:endParaRPr lang="en-US" noProof="0"/>
           </a:p>
         </p:txBody>
       </p:sp>
@@ -2901,7 +3309,7 @@
       </p:sp>
       <p:sp>
         <p:nvSpPr>
-          <p:cNvPr id="5" name="Date Placeholder 4"/>
+          <p:cNvPr id="5" name="Date Placeholder 3"/>
           <p:cNvSpPr>
             <a:spLocks noGrp="1"/>
           </p:cNvSpPr>
@@ -2912,12 +3320,21 @@
         <p:spPr/>
         <p:txBody>
           <a:bodyPr/>
-          <a:lstStyle/>
-          <a:p>
-            <a:fld id="{50CC2CF7-1B93-4A44-87CB-33A5D0153F27}" type="datetimeFigureOut">
-              <a:rPr lang="en-US" smtClean="0"/>
-              <a:pPr/>
-              <a:t>10/5/2009</a:t>
+          <a:lstStyle>
+            <a:lvl1pPr>
+              <a:defRPr/>
+            </a:lvl1pPr>
+          </a:lstStyle>
+          <a:p>
+            <a:pPr>
+              <a:defRPr/>
+            </a:pPr>
+            <a:fld id="{4F13FD8C-AE04-467A-B0B4-391AA8B5E3BF}" type="datetimeFigureOut">
+              <a:rPr lang="en-US"/>
+              <a:pPr>
+                <a:defRPr/>
+              </a:pPr>
+              <a:t>10/7/2009</a:t>
             </a:fld>
             <a:endParaRPr lang="en-US"/>
           </a:p>
@@ -2925,7 +3342,7 @@
       </p:sp>
       <p:sp>
         <p:nvSpPr>
-          <p:cNvPr id="6" name="Footer Placeholder 5"/>
+          <p:cNvPr id="6" name="Footer Placeholder 4"/>
           <p:cNvSpPr>
             <a:spLocks noGrp="1"/>
           </p:cNvSpPr>
@@ -2936,15 +3353,22 @@
         <p:spPr/>
         <p:txBody>
           <a:bodyPr/>
-          <a:lstStyle/>
-          <a:p>
+          <a:lstStyle>
+            <a:lvl1pPr>
+              <a:defRPr/>
+            </a:lvl1pPr>
+          </a:lstStyle>
+          <a:p>
+            <a:pPr>
+              <a:defRPr/>
+            </a:pPr>
             <a:endParaRPr lang="en-US"/>
           </a:p>
         </p:txBody>
       </p:sp>
       <p:sp>
         <p:nvSpPr>
-          <p:cNvPr id="7" name="Slide Number Placeholder 6"/>
+          <p:cNvPr id="7" name="Slide Number Placeholder 5"/>
           <p:cNvSpPr>
             <a:spLocks noGrp="1"/>
           </p:cNvSpPr>
@@ -2955,11 +3379,20 @@
         <p:spPr/>
         <p:txBody>
           <a:bodyPr/>
-          <a:lstStyle/>
-          <a:p>
-            <a:fld id="{E3244379-C6BC-475B-ADDB-4C124F4E2DA1}" type="slidenum">
-              <a:rPr lang="en-US" smtClean="0"/>
-              <a:pPr/>
+          <a:lstStyle>
+            <a:lvl1pPr>
+              <a:defRPr/>
+            </a:lvl1pPr>
+          </a:lstStyle>
+          <a:p>
+            <a:pPr>
+              <a:defRPr/>
+            </a:pPr>
+            <a:fld id="{DE3F165A-7055-4142-9EEF-9105B76BF2E0}" type="slidenum">
+              <a:rPr lang="en-US"/>
+              <a:pPr>
+                <a:defRPr/>
+              </a:pPr>
               <a:t>‹#›</a:t>
             </a:fld>
             <a:endParaRPr lang="en-US"/>
@@ -2998,7 +3431,7 @@
       </p:grpSpPr>
       <p:sp>
         <p:nvSpPr>
-          <p:cNvPr id="2" name="Title Placeholder 1"/>
+          <p:cNvPr id="1026" name="Title Placeholder 1"/>
           <p:cNvSpPr>
             <a:spLocks noGrp="1"/>
           </p:cNvSpPr>
@@ -3006,7 +3439,7 @@
             <p:ph type="title"/>
           </p:nvPr>
         </p:nvSpPr>
-        <p:spPr>
+        <p:spPr bwMode="auto">
           <a:xfrm>
             <a:off x="457200" y="274638"/>
             <a:ext cx="8229600" cy="1143000"/>
@@ -3014,24 +3447,33 @@
           <a:prstGeom prst="rect">
             <a:avLst/>
           </a:prstGeom>
-        </p:spPr>
-        <p:txBody>
-          <a:bodyPr vert="horz" lIns="91440" tIns="45720" rIns="91440" bIns="45720" rtlCol="0" anchor="ctr">
-            <a:normAutofit/>
+          <a:noFill/>
+          <a:ln w="9525">
+            <a:noFill/>
+            <a:miter lim="800000"/>
+            <a:headEnd/>
+            <a:tailEnd/>
+          </a:ln>
+        </p:spPr>
+        <p:txBody>
+          <a:bodyPr vert="horz" wrap="square" lIns="91440" tIns="45720" rIns="91440" bIns="45720" numCol="1" anchor="ctr" anchorCtr="0" compatLnSpc="1">
+            <a:prstTxWarp prst="textNoShape">
+              <a:avLst/>
+            </a:prstTxWarp>
           </a:bodyPr>
           <a:lstStyle/>
           <a:p>
+            <a:pPr lvl="0"/>
             <a:r>
               <a:rPr lang="en-US" smtClean="0"/>
               <a:t>Click to edit Master title style</a:t>
             </a:r>
-            <a:endParaRPr lang="en-US"/>
-          </a:p>
-        </p:txBody>
-      </p:sp>
-      <p:sp>
-        <p:nvSpPr>
-          <p:cNvPr id="3" name="Text Placeholder 2"/>
+          </a:p>
+        </p:txBody>
+      </p:sp>
+      <p:sp>
+        <p:nvSpPr>
+          <p:cNvPr id="1027" name="Text Placeholder 2"/>
           <p:cNvSpPr>
             <a:spLocks noGrp="1"/>
           </p:cNvSpPr>
@@ -3039,7 +3481,7 @@
             <p:ph type="body" idx="1"/>
           </p:nvPr>
         </p:nvSpPr>
-        <p:spPr>
+        <p:spPr bwMode="auto">
           <a:xfrm>
             <a:off x="457200" y="1600200"/>
             <a:ext cx="8229600" cy="4525963"/>
@@ -3047,10 +3489,19 @@
           <a:prstGeom prst="rect">
             <a:avLst/>
           </a:prstGeom>
-        </p:spPr>
-        <p:txBody>
-          <a:bodyPr vert="horz" lIns="91440" tIns="45720" rIns="91440" bIns="45720" rtlCol="0">
-            <a:normAutofit/>
+          <a:noFill/>
+          <a:ln w="9525">
+            <a:noFill/>
+            <a:miter lim="800000"/>
+            <a:headEnd/>
+            <a:tailEnd/>
+          </a:ln>
+        </p:spPr>
+        <p:txBody>
+          <a:bodyPr vert="horz" wrap="square" lIns="91440" tIns="45720" rIns="91440" bIns="45720" numCol="1" anchor="t" anchorCtr="0" compatLnSpc="1">
+            <a:prstTxWarp prst="textNoShape">
+              <a:avLst/>
+            </a:prstTxWarp>
           </a:bodyPr>
           <a:lstStyle/>
           <a:p>
@@ -3087,7 +3538,6 @@
               <a:rPr lang="en-US" smtClean="0"/>
               <a:t>Fifth level</a:t>
             </a:r>
-            <a:endParaRPr lang="en-US"/>
           </a:p>
         </p:txBody>
       </p:sp>
@@ -3113,40 +3563,99 @@
         <p:txBody>
           <a:bodyPr vert="horz" lIns="91440" tIns="45720" rIns="91440" bIns="45720" rtlCol="0" anchor="ctr"/>
           <a:lstStyle>
-            <a:lvl1pPr algn="l">
+            <a:lvl1pPr algn="l" fontAlgn="auto">
+              <a:spcBef>
+                <a:spcPts val="0"/>
+              </a:spcBef>
+              <a:spcAft>
+                <a:spcPts val="0"/>
+              </a:spcAft>
+              <a:defRPr sz="1200" smtClean="0">
+                <a:solidFill>
+                  <a:schemeClr val="tx1">
+                    <a:tint val="75000"/>
+                  </a:schemeClr>
+                </a:solidFill>
+                <a:latin typeface="+mn-lt"/>
+              </a:defRPr>
+            </a:lvl1pPr>
+          </a:lstStyle>
+          <a:p>
+            <a:pPr>
+              <a:defRPr/>
+            </a:pPr>
+            <a:fld id="{7941DFFE-B282-4AC8-9FAE-5F8CC12C5149}" type="datetimeFigureOut">
+              <a:rPr lang="en-US"/>
+              <a:pPr>
+                <a:defRPr/>
+              </a:pPr>
+              <a:t>10/7/2009</a:t>
+            </a:fld>
+            <a:endParaRPr lang="en-US"/>
+          </a:p>
+        </p:txBody>
+      </p:sp>
+      <p:sp>
+        <p:nvSpPr>
+          <p:cNvPr id="5" name="Footer Placeholder 4"/>
+          <p:cNvSpPr>
+            <a:spLocks noGrp="1"/>
+          </p:cNvSpPr>
+          <p:nvPr>
+            <p:ph type="ftr" sz="quarter" idx="3"/>
+          </p:nvPr>
+        </p:nvSpPr>
+        <p:spPr>
+          <a:xfrm>
+            <a:off x="3124200" y="6356350"/>
+            <a:ext cx="2895600" cy="365125"/>
+          </a:xfrm>
+          <a:prstGeom prst="rect">
+            <a:avLst/>
+          </a:prstGeom>
+        </p:spPr>
+        <p:txBody>
+          <a:bodyPr vert="horz" lIns="91440" tIns="45720" rIns="91440" bIns="45720" rtlCol="0" anchor="ctr"/>
+          <a:lstStyle>
+            <a:lvl1pPr algn="ctr" fontAlgn="auto">
+              <a:spcBef>
+                <a:spcPts val="0"/>
+              </a:spcBef>
+              <a:spcAft>
+                <a:spcPts val="0"/>
+              </a:spcAft>
               <a:defRPr sz="1200">
                 <a:solidFill>
                   <a:schemeClr val="tx1">
                     <a:tint val="75000"/>
                   </a:schemeClr>
                 </a:solidFill>
+                <a:latin typeface="+mn-lt"/>
               </a:defRPr>
             </a:lvl1pPr>
           </a:lstStyle>
           <a:p>
-            <a:fld id="{50CC2CF7-1B93-4A44-87CB-33A5D0153F27}" type="datetimeFigureOut">
-              <a:rPr lang="en-US" smtClean="0"/>
-              <a:pPr/>
-              <a:t>10/5/2009</a:t>
-            </a:fld>
+            <a:pPr>
+              <a:defRPr/>
+            </a:pPr>
             <a:endParaRPr lang="en-US"/>
           </a:p>
         </p:txBody>
       </p:sp>
       <p:sp>
         <p:nvSpPr>
-          <p:cNvPr id="5" name="Footer Placeholder 4"/>
+          <p:cNvPr id="6" name="Slide Number Placeholder 5"/>
           <p:cNvSpPr>
             <a:spLocks noGrp="1"/>
           </p:cNvSpPr>
           <p:nvPr>
-            <p:ph type="ftr" sz="quarter" idx="3"/>
+            <p:ph type="sldNum" sz="quarter" idx="4"/>
           </p:nvPr>
         </p:nvSpPr>
         <p:spPr>
           <a:xfrm>
-            <a:off x="3124200" y="6356350"/>
-            <a:ext cx="2895600" cy="365125"/>
+            <a:off x="6553200" y="6356350"/>
+            <a:ext cx="2133600" cy="365125"/>
           </a:xfrm>
           <a:prstGeom prst="rect">
             <a:avLst/>
@@ -3155,57 +3664,32 @@
         <p:txBody>
           <a:bodyPr vert="horz" lIns="91440" tIns="45720" rIns="91440" bIns="45720" rtlCol="0" anchor="ctr"/>
           <a:lstStyle>
-            <a:lvl1pPr algn="ctr">
-              <a:defRPr sz="1200">
+            <a:lvl1pPr algn="r" fontAlgn="auto">
+              <a:spcBef>
+                <a:spcPts val="0"/>
+              </a:spcBef>
+              <a:spcAft>
+                <a:spcPts val="0"/>
+              </a:spcAft>
+              <a:defRPr sz="1200" smtClean="0">
                 <a:solidFill>
                   <a:schemeClr val="tx1">
                     <a:tint val="75000"/>
                   </a:schemeClr>
                 </a:solidFill>
+                <a:latin typeface="+mn-lt"/>
               </a:defRPr>
             </a:lvl1pPr>
           </a:lstStyle>
           <a:p>
-            <a:endParaRPr lang="en-US"/>
-          </a:p>
-        </p:txBody>
-      </p:sp>
-      <p:sp>
-        <p:nvSpPr>
-          <p:cNvPr id="6" name="Slide Number Placeholder 5"/>
-          <p:cNvSpPr>
-            <a:spLocks noGrp="1"/>
-          </p:cNvSpPr>
-          <p:nvPr>
-            <p:ph type="sldNum" sz="quarter" idx="4"/>
-          </p:nvPr>
-        </p:nvSpPr>
-        <p:spPr>
-          <a:xfrm>
-            <a:off x="6553200" y="6356350"/>
-            <a:ext cx="2133600" cy="365125"/>
-          </a:xfrm>
-          <a:prstGeom prst="rect">
-            <a:avLst/>
-          </a:prstGeom>
-        </p:spPr>
-        <p:txBody>
-          <a:bodyPr vert="horz" lIns="91440" tIns="45720" rIns="91440" bIns="45720" rtlCol="0" anchor="ctr"/>
-          <a:lstStyle>
-            <a:lvl1pPr algn="r">
-              <a:defRPr sz="1200">
-                <a:solidFill>
-                  <a:schemeClr val="tx1">
-                    <a:tint val="75000"/>
-                  </a:schemeClr>
-                </a:solidFill>
-              </a:defRPr>
-            </a:lvl1pPr>
-          </a:lstStyle>
-          <a:p>
-            <a:fld id="{E3244379-C6BC-475B-ADDB-4C124F4E2DA1}" type="slidenum">
-              <a:rPr lang="en-US" smtClean="0"/>
-              <a:pPr/>
+            <a:pPr>
+              <a:defRPr/>
+            </a:pPr>
+            <a:fld id="{D337F5AC-F621-4D2D-8927-14FC7872CB16}" type="slidenum">
+              <a:rPr lang="en-US"/>
+              <a:pPr>
+                <a:defRPr/>
+              </a:pPr>
               <a:t>‹#›</a:t>
             </a:fld>
             <a:endParaRPr lang="en-US"/>
@@ -3216,25 +3700,27 @@
   </p:cSld>
   <p:clrMap bg1="lt1" tx1="dk1" bg2="lt2" tx2="dk2" accent1="accent1" accent2="accent2" accent3="accent3" accent4="accent4" accent5="accent5" accent6="accent6" hlink="hlink" folHlink="folHlink"/>
   <p:sldLayoutIdLst>
-    <p:sldLayoutId id="2147483649" r:id="rId1"/>
-    <p:sldLayoutId id="2147483650" r:id="rId2"/>
-    <p:sldLayoutId id="2147483651" r:id="rId3"/>
-    <p:sldLayoutId id="2147483652" r:id="rId4"/>
-    <p:sldLayoutId id="2147483653" r:id="rId5"/>
+    <p:sldLayoutId id="2147483659" r:id="rId1"/>
+    <p:sldLayoutId id="2147483658" r:id="rId2"/>
+    <p:sldLayoutId id="2147483657" r:id="rId3"/>
+    <p:sldLayoutId id="2147483656" r:id="rId4"/>
+    <p:sldLayoutId id="2147483655" r:id="rId5"/>
     <p:sldLayoutId id="2147483654" r:id="rId6"/>
-    <p:sldLayoutId id="2147483655" r:id="rId7"/>
-    <p:sldLayoutId id="2147483656" r:id="rId8"/>
-    <p:sldLayoutId id="2147483657" r:id="rId9"/>
-    <p:sldLayoutId id="2147483658" r:id="rId10"/>
-    <p:sldLayoutId id="2147483659" r:id="rId11"/>
+    <p:sldLayoutId id="2147483653" r:id="rId7"/>
+    <p:sldLayoutId id="2147483652" r:id="rId8"/>
+    <p:sldLayoutId id="2147483651" r:id="rId9"/>
+    <p:sldLayoutId id="2147483650" r:id="rId10"/>
+    <p:sldLayoutId id="2147483649" r:id="rId11"/>
   </p:sldLayoutIdLst>
   <p:txStyles>
     <p:titleStyle>
-      <a:lvl1pPr algn="ctr" defTabSz="914400" rtl="0" eaLnBrk="1" latinLnBrk="0" hangingPunct="1">
+      <a:lvl1pPr algn="ctr" rtl="0" fontAlgn="base">
         <a:spcBef>
           <a:spcPct val="0"/>
         </a:spcBef>
-        <a:buNone/>
+        <a:spcAft>
+          <a:spcPct val="0"/>
+        </a:spcAft>
         <a:defRPr sz="4400" kern="1200">
           <a:solidFill>
             <a:schemeClr val="tx1"/>
@@ -3244,13 +3730,128 @@
           <a:cs typeface="+mj-cs"/>
         </a:defRPr>
       </a:lvl1pPr>
+      <a:lvl2pPr algn="ctr" rtl="0" fontAlgn="base">
+        <a:spcBef>
+          <a:spcPct val="0"/>
+        </a:spcBef>
+        <a:spcAft>
+          <a:spcPct val="0"/>
+        </a:spcAft>
+        <a:defRPr sz="4400">
+          <a:solidFill>
+            <a:schemeClr val="tx1"/>
+          </a:solidFill>
+          <a:latin typeface="Calibri" pitchFamily="34" charset="0"/>
+        </a:defRPr>
+      </a:lvl2pPr>
+      <a:lvl3pPr algn="ctr" rtl="0" fontAlgn="base">
+        <a:spcBef>
+          <a:spcPct val="0"/>
+        </a:spcBef>
+        <a:spcAft>
+          <a:spcPct val="0"/>
+        </a:spcAft>
+        <a:defRPr sz="4400">
+          <a:solidFill>
+            <a:schemeClr val="tx1"/>
+          </a:solidFill>
+          <a:latin typeface="Calibri" pitchFamily="34" charset="0"/>
+        </a:defRPr>
+      </a:lvl3pPr>
+      <a:lvl4pPr algn="ctr" rtl="0" fontAlgn="base">
+        <a:spcBef>
+          <a:spcPct val="0"/>
+        </a:spcBef>
+        <a:spcAft>
+          <a:spcPct val="0"/>
+        </a:spcAft>
+        <a:defRPr sz="4400">
+          <a:solidFill>
+            <a:schemeClr val="tx1"/>
+          </a:solidFill>
+          <a:latin typeface="Calibri" pitchFamily="34" charset="0"/>
+        </a:defRPr>
+      </a:lvl4pPr>
+      <a:lvl5pPr algn="ctr" rtl="0" fontAlgn="base">
+        <a:spcBef>
+          <a:spcPct val="0"/>
+        </a:spcBef>
+        <a:spcAft>
+          <a:spcPct val="0"/>
+        </a:spcAft>
+        <a:defRPr sz="4400">
+          <a:solidFill>
+            <a:schemeClr val="tx1"/>
+          </a:solidFill>
+          <a:latin typeface="Calibri" pitchFamily="34" charset="0"/>
+        </a:defRPr>
+      </a:lvl5pPr>
+      <a:lvl6pPr marL="457200" algn="ctr" rtl="0" fontAlgn="base">
+        <a:spcBef>
+          <a:spcPct val="0"/>
+        </a:spcBef>
+        <a:spcAft>
+          <a:spcPct val="0"/>
+        </a:spcAft>
+        <a:defRPr sz="4400">
+          <a:solidFill>
+            <a:schemeClr val="tx1"/>
+          </a:solidFill>
+          <a:latin typeface="Calibri" pitchFamily="34" charset="0"/>
+        </a:defRPr>
+      </a:lvl6pPr>
+      <a:lvl7pPr marL="914400" algn="ctr" rtl="0" fontAlgn="base">
+        <a:spcBef>
+          <a:spcPct val="0"/>
+        </a:spcBef>
+        <a:spcAft>
+          <a:spcPct val="0"/>
+        </a:spcAft>
+        <a:defRPr sz="4400">
+          <a:solidFill>
+            <a:schemeClr val="tx1"/>
+          </a:solidFill>
+          <a:latin typeface="Calibri" pitchFamily="34" charset="0"/>
+        </a:defRPr>
+      </a:lvl7pPr>
+      <a:lvl8pPr marL="1371600" algn="ctr" rtl="0" fontAlgn="base">
+        <a:spcBef>
+          <a:spcPct val="0"/>
+        </a:spcBef>
+        <a:spcAft>
+          <a:spcPct val="0"/>
+        </a:spcAft>
+        <a:defRPr sz="4400">
+          <a:solidFill>
+            <a:schemeClr val="tx1"/>
+          </a:solidFill>
+          <a:latin typeface="Calibri" pitchFamily="34" charset="0"/>
+        </a:defRPr>
+      </a:lvl8pPr>
+      <a:lvl9pPr marL="1828800" algn="ctr" rtl="0" fontAlgn="base">
+        <a:spcBef>
+          <a:spcPct val="0"/>
+        </a:spcBef>
+        <a:spcAft>
+          <a:spcPct val="0"/>
+        </a:spcAft>
+        <a:defRPr sz="4400">
+          <a:solidFill>
+            <a:schemeClr val="tx1"/>
+          </a:solidFill>
+          <a:latin typeface="Calibri" pitchFamily="34" charset="0"/>
+        </a:defRPr>
+      </a:lvl9pPr>
     </p:titleStyle>
     <p:bodyStyle>
-      <a:lvl1pPr marL="342900" indent="-342900" algn="l" defTabSz="914400" rtl="0" eaLnBrk="1" latinLnBrk="0" hangingPunct="1">
+      <a:lvl1pPr marL="342900" indent="-342900" algn="l" rtl="0" fontAlgn="base">
         <a:spcBef>
           <a:spcPct val="20000"/>
         </a:spcBef>
-        <a:buFont typeface="Arial" pitchFamily="34" charset="0"/>
+        <a:spcAft>
+          <a:spcPct val="0"/>
+        </a:spcAft>
+        <a:buFont typeface="Arial" charset="0"/>
         <a:buChar char="•"/>
         <a:defRPr sz="3200" kern="1200">
           <a:solidFill>
@@ -3261,11 +3862,14 @@
           <a:cs typeface="+mn-cs"/>
         </a:defRPr>
       </a:lvl1pPr>
-      <a:lvl2pPr marL="742950" indent="-285750" algn="l" defTabSz="914400" rtl="0" eaLnBrk="1" latinLnBrk="0" hangingPunct="1">
+      <a:lvl2pPr marL="742950" indent="-285750" algn="l" rtl="0" fontAlgn="base">
         <a:spcBef>
           <a:spcPct val="20000"/>
         </a:spcBef>
-        <a:buFont typeface="Arial" pitchFamily="34" charset="0"/>
+        <a:spcAft>
+          <a:spcPct val="0"/>
+        </a:spcAft>
+        <a:buFont typeface="Arial" charset="0"/>
         <a:buChar char="–"/>
         <a:defRPr sz="2800" kern="1200">
           <a:solidFill>
@@ -3276,11 +3880,14 @@
           <a:cs typeface="+mn-cs"/>
         </a:defRPr>
       </a:lvl2pPr>
-      <a:lvl3pPr marL="1143000" indent="-228600" algn="l" defTabSz="914400" rtl="0" eaLnBrk="1" latinLnBrk="0" hangingPunct="1">
+      <a:lvl3pPr marL="1143000" indent="-228600" algn="l" rtl="0" fontAlgn="base">
         <a:spcBef>
           <a:spcPct val="20000"/>
         </a:spcBef>
-        <a:buFont typeface="Arial" pitchFamily="34" charset="0"/>
+        <a:spcAft>
+          <a:spcPct val="0"/>
+        </a:spcAft>
+        <a:buFont typeface="Arial" charset="0"/>
         <a:buChar char="•"/>
         <a:defRPr sz="2400" kern="1200">
           <a:solidFill>
@@ -3291,11 +3898,14 @@
           <a:cs typeface="+mn-cs"/>
         </a:defRPr>
       </a:lvl3pPr>
-      <a:lvl4pPr marL="1600200" indent="-228600" algn="l" defTabSz="914400" rtl="0" eaLnBrk="1" latinLnBrk="0" hangingPunct="1">
+      <a:lvl4pPr marL="1600200" indent="-228600" algn="l" rtl="0" fontAlgn="base">
         <a:spcBef>
           <a:spcPct val="20000"/>
         </a:spcBef>
-        <a:buFont typeface="Arial" pitchFamily="34" charset="0"/>
+        <a:spcAft>
+          <a:spcPct val="0"/>
+        </a:spcAft>
+        <a:buFont typeface="Arial" charset="0"/>
         <a:buChar char="–"/>
         <a:defRPr sz="2000" kern="1200">
           <a:solidFill>
@@ -3306,11 +3916,14 @@
           <a:cs typeface="+mn-cs"/>
         </a:defRPr>
       </a:lvl4pPr>
-      <a:lvl5pPr marL="2057400" indent="-228600" algn="l" defTabSz="914400" rtl="0" eaLnBrk="1" latinLnBrk="0" hangingPunct="1">
+      <a:lvl5pPr marL="2057400" indent="-228600" algn="l" rtl="0" fontAlgn="base">
         <a:spcBef>
           <a:spcPct val="20000"/>
         </a:spcBef>
-        <a:buFont typeface="Arial" pitchFamily="34" charset="0"/>
+        <a:spcAft>
+          <a:spcPct val="0"/>
+        </a:spcAft>
+        <a:buFont typeface="Arial" charset="0"/>
         <a:buChar char="»"/>
         <a:defRPr sz="2000" kern="1200">
           <a:solidFill>
@@ -3500,233 +4113,273 @@
       </p:grpSpPr>
       <p:sp>
         <p:nvSpPr>
-          <p:cNvPr id="4" name="TextBox 3"/>
-          <p:cNvSpPr txBox="1"/>
-          <p:nvPr/>
-        </p:nvSpPr>
-        <p:spPr>
+          <p:cNvPr id="14337" name="TextBox 3"/>
+          <p:cNvSpPr txBox="1">
+            <a:spLocks noChangeArrowheads="1"/>
+          </p:cNvSpPr>
+          <p:nvPr/>
+        </p:nvSpPr>
+        <p:spPr bwMode="auto">
           <a:xfrm>
             <a:off x="2057400" y="1981200"/>
-            <a:ext cx="972126" cy="2308324"/>
+            <a:ext cx="971550" cy="2308225"/>
           </a:xfrm>
           <a:prstGeom prst="rect">
             <a:avLst/>
           </a:prstGeom>
           <a:noFill/>
-          <a:ln>
+          <a:ln w="9525">
             <a:solidFill>
               <a:schemeClr val="tx1"/>
             </a:solidFill>
+            <a:miter lim="800000"/>
+            <a:headEnd/>
+            <a:tailEnd/>
           </a:ln>
         </p:spPr>
         <p:txBody>
-          <a:bodyPr wrap="none" rtlCol="0">
+          <a:bodyPr wrap="none">
             <a:spAutoFit/>
           </a:bodyPr>
           <a:lstStyle/>
           <a:p>
             <a:r>
-              <a:rPr lang="en-US" dirty="0" err="1" smtClean="0"/>
+              <a:rPr lang="en-US">
+                <a:latin typeface="Calibri" pitchFamily="34" charset="0"/>
+              </a:rPr>
               <a:t>empno</a:t>
             </a:r>
-            <a:endParaRPr lang="en-US" dirty="0" smtClean="0"/>
-          </a:p>
-          <a:p>
-            <a:r>
-              <a:rPr lang="en-US" dirty="0" err="1" smtClean="0"/>
+          </a:p>
+          <a:p>
+            <a:r>
+              <a:rPr lang="en-US">
+                <a:latin typeface="Calibri" pitchFamily="34" charset="0"/>
+              </a:rPr>
               <a:t>ename</a:t>
             </a:r>
-            <a:endParaRPr lang="en-US" dirty="0" smtClean="0"/>
-          </a:p>
-          <a:p>
-            <a:r>
-              <a:rPr lang="en-US" dirty="0" smtClean="0"/>
+          </a:p>
+          <a:p>
+            <a:r>
+              <a:rPr lang="en-US">
+                <a:latin typeface="Calibri" pitchFamily="34" charset="0"/>
+              </a:rPr>
               <a:t>job</a:t>
             </a:r>
           </a:p>
           <a:p>
             <a:r>
-              <a:rPr lang="en-US" dirty="0" smtClean="0"/>
+              <a:rPr lang="en-US">
+                <a:latin typeface="Calibri" pitchFamily="34" charset="0"/>
+              </a:rPr>
               <a:t>mgr</a:t>
             </a:r>
           </a:p>
           <a:p>
             <a:r>
-              <a:rPr lang="en-US" dirty="0" err="1" smtClean="0"/>
+              <a:rPr lang="en-US">
+                <a:latin typeface="Calibri" pitchFamily="34" charset="0"/>
+              </a:rPr>
               <a:t>hiredate</a:t>
             </a:r>
-            <a:endParaRPr lang="en-US" dirty="0" smtClean="0"/>
-          </a:p>
-          <a:p>
-            <a:r>
-              <a:rPr lang="en-US" dirty="0" err="1" smtClean="0"/>
+          </a:p>
+          <a:p>
+            <a:r>
+              <a:rPr lang="en-US">
+                <a:latin typeface="Calibri" pitchFamily="34" charset="0"/>
+              </a:rPr>
               <a:t>sal</a:t>
             </a:r>
-            <a:endParaRPr lang="en-US" dirty="0" smtClean="0"/>
-          </a:p>
-          <a:p>
-            <a:r>
-              <a:rPr lang="en-US" dirty="0" err="1" smtClean="0"/>
+          </a:p>
+          <a:p>
+            <a:r>
+              <a:rPr lang="en-US">
+                <a:latin typeface="Calibri" pitchFamily="34" charset="0"/>
+              </a:rPr>
               <a:t>comm</a:t>
             </a:r>
-            <a:endParaRPr lang="en-US" dirty="0" smtClean="0"/>
-          </a:p>
-          <a:p>
-            <a:r>
-              <a:rPr lang="en-US" dirty="0" err="1" smtClean="0"/>
+          </a:p>
+          <a:p>
+            <a:r>
+              <a:rPr lang="en-US">
+                <a:latin typeface="Calibri" pitchFamily="34" charset="0"/>
+              </a:rPr>
               <a:t>deptno</a:t>
             </a:r>
-            <a:endParaRPr lang="en-US" dirty="0"/>
-          </a:p>
-        </p:txBody>
-      </p:sp>
-      <p:sp>
-        <p:nvSpPr>
-          <p:cNvPr id="5" name="TextBox 4"/>
-          <p:cNvSpPr txBox="1"/>
-          <p:nvPr/>
-        </p:nvSpPr>
-        <p:spPr>
+          </a:p>
+        </p:txBody>
+      </p:sp>
+      <p:sp>
+        <p:nvSpPr>
+          <p:cNvPr id="14338" name="TextBox 4"/>
+          <p:cNvSpPr txBox="1">
+            <a:spLocks noChangeArrowheads="1"/>
+          </p:cNvSpPr>
+          <p:nvPr/>
+        </p:nvSpPr>
+        <p:spPr bwMode="auto">
           <a:xfrm>
             <a:off x="2057400" y="1295400"/>
-            <a:ext cx="859979" cy="369332"/>
+            <a:ext cx="860425" cy="369888"/>
           </a:xfrm>
           <a:prstGeom prst="rect">
             <a:avLst/>
           </a:prstGeom>
           <a:noFill/>
-        </p:spPr>
-        <p:txBody>
-          <a:bodyPr wrap="none" rtlCol="0">
+          <a:ln w="9525">
+            <a:noFill/>
+            <a:miter lim="800000"/>
+            <a:headEnd/>
+            <a:tailEnd/>
+          </a:ln>
+        </p:spPr>
+        <p:txBody>
+          <a:bodyPr wrap="none">
             <a:spAutoFit/>
           </a:bodyPr>
           <a:lstStyle/>
           <a:p>
             <a:r>
-              <a:rPr lang="en-US" dirty="0" err="1" smtClean="0"/>
-              <a:t>Emps</a:t>
-            </a:r>
-            <a:r>
-              <a:rPr lang="en-US" dirty="0" smtClean="0"/>
-              <a:t> e</a:t>
-            </a:r>
-            <a:endParaRPr lang="en-US" dirty="0"/>
-          </a:p>
-        </p:txBody>
-      </p:sp>
-      <p:sp>
-        <p:nvSpPr>
-          <p:cNvPr id="6" name="TextBox 5"/>
-          <p:cNvSpPr txBox="1"/>
-          <p:nvPr/>
-        </p:nvSpPr>
-        <p:spPr>
+              <a:rPr lang="en-US">
+                <a:latin typeface="Calibri" pitchFamily="34" charset="0"/>
+              </a:rPr>
+              <a:t>Emps e</a:t>
+            </a:r>
+          </a:p>
+        </p:txBody>
+      </p:sp>
+      <p:sp>
+        <p:nvSpPr>
+          <p:cNvPr id="14339" name="TextBox 5"/>
+          <p:cNvSpPr txBox="1">
+            <a:spLocks noChangeArrowheads="1"/>
+          </p:cNvSpPr>
+          <p:nvPr/>
+        </p:nvSpPr>
+        <p:spPr bwMode="auto">
           <a:xfrm>
             <a:off x="4038600" y="1981200"/>
-            <a:ext cx="972126" cy="2308324"/>
+            <a:ext cx="971550" cy="2308225"/>
           </a:xfrm>
           <a:prstGeom prst="rect">
             <a:avLst/>
           </a:prstGeom>
           <a:noFill/>
-          <a:ln>
+          <a:ln w="9525">
             <a:solidFill>
               <a:schemeClr val="tx1"/>
             </a:solidFill>
+            <a:miter lim="800000"/>
+            <a:headEnd/>
+            <a:tailEnd/>
           </a:ln>
         </p:spPr>
         <p:txBody>
-          <a:bodyPr wrap="none" rtlCol="0">
+          <a:bodyPr wrap="none">
             <a:spAutoFit/>
           </a:bodyPr>
           <a:lstStyle/>
           <a:p>
             <a:r>
-              <a:rPr lang="en-US" dirty="0" err="1" smtClean="0"/>
+              <a:rPr lang="en-US">
+                <a:latin typeface="Calibri" pitchFamily="34" charset="0"/>
+              </a:rPr>
               <a:t>empno</a:t>
             </a:r>
-            <a:endParaRPr lang="en-US" dirty="0" smtClean="0"/>
-          </a:p>
-          <a:p>
-            <a:r>
-              <a:rPr lang="en-US" dirty="0" err="1" smtClean="0"/>
+          </a:p>
+          <a:p>
+            <a:r>
+              <a:rPr lang="en-US">
+                <a:latin typeface="Calibri" pitchFamily="34" charset="0"/>
+              </a:rPr>
               <a:t>ename</a:t>
             </a:r>
-            <a:endParaRPr lang="en-US" dirty="0" smtClean="0"/>
-          </a:p>
-          <a:p>
-            <a:r>
-              <a:rPr lang="en-US" dirty="0" smtClean="0"/>
+          </a:p>
+          <a:p>
+            <a:r>
+              <a:rPr lang="en-US">
+                <a:latin typeface="Calibri" pitchFamily="34" charset="0"/>
+              </a:rPr>
               <a:t>job</a:t>
             </a:r>
           </a:p>
           <a:p>
             <a:r>
-              <a:rPr lang="en-US" dirty="0" smtClean="0"/>
+              <a:rPr lang="en-US">
+                <a:latin typeface="Calibri" pitchFamily="34" charset="0"/>
+              </a:rPr>
               <a:t>mgr</a:t>
             </a:r>
           </a:p>
           <a:p>
             <a:r>
-              <a:rPr lang="en-US" dirty="0" err="1" smtClean="0"/>
+              <a:rPr lang="en-US">
+                <a:latin typeface="Calibri" pitchFamily="34" charset="0"/>
+              </a:rPr>
               <a:t>hiredate</a:t>
             </a:r>
-            <a:endParaRPr lang="en-US" dirty="0" smtClean="0"/>
-          </a:p>
-          <a:p>
-            <a:r>
-              <a:rPr lang="en-US" dirty="0" err="1" smtClean="0"/>
+          </a:p>
+          <a:p>
+            <a:r>
+              <a:rPr lang="en-US">
+                <a:latin typeface="Calibri" pitchFamily="34" charset="0"/>
+              </a:rPr>
               <a:t>sal</a:t>
             </a:r>
-            <a:endParaRPr lang="en-US" dirty="0" smtClean="0"/>
-          </a:p>
-          <a:p>
-            <a:r>
-              <a:rPr lang="en-US" dirty="0" err="1" smtClean="0"/>
+          </a:p>
+          <a:p>
+            <a:r>
+              <a:rPr lang="en-US">
+                <a:latin typeface="Calibri" pitchFamily="34" charset="0"/>
+              </a:rPr>
               <a:t>comm</a:t>
             </a:r>
-            <a:endParaRPr lang="en-US" dirty="0" smtClean="0"/>
-          </a:p>
-          <a:p>
-            <a:r>
-              <a:rPr lang="en-US" dirty="0" err="1" smtClean="0"/>
+          </a:p>
+          <a:p>
+            <a:r>
+              <a:rPr lang="en-US">
+                <a:latin typeface="Calibri" pitchFamily="34" charset="0"/>
+              </a:rPr>
               <a:t>deptno</a:t>
             </a:r>
-            <a:endParaRPr lang="en-US" dirty="0"/>
-          </a:p>
-        </p:txBody>
-      </p:sp>
-      <p:sp>
-        <p:nvSpPr>
-          <p:cNvPr id="7" name="TextBox 6"/>
-          <p:cNvSpPr txBox="1"/>
-          <p:nvPr/>
-        </p:nvSpPr>
-        <p:spPr>
+          </a:p>
+        </p:txBody>
+      </p:sp>
+      <p:sp>
+        <p:nvSpPr>
+          <p:cNvPr id="14340" name="TextBox 6"/>
+          <p:cNvSpPr txBox="1">
+            <a:spLocks noChangeArrowheads="1"/>
+          </p:cNvSpPr>
+          <p:nvPr/>
+        </p:nvSpPr>
+        <p:spPr bwMode="auto">
           <a:xfrm>
             <a:off x="4038600" y="1295400"/>
-            <a:ext cx="928909" cy="369332"/>
+            <a:ext cx="928688" cy="369888"/>
           </a:xfrm>
           <a:prstGeom prst="rect">
             <a:avLst/>
           </a:prstGeom>
           <a:noFill/>
-        </p:spPr>
-        <p:txBody>
-          <a:bodyPr wrap="none" rtlCol="0">
+          <a:ln w="9525">
+            <a:noFill/>
+            <a:miter lim="800000"/>
+            <a:headEnd/>
+            <a:tailEnd/>
+          </a:ln>
+        </p:spPr>
+        <p:txBody>
+          <a:bodyPr wrap="none">
             <a:spAutoFit/>
           </a:bodyPr>
           <a:lstStyle/>
           <a:p>
             <a:r>
-              <a:rPr lang="en-US" dirty="0" err="1" smtClean="0"/>
-              <a:t>Emps</a:t>
-            </a:r>
-            <a:r>
-              <a:rPr lang="en-US" dirty="0" smtClean="0"/>
-              <a:t> m</a:t>
-            </a:r>
-            <a:endParaRPr lang="en-US" dirty="0"/>
+              <a:rPr lang="en-US">
+                <a:latin typeface="Calibri" pitchFamily="34" charset="0"/>
+              </a:rPr>
+              <a:t>Emps m</a:t>
+            </a:r>
           </a:p>
         </p:txBody>
       </p:sp>
@@ -3774,7 +4427,7 @@
         <p:spPr>
           <a:xfrm>
             <a:off x="1600200" y="2438400"/>
-            <a:ext cx="457200" cy="45719"/>
+            <a:ext cx="457200" cy="46038"/>
           </a:xfrm>
           <a:prstGeom prst="rightArrow">
             <a:avLst/>
@@ -3799,10 +4452,18 @@
           </a:fontRef>
         </p:style>
         <p:txBody>
-          <a:bodyPr rtlCol="0" anchor="ctr"/>
+          <a:bodyPr anchor="ctr"/>
           <a:lstStyle/>
           <a:p>
-            <a:pPr algn="ctr"/>
+            <a:pPr algn="ctr" fontAlgn="auto">
+              <a:spcBef>
+                <a:spcPts val="0"/>
+              </a:spcBef>
+              <a:spcAft>
+                <a:spcPts val="0"/>
+              </a:spcAft>
+              <a:defRPr/>
+            </a:pPr>
             <a:endParaRPr lang="en-US"/>
           </a:p>
         </p:txBody>
@@ -3816,7 +4477,7 @@
         <p:spPr>
           <a:xfrm>
             <a:off x="1600200" y="3276600"/>
-            <a:ext cx="457200" cy="45719"/>
+            <a:ext cx="457200" cy="46038"/>
           </a:xfrm>
           <a:prstGeom prst="rightArrow">
             <a:avLst/>
@@ -3841,10 +4502,18 @@
           </a:fontRef>
         </p:style>
         <p:txBody>
-          <a:bodyPr rtlCol="0" anchor="ctr"/>
+          <a:bodyPr anchor="ctr"/>
           <a:lstStyle/>
           <a:p>
-            <a:pPr algn="ctr"/>
+            <a:pPr algn="ctr" fontAlgn="auto">
+              <a:spcBef>
+                <a:spcPts val="0"/>
+              </a:spcBef>
+              <a:spcAft>
+                <a:spcPts val="0"/>
+              </a:spcAft>
+              <a:defRPr/>
+            </a:pPr>
             <a:endParaRPr lang="en-US"/>
           </a:p>
         </p:txBody>
@@ -3858,7 +4527,7 @@
         <p:spPr>
           <a:xfrm>
             <a:off x="1600200" y="4038600"/>
-            <a:ext cx="457200" cy="45719"/>
+            <a:ext cx="457200" cy="46038"/>
           </a:xfrm>
           <a:prstGeom prst="rightArrow">
             <a:avLst/>
@@ -3883,10 +4552,18 @@
           </a:fontRef>
         </p:style>
         <p:txBody>
-          <a:bodyPr rtlCol="0" anchor="ctr"/>
+          <a:bodyPr anchor="ctr"/>
           <a:lstStyle/>
           <a:p>
-            <a:pPr algn="ctr"/>
+            <a:pPr algn="ctr" fontAlgn="auto">
+              <a:spcBef>
+                <a:spcPts val="0"/>
+              </a:spcBef>
+              <a:spcAft>
+                <a:spcPts val="0"/>
+              </a:spcAft>
+              <a:defRPr/>
+            </a:pPr>
             <a:endParaRPr lang="en-US"/>
           </a:p>
         </p:txBody>
@@ -3925,10 +4602,18 @@
           </a:fontRef>
         </p:style>
         <p:txBody>
-          <a:bodyPr rtlCol="0" anchor="ctr"/>
+          <a:bodyPr anchor="ctr"/>
           <a:lstStyle/>
           <a:p>
-            <a:pPr algn="ctr"/>
+            <a:pPr algn="ctr" fontAlgn="auto">
+              <a:spcBef>
+                <a:spcPts val="0"/>
+              </a:spcBef>
+              <a:spcAft>
+                <a:spcPts val="0"/>
+              </a:spcAft>
+              <a:defRPr/>
+            </a:pPr>
             <a:endParaRPr lang="en-US"/>
           </a:p>
         </p:txBody>
@@ -3942,7 +4627,7 @@
         <p:spPr>
           <a:xfrm>
             <a:off x="3505200" y="2438400"/>
-            <a:ext cx="457200" cy="45719"/>
+            <a:ext cx="457200" cy="46038"/>
           </a:xfrm>
           <a:prstGeom prst="rightArrow">
             <a:avLst/>
@@ -3967,10 +4652,18 @@
           </a:fontRef>
         </p:style>
         <p:txBody>
-          <a:bodyPr rtlCol="0" anchor="ctr"/>
+          <a:bodyPr anchor="ctr"/>
           <a:lstStyle/>
           <a:p>
-            <a:pPr algn="ctr"/>
+            <a:pPr algn="ctr" fontAlgn="auto">
+              <a:spcBef>
+                <a:spcPts val="0"/>
+              </a:spcBef>
+              <a:spcAft>
+                <a:spcPts val="0"/>
+              </a:spcAft>
+              <a:defRPr/>
+            </a:pPr>
             <a:endParaRPr lang="en-US"/>
           </a:p>
         </p:txBody>
@@ -3984,7 +4677,7 @@
         <p:spPr>
           <a:xfrm>
             <a:off x="5638800" y="2667000"/>
-            <a:ext cx="1137427" cy="369332"/>
+            <a:ext cx="1136650" cy="369888"/>
           </a:xfrm>
           <a:prstGeom prst="rect">
             <a:avLst/>
@@ -4000,16 +4693,29 @@
           </a:ln>
         </p:spPr>
         <p:txBody>
-          <a:bodyPr wrap="none" rtlCol="0">
+          <a:bodyPr wrap="none">
             <a:spAutoFit/>
           </a:bodyPr>
           <a:lstStyle/>
           <a:p>
-            <a:r>
-              <a:rPr lang="en-US" dirty="0" smtClean="0"/>
+            <a:pPr fontAlgn="auto">
+              <a:spcBef>
+                <a:spcPts val="0"/>
+              </a:spcBef>
+              <a:spcAft>
+                <a:spcPts val="0"/>
+              </a:spcAft>
+              <a:defRPr/>
+            </a:pPr>
+            <a:r>
+              <a:rPr lang="en-US" dirty="0">
+                <a:latin typeface="+mn-lt"/>
+              </a:rPr>
               <a:t>DEPTMGR</a:t>
             </a:r>
-            <a:endParaRPr lang="en-US" dirty="0"/>
+            <a:endParaRPr lang="en-US" dirty="0">
+              <a:latin typeface="+mn-lt"/>
+            </a:endParaRPr>
           </a:p>
         </p:txBody>
       </p:sp>
@@ -4024,7 +4730,7 @@
         <p:spPr>
           <a:xfrm>
             <a:off x="4495800" y="2743200"/>
-            <a:ext cx="1143000" cy="108466"/>
+            <a:ext cx="1143000" cy="107950"/>
           </a:xfrm>
           <a:prstGeom prst="line">
             <a:avLst/>
@@ -4077,211 +4783,264 @@
       </p:grpSpPr>
       <p:sp>
         <p:nvSpPr>
-          <p:cNvPr id="4" name="TextBox 3"/>
-          <p:cNvSpPr txBox="1"/>
-          <p:nvPr/>
-        </p:nvSpPr>
-        <p:spPr>
+          <p:cNvPr id="15361" name="TextBox 3"/>
+          <p:cNvSpPr txBox="1">
+            <a:spLocks noChangeArrowheads="1"/>
+          </p:cNvSpPr>
+          <p:nvPr/>
+        </p:nvSpPr>
+        <p:spPr bwMode="auto">
           <a:xfrm>
             <a:off x="1600200" y="2057400"/>
-            <a:ext cx="1318374" cy="923330"/>
+            <a:ext cx="1317625" cy="923925"/>
           </a:xfrm>
           <a:prstGeom prst="rect">
             <a:avLst/>
           </a:prstGeom>
           <a:noFill/>
-        </p:spPr>
-        <p:txBody>
-          <a:bodyPr wrap="square" rtlCol="0">
+          <a:ln w="9525">
+            <a:noFill/>
+            <a:miter lim="800000"/>
+            <a:headEnd/>
+            <a:tailEnd/>
+          </a:ln>
+        </p:spPr>
+        <p:txBody>
+          <a:bodyPr>
             <a:spAutoFit/>
           </a:bodyPr>
           <a:lstStyle/>
           <a:p>
             <a:pPr algn="r"/>
             <a:r>
-              <a:rPr lang="en-US" u="sng" dirty="0" err="1" smtClean="0"/>
+              <a:rPr lang="en-US" u="sng">
+                <a:latin typeface="Calibri" pitchFamily="34" charset="0"/>
+              </a:rPr>
               <a:t>linenum</a:t>
             </a:r>
-            <a:endParaRPr lang="en-US" u="sng" dirty="0" smtClean="0"/>
           </a:p>
           <a:p>
             <a:pPr algn="r"/>
             <a:r>
-              <a:rPr lang="en-US" dirty="0" smtClean="0"/>
+              <a:rPr lang="en-US">
+                <a:latin typeface="Calibri" pitchFamily="34" charset="0"/>
+              </a:rPr>
               <a:t>price</a:t>
             </a:r>
           </a:p>
           <a:p>
             <a:pPr algn="r"/>
             <a:r>
-              <a:rPr lang="en-US" dirty="0" err="1" smtClean="0"/>
+              <a:rPr lang="en-US">
+                <a:latin typeface="Calibri" pitchFamily="34" charset="0"/>
+              </a:rPr>
               <a:t>quanity</a:t>
             </a:r>
-            <a:endParaRPr lang="en-US" dirty="0"/>
-          </a:p>
-        </p:txBody>
-      </p:sp>
-      <p:sp>
-        <p:nvSpPr>
-          <p:cNvPr id="5" name="TextBox 4"/>
-          <p:cNvSpPr txBox="1"/>
-          <p:nvPr/>
-        </p:nvSpPr>
-        <p:spPr>
-          <a:xfrm>
-            <a:off x="6248401" y="4038600"/>
-            <a:ext cx="998157" cy="646331"/>
+          </a:p>
+        </p:txBody>
+      </p:sp>
+      <p:sp>
+        <p:nvSpPr>
+          <p:cNvPr id="15362" name="TextBox 4"/>
+          <p:cNvSpPr txBox="1">
+            <a:spLocks noChangeArrowheads="1"/>
+          </p:cNvSpPr>
+          <p:nvPr/>
+        </p:nvSpPr>
+        <p:spPr bwMode="auto">
+          <a:xfrm>
+            <a:off x="6248400" y="4038600"/>
+            <a:ext cx="998538" cy="646113"/>
           </a:xfrm>
           <a:prstGeom prst="rect">
             <a:avLst/>
           </a:prstGeom>
           <a:noFill/>
-        </p:spPr>
-        <p:txBody>
-          <a:bodyPr wrap="none" rtlCol="0">
+          <a:ln w="9525">
+            <a:noFill/>
+            <a:miter lim="800000"/>
+            <a:headEnd/>
+            <a:tailEnd/>
+          </a:ln>
+        </p:spPr>
+        <p:txBody>
+          <a:bodyPr wrap="none">
             <a:spAutoFit/>
           </a:bodyPr>
           <a:lstStyle/>
           <a:p>
             <a:pPr algn="r"/>
             <a:r>
-              <a:rPr lang="en-US" u="sng" dirty="0" err="1" smtClean="0"/>
+              <a:rPr lang="en-US" u="sng">
+                <a:latin typeface="Calibri" pitchFamily="34" charset="0"/>
+              </a:rPr>
               <a:t>catnum</a:t>
             </a:r>
-            <a:endParaRPr lang="en-US" u="sng" dirty="0" smtClean="0"/>
           </a:p>
           <a:p>
             <a:pPr algn="r"/>
             <a:r>
-              <a:rPr lang="en-US" dirty="0" err="1" smtClean="0"/>
+              <a:rPr lang="en-US">
+                <a:latin typeface="Calibri" pitchFamily="34" charset="0"/>
+              </a:rPr>
               <a:t>catname</a:t>
             </a:r>
-            <a:endParaRPr lang="en-US" dirty="0"/>
-          </a:p>
-        </p:txBody>
-      </p:sp>
-      <p:sp>
-        <p:nvSpPr>
-          <p:cNvPr id="6" name="TextBox 5"/>
-          <p:cNvSpPr txBox="1"/>
-          <p:nvPr/>
-        </p:nvSpPr>
-        <p:spPr>
+          </a:p>
+        </p:txBody>
+      </p:sp>
+      <p:sp>
+        <p:nvSpPr>
+          <p:cNvPr id="15363" name="TextBox 5"/>
+          <p:cNvSpPr txBox="1">
+            <a:spLocks noChangeArrowheads="1"/>
+          </p:cNvSpPr>
+          <p:nvPr/>
+        </p:nvSpPr>
+        <p:spPr bwMode="auto">
           <a:xfrm>
             <a:off x="4038600" y="4191000"/>
-            <a:ext cx="1066800" cy="646331"/>
+            <a:ext cx="1066800" cy="646113"/>
           </a:xfrm>
           <a:prstGeom prst="rect">
             <a:avLst/>
           </a:prstGeom>
           <a:noFill/>
-        </p:spPr>
-        <p:txBody>
-          <a:bodyPr wrap="square" rtlCol="0">
+          <a:ln w="9525">
+            <a:noFill/>
+            <a:miter lim="800000"/>
+            <a:headEnd/>
+            <a:tailEnd/>
+          </a:ln>
+        </p:spPr>
+        <p:txBody>
+          <a:bodyPr>
             <a:spAutoFit/>
           </a:bodyPr>
           <a:lstStyle/>
           <a:p>
             <a:pPr algn="r"/>
             <a:r>
-              <a:rPr lang="en-US" u="sng" dirty="0" err="1" smtClean="0"/>
+              <a:rPr lang="en-US" u="sng">
+                <a:latin typeface="Calibri" pitchFamily="34" charset="0"/>
+              </a:rPr>
               <a:t>Itemnum</a:t>
             </a:r>
-            <a:endParaRPr lang="en-US" u="sng" dirty="0" smtClean="0"/>
           </a:p>
           <a:p>
             <a:pPr algn="r"/>
             <a:r>
-              <a:rPr lang="en-US" dirty="0" smtClean="0"/>
+              <a:rPr lang="en-US">
+                <a:latin typeface="Calibri" pitchFamily="34" charset="0"/>
+              </a:rPr>
               <a:t>page</a:t>
             </a:r>
-            <a:endParaRPr lang="en-US" dirty="0"/>
-          </a:p>
-        </p:txBody>
-      </p:sp>
-      <p:sp>
-        <p:nvSpPr>
-          <p:cNvPr id="9" name="TextBox 8"/>
-          <p:cNvSpPr txBox="1"/>
-          <p:nvPr/>
-        </p:nvSpPr>
-        <p:spPr>
+          </a:p>
+        </p:txBody>
+      </p:sp>
+      <p:sp>
+        <p:nvSpPr>
+          <p:cNvPr id="15364" name="TextBox 8"/>
+          <p:cNvSpPr txBox="1">
+            <a:spLocks noChangeArrowheads="1"/>
+          </p:cNvSpPr>
+          <p:nvPr/>
+        </p:nvSpPr>
+        <p:spPr bwMode="auto">
           <a:xfrm>
             <a:off x="6248400" y="2057400"/>
-            <a:ext cx="1171153" cy="923330"/>
+            <a:ext cx="1171575" cy="923925"/>
           </a:xfrm>
           <a:prstGeom prst="rect">
             <a:avLst/>
           </a:prstGeom>
           <a:noFill/>
-        </p:spPr>
-        <p:txBody>
-          <a:bodyPr wrap="none" rtlCol="0">
+          <a:ln w="9525">
+            <a:noFill/>
+            <a:miter lim="800000"/>
+            <a:headEnd/>
+            <a:tailEnd/>
+          </a:ln>
+        </p:spPr>
+        <p:txBody>
+          <a:bodyPr wrap="none">
             <a:spAutoFit/>
           </a:bodyPr>
           <a:lstStyle/>
           <a:p>
             <a:pPr algn="r"/>
             <a:r>
-              <a:rPr lang="en-US" u="sng" dirty="0" err="1" smtClean="0"/>
+              <a:rPr lang="en-US" u="sng">
+                <a:latin typeface="Calibri" pitchFamily="34" charset="0"/>
+              </a:rPr>
               <a:t>custid</a:t>
             </a:r>
-            <a:endParaRPr lang="en-US" u="sng" dirty="0" smtClean="0"/>
           </a:p>
           <a:p>
             <a:pPr algn="r"/>
             <a:r>
-              <a:rPr lang="en-US" dirty="0" err="1" smtClean="0"/>
+              <a:rPr lang="en-US">
+                <a:latin typeface="Calibri" pitchFamily="34" charset="0"/>
+              </a:rPr>
               <a:t>custname</a:t>
             </a:r>
-            <a:endParaRPr lang="en-US" dirty="0" smtClean="0"/>
           </a:p>
           <a:p>
             <a:pPr algn="r"/>
             <a:r>
-              <a:rPr lang="en-US" dirty="0" err="1" smtClean="0"/>
+              <a:rPr lang="en-US">
+                <a:latin typeface="Calibri" pitchFamily="34" charset="0"/>
+              </a:rPr>
               <a:t>custphone</a:t>
             </a:r>
-            <a:endParaRPr lang="en-US" dirty="0"/>
-          </a:p>
-        </p:txBody>
-      </p:sp>
-      <p:sp>
-        <p:nvSpPr>
-          <p:cNvPr id="10" name="TextBox 9"/>
-          <p:cNvSpPr txBox="1"/>
-          <p:nvPr/>
-        </p:nvSpPr>
-        <p:spPr>
-          <a:xfrm>
-            <a:off x="4200555" y="1981200"/>
-            <a:ext cx="1130501" cy="646331"/>
+          </a:p>
+        </p:txBody>
+      </p:sp>
+      <p:sp>
+        <p:nvSpPr>
+          <p:cNvPr id="15365" name="TextBox 9"/>
+          <p:cNvSpPr txBox="1">
+            <a:spLocks noChangeArrowheads="1"/>
+          </p:cNvSpPr>
+          <p:nvPr/>
+        </p:nvSpPr>
+        <p:spPr bwMode="auto">
+          <a:xfrm>
+            <a:off x="4200525" y="1981200"/>
+            <a:ext cx="1130300" cy="646113"/>
           </a:xfrm>
           <a:prstGeom prst="rect">
             <a:avLst/>
           </a:prstGeom>
           <a:noFill/>
-        </p:spPr>
-        <p:txBody>
-          <a:bodyPr wrap="none" rtlCol="0">
+          <a:ln w="9525">
+            <a:noFill/>
+            <a:miter lim="800000"/>
+            <a:headEnd/>
+            <a:tailEnd/>
+          </a:ln>
+        </p:spPr>
+        <p:txBody>
+          <a:bodyPr wrap="none">
             <a:spAutoFit/>
           </a:bodyPr>
           <a:lstStyle/>
           <a:p>
             <a:pPr algn="r"/>
             <a:r>
-              <a:rPr lang="en-US" u="sng" dirty="0" err="1" smtClean="0"/>
+              <a:rPr lang="en-US" u="sng">
+                <a:latin typeface="Calibri" pitchFamily="34" charset="0"/>
+              </a:rPr>
               <a:t>orderno</a:t>
             </a:r>
-            <a:endParaRPr lang="en-US" u="sng" dirty="0" smtClean="0"/>
           </a:p>
           <a:p>
             <a:pPr algn="r"/>
             <a:r>
-              <a:rPr lang="en-US" dirty="0" err="1" smtClean="0"/>
+              <a:rPr lang="en-US">
+                <a:latin typeface="Calibri" pitchFamily="34" charset="0"/>
+              </a:rPr>
               <a:t>ordertime</a:t>
             </a:r>
-            <a:endParaRPr lang="en-US" dirty="0"/>
           </a:p>
         </p:txBody>
       </p:sp>
@@ -4294,7 +5053,7 @@
         <p:spPr>
           <a:xfrm>
             <a:off x="5486400" y="1828800"/>
-            <a:ext cx="838200" cy="1"/>
+            <a:ext cx="838200" cy="0"/>
           </a:xfrm>
           <a:prstGeom prst="line">
             <a:avLst/>
@@ -4317,11 +5076,13 @@
       </p:cxnSp>
       <p:grpSp>
         <p:nvGrpSpPr>
-          <p:cNvPr id="34" name="Group 33"/>
-          <p:cNvGrpSpPr/>
+          <p:cNvPr id="15367" name="Group 33"/>
+          <p:cNvGrpSpPr>
+            <a:grpSpLocks/>
+          </p:cNvGrpSpPr>
           <p:nvPr/>
         </p:nvGrpSpPr>
-        <p:grpSpPr>
+        <p:grpSpPr bwMode="auto">
           <a:xfrm>
             <a:off x="5257800" y="1600200"/>
             <a:ext cx="228600" cy="457200"/>
@@ -4402,11 +5163,13 @@
       </p:grpSp>
       <p:grpSp>
         <p:nvGrpSpPr>
-          <p:cNvPr id="35" name="Group 34"/>
-          <p:cNvGrpSpPr/>
+          <p:cNvPr id="15368" name="Group 34"/>
+          <p:cNvGrpSpPr>
+            <a:grpSpLocks/>
+          </p:cNvGrpSpPr>
           <p:nvPr/>
         </p:nvGrpSpPr>
-        <p:grpSpPr>
+        <p:grpSpPr bwMode="auto">
           <a:xfrm>
             <a:off x="2819400" y="1676400"/>
             <a:ext cx="228600" cy="457200"/>
@@ -4484,7 +5247,7 @@
         <p:spPr>
           <a:xfrm>
             <a:off x="4495800" y="1676400"/>
-            <a:ext cx="739690" cy="369332"/>
+            <a:ext cx="739775" cy="369888"/>
           </a:xfrm>
           <a:prstGeom prst="rect">
             <a:avLst/>
@@ -4499,16 +5262,29 @@
           </a:ln>
         </p:spPr>
         <p:txBody>
-          <a:bodyPr wrap="none" rtlCol="0">
+          <a:bodyPr wrap="none">
             <a:spAutoFit/>
           </a:bodyPr>
           <a:lstStyle/>
           <a:p>
-            <a:r>
-              <a:rPr lang="en-US" b="1" dirty="0" smtClean="0"/>
+            <a:pPr fontAlgn="auto">
+              <a:spcBef>
+                <a:spcPts val="0"/>
+              </a:spcBef>
+              <a:spcAft>
+                <a:spcPts val="0"/>
+              </a:spcAft>
+              <a:defRPr/>
+            </a:pPr>
+            <a:r>
+              <a:rPr lang="en-US" b="1" dirty="0">
+                <a:latin typeface="+mn-lt"/>
+              </a:rPr>
               <a:t>Order</a:t>
             </a:r>
-            <a:endParaRPr lang="en-US" b="1" dirty="0"/>
+            <a:endParaRPr lang="en-US" b="1" dirty="0">
+              <a:latin typeface="+mn-lt"/>
+            </a:endParaRPr>
           </a:p>
         </p:txBody>
       </p:sp>
@@ -4521,7 +5297,7 @@
         <p:spPr>
           <a:xfrm>
             <a:off x="6324600" y="1676400"/>
-            <a:ext cx="1104790" cy="369332"/>
+            <a:ext cx="1104900" cy="369888"/>
           </a:xfrm>
           <a:prstGeom prst="rect">
             <a:avLst/>
@@ -4536,81 +5312,109 @@
           </a:ln>
         </p:spPr>
         <p:txBody>
-          <a:bodyPr wrap="none" rtlCol="0">
+          <a:bodyPr wrap="none">
             <a:spAutoFit/>
           </a:bodyPr>
           <a:lstStyle/>
           <a:p>
-            <a:r>
-              <a:rPr lang="en-US" b="1" dirty="0" smtClean="0"/>
+            <a:pPr fontAlgn="auto">
+              <a:spcBef>
+                <a:spcPts val="0"/>
+              </a:spcBef>
+              <a:spcAft>
+                <a:spcPts val="0"/>
+              </a:spcAft>
+              <a:defRPr/>
+            </a:pPr>
+            <a:r>
+              <a:rPr lang="en-US" b="1" dirty="0">
+                <a:latin typeface="+mn-lt"/>
+              </a:rPr>
               <a:t>Customer</a:t>
             </a:r>
-            <a:endParaRPr lang="en-US" b="1" dirty="0"/>
-          </a:p>
-        </p:txBody>
-      </p:sp>
-      <p:sp>
-        <p:nvSpPr>
-          <p:cNvPr id="50" name="TextBox 49"/>
-          <p:cNvSpPr txBox="1"/>
-          <p:nvPr/>
-        </p:nvSpPr>
-        <p:spPr>
+            <a:endParaRPr lang="en-US" b="1" dirty="0">
+              <a:latin typeface="+mn-lt"/>
+            </a:endParaRPr>
+          </a:p>
+        </p:txBody>
+      </p:sp>
+      <p:sp>
+        <p:nvSpPr>
+          <p:cNvPr id="15371" name="TextBox 49"/>
+          <p:cNvSpPr txBox="1">
+            <a:spLocks noChangeArrowheads="1"/>
+          </p:cNvSpPr>
+          <p:nvPr/>
+        </p:nvSpPr>
+        <p:spPr bwMode="auto">
           <a:xfrm>
             <a:off x="5410200" y="1447800"/>
-            <a:ext cx="1050224" cy="369332"/>
+            <a:ext cx="1050925" cy="369888"/>
           </a:xfrm>
           <a:prstGeom prst="rect">
             <a:avLst/>
           </a:prstGeom>
           <a:noFill/>
-        </p:spPr>
-        <p:txBody>
-          <a:bodyPr wrap="none" rtlCol="0">
+          <a:ln w="9525">
+            <a:noFill/>
+            <a:miter lim="800000"/>
+            <a:headEnd/>
+            <a:tailEnd/>
+          </a:ln>
+        </p:spPr>
+        <p:txBody>
+          <a:bodyPr wrap="none">
             <a:spAutoFit/>
           </a:bodyPr>
           <a:lstStyle/>
           <a:p>
             <a:r>
-              <a:rPr lang="en-US" dirty="0" smtClean="0"/>
+              <a:rPr lang="en-US">
+                <a:latin typeface="Calibri" pitchFamily="34" charset="0"/>
+              </a:rPr>
               <a:t>Made for</a:t>
             </a:r>
-            <a:endParaRPr lang="en-US" dirty="0"/>
-          </a:p>
-        </p:txBody>
-      </p:sp>
-      <p:sp>
-        <p:nvSpPr>
-          <p:cNvPr id="51" name="TextBox 50"/>
-          <p:cNvSpPr txBox="1"/>
-          <p:nvPr/>
-        </p:nvSpPr>
-        <p:spPr>
+          </a:p>
+        </p:txBody>
+      </p:sp>
+      <p:sp>
+        <p:nvSpPr>
+          <p:cNvPr id="15372" name="TextBox 50"/>
+          <p:cNvSpPr txBox="1">
+            <a:spLocks noChangeArrowheads="1"/>
+          </p:cNvSpPr>
+          <p:nvPr/>
+        </p:nvSpPr>
+        <p:spPr bwMode="auto">
           <a:xfrm>
             <a:off x="1600200" y="1676400"/>
-            <a:ext cx="1245149" cy="369332"/>
+            <a:ext cx="1244600" cy="369888"/>
           </a:xfrm>
           <a:prstGeom prst="rect">
             <a:avLst/>
           </a:prstGeom>
           <a:noFill/>
-          <a:ln>
+          <a:ln w="9525">
             <a:solidFill>
               <a:schemeClr val="tx1"/>
             </a:solidFill>
+            <a:miter lim="800000"/>
+            <a:headEnd/>
+            <a:tailEnd/>
           </a:ln>
         </p:spPr>
         <p:txBody>
-          <a:bodyPr wrap="none" rtlCol="0">
+          <a:bodyPr wrap="none">
             <a:spAutoFit/>
           </a:bodyPr>
           <a:lstStyle/>
           <a:p>
             <a:r>
-              <a:rPr lang="en-US" b="1" dirty="0" err="1" smtClean="0"/>
+              <a:rPr lang="en-US" b="1">
+                <a:latin typeface="Calibri" pitchFamily="34" charset="0"/>
+              </a:rPr>
               <a:t>OrderEntry</a:t>
             </a:r>
-            <a:endParaRPr lang="en-US" b="1" dirty="0"/>
           </a:p>
         </p:txBody>
       </p:sp>
@@ -4618,15 +5422,15 @@
         <p:nvCxnSpPr>
           <p:cNvPr id="54" name="Straight Connector 53"/>
           <p:cNvCxnSpPr>
-            <a:stCxn id="51" idx="3"/>
+            <a:stCxn id="15372" idx="3"/>
             <a:endCxn id="48" idx="1"/>
           </p:cNvCxnSpPr>
           <p:nvPr/>
         </p:nvCxnSpPr>
         <p:spPr>
           <a:xfrm>
-            <a:off x="2845349" y="1861066"/>
-            <a:ext cx="1650451" cy="1588"/>
+            <a:off x="2844800" y="1860550"/>
+            <a:ext cx="1651000" cy="1588"/>
           </a:xfrm>
           <a:prstGeom prst="line">
             <a:avLst/>
@@ -4649,45 +5453,52 @@
       </p:cxnSp>
       <p:sp>
         <p:nvSpPr>
-          <p:cNvPr id="55" name="TextBox 54"/>
-          <p:cNvSpPr txBox="1"/>
-          <p:nvPr/>
-        </p:nvSpPr>
-        <p:spPr>
+          <p:cNvPr id="15374" name="TextBox 54"/>
+          <p:cNvSpPr txBox="1">
+            <a:spLocks noChangeArrowheads="1"/>
+          </p:cNvSpPr>
+          <p:nvPr/>
+        </p:nvSpPr>
+        <p:spPr bwMode="auto">
           <a:xfrm>
             <a:off x="3124200" y="1524000"/>
-            <a:ext cx="1193596" cy="369332"/>
+            <a:ext cx="1193800" cy="369888"/>
           </a:xfrm>
           <a:prstGeom prst="rect">
             <a:avLst/>
           </a:prstGeom>
           <a:noFill/>
-        </p:spPr>
-        <p:txBody>
-          <a:bodyPr wrap="none" rtlCol="0">
+          <a:ln w="9525">
+            <a:noFill/>
+            <a:miter lim="800000"/>
+            <a:headEnd/>
+            <a:tailEnd/>
+          </a:ln>
+        </p:spPr>
+        <p:txBody>
+          <a:bodyPr wrap="none">
             <a:spAutoFit/>
           </a:bodyPr>
           <a:lstStyle/>
           <a:p>
             <a:r>
-              <a:rPr lang="en-US" dirty="0" smtClean="0"/>
-              <a:t>Consist </a:t>
-            </a:r>
-            <a:r>
-              <a:rPr lang="en-US" dirty="0" err="1" smtClean="0"/>
-              <a:t>sof</a:t>
-            </a:r>
-            <a:endParaRPr lang="en-US" dirty="0"/>
+              <a:rPr lang="en-US">
+                <a:latin typeface="Calibri" pitchFamily="34" charset="0"/>
+              </a:rPr>
+              <a:t>Consist sof</a:t>
+            </a:r>
           </a:p>
         </p:txBody>
       </p:sp>
       <p:grpSp>
         <p:nvGrpSpPr>
-          <p:cNvPr id="61" name="Group 60"/>
-          <p:cNvGrpSpPr/>
+          <p:cNvPr id="15375" name="Group 60"/>
+          <p:cNvGrpSpPr>
+            <a:grpSpLocks/>
+          </p:cNvGrpSpPr>
           <p:nvPr/>
         </p:nvGrpSpPr>
-        <p:grpSpPr>
+        <p:grpSpPr bwMode="auto">
           <a:xfrm>
             <a:off x="2057400" y="2971800"/>
             <a:ext cx="381000" cy="228600"/>
@@ -4777,7 +5588,7 @@
         <p:spPr>
           <a:xfrm>
             <a:off x="2286000" y="3200400"/>
-            <a:ext cx="2057400" cy="718066"/>
+            <a:ext cx="2057400" cy="717550"/>
           </a:xfrm>
           <a:prstGeom prst="bentConnector3">
             <a:avLst>
@@ -4809,7 +5620,7 @@
         <p:spPr>
           <a:xfrm>
             <a:off x="4343400" y="3733800"/>
-            <a:ext cx="621067" cy="369332"/>
+            <a:ext cx="620713" cy="369888"/>
           </a:xfrm>
           <a:prstGeom prst="rect">
             <a:avLst/>
@@ -4825,16 +5636,29 @@
           </a:ln>
         </p:spPr>
         <p:txBody>
-          <a:bodyPr wrap="none" rtlCol="0">
+          <a:bodyPr wrap="none">
             <a:spAutoFit/>
           </a:bodyPr>
           <a:lstStyle/>
           <a:p>
-            <a:r>
-              <a:rPr lang="en-US" b="1" dirty="0" smtClean="0"/>
+            <a:pPr fontAlgn="auto">
+              <a:spcBef>
+                <a:spcPts val="0"/>
+              </a:spcBef>
+              <a:spcAft>
+                <a:spcPts val="0"/>
+              </a:spcAft>
+              <a:defRPr/>
+            </a:pPr>
+            <a:r>
+              <a:rPr lang="en-US" b="1" dirty="0">
+                <a:latin typeface="+mn-lt"/>
+              </a:rPr>
               <a:t>item</a:t>
             </a:r>
-            <a:endParaRPr lang="en-US" b="1" dirty="0"/>
+            <a:endParaRPr lang="en-US" b="1" dirty="0">
+              <a:latin typeface="+mn-lt"/>
+            </a:endParaRPr>
           </a:p>
         </p:txBody>
       </p:sp>
@@ -4847,7 +5671,7 @@
         <p:spPr>
           <a:xfrm>
             <a:off x="6324600" y="3657600"/>
-            <a:ext cx="898451" cy="369332"/>
+            <a:ext cx="898525" cy="369888"/>
           </a:xfrm>
           <a:prstGeom prst="rect">
             <a:avLst/>
@@ -4863,16 +5687,29 @@
           </a:ln>
         </p:spPr>
         <p:txBody>
-          <a:bodyPr wrap="none" rtlCol="0">
+          <a:bodyPr wrap="none">
             <a:spAutoFit/>
           </a:bodyPr>
           <a:lstStyle/>
           <a:p>
-            <a:r>
-              <a:rPr lang="en-US" b="1" dirty="0" smtClean="0"/>
+            <a:pPr fontAlgn="auto">
+              <a:spcBef>
+                <a:spcPts val="0"/>
+              </a:spcBef>
+              <a:spcAft>
+                <a:spcPts val="0"/>
+              </a:spcAft>
+              <a:defRPr/>
+            </a:pPr>
+            <a:r>
+              <a:rPr lang="en-US" b="1" dirty="0">
+                <a:latin typeface="+mn-lt"/>
+              </a:rPr>
               <a:t>Catalog</a:t>
             </a:r>
-            <a:endParaRPr lang="en-US" b="1" dirty="0"/>
+            <a:endParaRPr lang="en-US" b="1" dirty="0">
+              <a:latin typeface="+mn-lt"/>
+            </a:endParaRPr>
           </a:p>
         </p:txBody>
       </p:sp>
@@ -4887,8 +5724,8 @@
         </p:nvCxnSpPr>
         <p:spPr>
           <a:xfrm flipV="1">
-            <a:off x="4964467" y="3842266"/>
-            <a:ext cx="1360133" cy="76200"/>
+            <a:off x="4964113" y="3841750"/>
+            <a:ext cx="1360487" cy="76200"/>
           </a:xfrm>
           <a:prstGeom prst="line">
             <a:avLst/>
@@ -4911,11 +5748,13 @@
       </p:cxnSp>
       <p:grpSp>
         <p:nvGrpSpPr>
-          <p:cNvPr id="71" name="Group 70"/>
-          <p:cNvGrpSpPr/>
+          <p:cNvPr id="15380" name="Group 70"/>
+          <p:cNvGrpSpPr>
+            <a:grpSpLocks/>
+          </p:cNvGrpSpPr>
           <p:nvPr/>
         </p:nvGrpSpPr>
-        <p:grpSpPr>
+        <p:grpSpPr bwMode="auto">
           <a:xfrm>
             <a:off x="5029200" y="3657600"/>
             <a:ext cx="228600" cy="457200"/>
@@ -4986,61 +5825,79 @@
       </p:grpSp>
       <p:sp>
         <p:nvSpPr>
-          <p:cNvPr id="74" name="TextBox 73"/>
-          <p:cNvSpPr txBox="1"/>
-          <p:nvPr/>
-        </p:nvSpPr>
-        <p:spPr>
+          <p:cNvPr id="15381" name="TextBox 73"/>
+          <p:cNvSpPr txBox="1">
+            <a:spLocks noChangeArrowheads="1"/>
+          </p:cNvSpPr>
+          <p:nvPr/>
+        </p:nvSpPr>
+        <p:spPr bwMode="auto">
           <a:xfrm>
             <a:off x="5486400" y="3505200"/>
-            <a:ext cx="781561" cy="369332"/>
+            <a:ext cx="781050" cy="369888"/>
           </a:xfrm>
           <a:prstGeom prst="rect">
             <a:avLst/>
           </a:prstGeom>
           <a:noFill/>
-        </p:spPr>
-        <p:txBody>
-          <a:bodyPr wrap="none" rtlCol="0">
+          <a:ln w="9525">
+            <a:noFill/>
+            <a:miter lim="800000"/>
+            <a:headEnd/>
+            <a:tailEnd/>
+          </a:ln>
+        </p:spPr>
+        <p:txBody>
+          <a:bodyPr wrap="none">
             <a:spAutoFit/>
           </a:bodyPr>
           <a:lstStyle/>
           <a:p>
             <a:r>
-              <a:rPr lang="en-US" dirty="0" smtClean="0"/>
+              <a:rPr lang="en-US">
+                <a:latin typeface="Calibri" pitchFamily="34" charset="0"/>
+              </a:rPr>
               <a:t>makes</a:t>
             </a:r>
-            <a:endParaRPr lang="en-US" dirty="0"/>
-          </a:p>
-        </p:txBody>
-      </p:sp>
-      <p:sp>
-        <p:nvSpPr>
-          <p:cNvPr id="75" name="TextBox 74"/>
-          <p:cNvSpPr txBox="1"/>
-          <p:nvPr/>
-        </p:nvSpPr>
-        <p:spPr>
+          </a:p>
+        </p:txBody>
+      </p:sp>
+      <p:sp>
+        <p:nvSpPr>
+          <p:cNvPr id="15382" name="TextBox 74"/>
+          <p:cNvSpPr txBox="1">
+            <a:spLocks noChangeArrowheads="1"/>
+          </p:cNvSpPr>
+          <p:nvPr/>
+        </p:nvSpPr>
+        <p:spPr bwMode="auto">
           <a:xfrm>
             <a:off x="3276600" y="3124200"/>
-            <a:ext cx="529312" cy="369332"/>
+            <a:ext cx="528638" cy="369888"/>
           </a:xfrm>
           <a:prstGeom prst="rect">
             <a:avLst/>
           </a:prstGeom>
           <a:noFill/>
-        </p:spPr>
-        <p:txBody>
-          <a:bodyPr wrap="none" rtlCol="0">
+          <a:ln w="9525">
+            <a:noFill/>
+            <a:miter lim="800000"/>
+            <a:headEnd/>
+            <a:tailEnd/>
+          </a:ln>
+        </p:spPr>
+        <p:txBody>
+          <a:bodyPr wrap="none">
             <a:spAutoFit/>
           </a:bodyPr>
           <a:lstStyle/>
           <a:p>
             <a:r>
-              <a:rPr lang="en-US" dirty="0" smtClean="0"/>
+              <a:rPr lang="en-US">
+                <a:latin typeface="Calibri" pitchFamily="34" charset="0"/>
+              </a:rPr>
               <a:t>Has</a:t>
             </a:r>
-            <a:endParaRPr lang="en-US" dirty="0"/>
           </a:p>
         </p:txBody>
       </p:sp>
@@ -5078,7 +5935,7 @@
         <p:spPr>
           <a:xfrm>
             <a:off x="1676400" y="1447800"/>
-            <a:ext cx="728084" cy="369332"/>
+            <a:ext cx="728663" cy="369888"/>
           </a:xfrm>
           <a:prstGeom prst="rect">
             <a:avLst/>
@@ -5094,16 +5951,29 @@
           </a:ln>
         </p:spPr>
         <p:txBody>
-          <a:bodyPr wrap="none" rtlCol="0">
+          <a:bodyPr wrap="none">
             <a:spAutoFit/>
           </a:bodyPr>
           <a:lstStyle/>
           <a:p>
-            <a:r>
-              <a:rPr lang="en-US" dirty="0" smtClean="0"/>
+            <a:pPr fontAlgn="auto">
+              <a:spcBef>
+                <a:spcPts val="0"/>
+              </a:spcBef>
+              <a:spcAft>
+                <a:spcPts val="0"/>
+              </a:spcAft>
+              <a:defRPr/>
+            </a:pPr>
+            <a:r>
+              <a:rPr lang="en-US" dirty="0">
+                <a:latin typeface="+mn-lt"/>
+              </a:rPr>
               <a:t>Video</a:t>
             </a:r>
-            <a:endParaRPr lang="en-US" dirty="0"/>
+            <a:endParaRPr lang="en-US" dirty="0">
+              <a:latin typeface="+mn-lt"/>
+            </a:endParaRPr>
           </a:p>
         </p:txBody>
       </p:sp>
@@ -5116,7 +5986,7 @@
         <p:spPr>
           <a:xfrm>
             <a:off x="4114800" y="1447800"/>
-            <a:ext cx="580608" cy="369332"/>
+            <a:ext cx="581025" cy="369888"/>
           </a:xfrm>
           <a:prstGeom prst="rect">
             <a:avLst/>
@@ -5132,16 +6002,29 @@
           </a:ln>
         </p:spPr>
         <p:txBody>
-          <a:bodyPr wrap="none" rtlCol="0">
+          <a:bodyPr wrap="none">
             <a:spAutoFit/>
           </a:bodyPr>
           <a:lstStyle/>
           <a:p>
-            <a:r>
-              <a:rPr lang="en-US" dirty="0" smtClean="0"/>
+            <a:pPr fontAlgn="auto">
+              <a:spcBef>
+                <a:spcPts val="0"/>
+              </a:spcBef>
+              <a:spcAft>
+                <a:spcPts val="0"/>
+              </a:spcAft>
+              <a:defRPr/>
+            </a:pPr>
+            <a:r>
+              <a:rPr lang="en-US" dirty="0">
+                <a:latin typeface="+mn-lt"/>
+              </a:rPr>
               <a:t>Film</a:t>
             </a:r>
-            <a:endParaRPr lang="en-US" dirty="0"/>
+            <a:endParaRPr lang="en-US" dirty="0">
+              <a:latin typeface="+mn-lt"/>
+            </a:endParaRPr>
           </a:p>
         </p:txBody>
       </p:sp>
@@ -5154,7 +6037,7 @@
         <p:spPr>
           <a:xfrm>
             <a:off x="6324600" y="1447800"/>
-            <a:ext cx="1197764" cy="369332"/>
+            <a:ext cx="1196975" cy="369888"/>
           </a:xfrm>
           <a:prstGeom prst="rect">
             <a:avLst/>
@@ -5170,16 +6053,29 @@
           </a:ln>
         </p:spPr>
         <p:txBody>
-          <a:bodyPr wrap="none" rtlCol="0">
+          <a:bodyPr wrap="none">
             <a:spAutoFit/>
           </a:bodyPr>
           <a:lstStyle/>
           <a:p>
-            <a:r>
-              <a:rPr lang="en-US" dirty="0" smtClean="0"/>
+            <a:pPr fontAlgn="auto">
+              <a:spcBef>
+                <a:spcPts val="0"/>
+              </a:spcBef>
+              <a:spcAft>
+                <a:spcPts val="0"/>
+              </a:spcAft>
+              <a:defRPr/>
+            </a:pPr>
+            <a:r>
+              <a:rPr lang="en-US" dirty="0">
+                <a:latin typeface="+mn-lt"/>
+              </a:rPr>
               <a:t>Distributor</a:t>
             </a:r>
-            <a:endParaRPr lang="en-US" dirty="0"/>
+            <a:endParaRPr lang="en-US" dirty="0">
+              <a:latin typeface="+mn-lt"/>
+            </a:endParaRPr>
           </a:p>
         </p:txBody>
       </p:sp>
@@ -5192,7 +6088,7 @@
         <p:spPr>
           <a:xfrm>
             <a:off x="4267200" y="3124200"/>
-            <a:ext cx="617733" cy="369332"/>
+            <a:ext cx="617538" cy="369888"/>
           </a:xfrm>
           <a:prstGeom prst="rect">
             <a:avLst/>
@@ -5208,16 +6104,29 @@
           </a:ln>
         </p:spPr>
         <p:txBody>
-          <a:bodyPr wrap="none" rtlCol="0">
+          <a:bodyPr wrap="none">
             <a:spAutoFit/>
           </a:bodyPr>
           <a:lstStyle/>
           <a:p>
-            <a:r>
-              <a:rPr lang="en-US" dirty="0" smtClean="0"/>
+            <a:pPr fontAlgn="auto">
+              <a:spcBef>
+                <a:spcPts val="0"/>
+              </a:spcBef>
+              <a:spcAft>
+                <a:spcPts val="0"/>
+              </a:spcAft>
+              <a:defRPr/>
+            </a:pPr>
+            <a:r>
+              <a:rPr lang="en-US" dirty="0">
+                <a:latin typeface="+mn-lt"/>
+              </a:rPr>
               <a:t>Rent</a:t>
             </a:r>
-            <a:endParaRPr lang="en-US" dirty="0"/>
+            <a:endParaRPr lang="en-US" dirty="0">
+              <a:latin typeface="+mn-lt"/>
+            </a:endParaRPr>
           </a:p>
         </p:txBody>
       </p:sp>
@@ -5230,7 +6139,7 @@
         <p:spPr>
           <a:xfrm>
             <a:off x="6248400" y="3124200"/>
-            <a:ext cx="1108765" cy="369332"/>
+            <a:ext cx="1108075" cy="369888"/>
           </a:xfrm>
           <a:prstGeom prst="rect">
             <a:avLst/>
@@ -5246,16 +6155,29 @@
           </a:ln>
         </p:spPr>
         <p:txBody>
-          <a:bodyPr wrap="none" rtlCol="0">
+          <a:bodyPr wrap="none">
             <a:spAutoFit/>
           </a:bodyPr>
           <a:lstStyle/>
           <a:p>
-            <a:r>
-              <a:rPr lang="en-US" dirty="0" smtClean="0"/>
+            <a:pPr fontAlgn="auto">
+              <a:spcBef>
+                <a:spcPts val="0"/>
+              </a:spcBef>
+              <a:spcAft>
+                <a:spcPts val="0"/>
+              </a:spcAft>
+              <a:defRPr/>
+            </a:pPr>
+            <a:r>
+              <a:rPr lang="en-US" dirty="0">
+                <a:latin typeface="+mn-lt"/>
+              </a:rPr>
               <a:t>Employee</a:t>
             </a:r>
-            <a:endParaRPr lang="en-US" dirty="0"/>
+            <a:endParaRPr lang="en-US" dirty="0">
+              <a:latin typeface="+mn-lt"/>
+            </a:endParaRPr>
           </a:p>
         </p:txBody>
       </p:sp>
@@ -5268,7 +6190,7 @@
         <p:spPr>
           <a:xfrm>
             <a:off x="1905000" y="3124200"/>
-            <a:ext cx="1093569" cy="369332"/>
+            <a:ext cx="1093788" cy="369888"/>
           </a:xfrm>
           <a:prstGeom prst="rect">
             <a:avLst/>
@@ -5284,16 +6206,29 @@
           </a:ln>
         </p:spPr>
         <p:txBody>
-          <a:bodyPr wrap="none" rtlCol="0">
+          <a:bodyPr wrap="none">
             <a:spAutoFit/>
           </a:bodyPr>
           <a:lstStyle/>
           <a:p>
-            <a:r>
-              <a:rPr lang="en-US" dirty="0" smtClean="0"/>
+            <a:pPr fontAlgn="auto">
+              <a:spcBef>
+                <a:spcPts val="0"/>
+              </a:spcBef>
+              <a:spcAft>
+                <a:spcPts val="0"/>
+              </a:spcAft>
+              <a:defRPr/>
+            </a:pPr>
+            <a:r>
+              <a:rPr lang="en-US" dirty="0">
+                <a:latin typeface="+mn-lt"/>
+              </a:rPr>
               <a:t>Customer</a:t>
             </a:r>
-            <a:endParaRPr lang="en-US" dirty="0"/>
+            <a:endParaRPr lang="en-US" dirty="0">
+              <a:latin typeface="+mn-lt"/>
+            </a:endParaRPr>
           </a:p>
         </p:txBody>
       </p:sp>
@@ -5306,7 +6241,7 @@
         <p:spPr>
           <a:xfrm>
             <a:off x="1524000" y="4648200"/>
-            <a:ext cx="1021177" cy="369332"/>
+            <a:ext cx="1020763" cy="369888"/>
           </a:xfrm>
           <a:prstGeom prst="rect">
             <a:avLst/>
@@ -5322,252 +6257,325 @@
           </a:ln>
         </p:spPr>
         <p:txBody>
-          <a:bodyPr wrap="none" rtlCol="0">
+          <a:bodyPr wrap="none">
             <a:spAutoFit/>
           </a:bodyPr>
           <a:lstStyle/>
           <a:p>
-            <a:r>
-              <a:rPr lang="en-US" dirty="0" smtClean="0"/>
+            <a:pPr fontAlgn="auto">
+              <a:spcBef>
+                <a:spcPts val="0"/>
+              </a:spcBef>
+              <a:spcAft>
+                <a:spcPts val="0"/>
+              </a:spcAft>
+              <a:defRPr/>
+            </a:pPr>
+            <a:r>
+              <a:rPr lang="en-US" dirty="0">
+                <a:latin typeface="+mn-lt"/>
+              </a:rPr>
               <a:t>Category</a:t>
             </a:r>
-            <a:endParaRPr lang="en-US" dirty="0"/>
-          </a:p>
-        </p:txBody>
-      </p:sp>
-      <p:sp>
-        <p:nvSpPr>
-          <p:cNvPr id="12" name="TextBox 11"/>
-          <p:cNvSpPr txBox="1"/>
-          <p:nvPr/>
-        </p:nvSpPr>
-        <p:spPr>
+            <a:endParaRPr lang="en-US" dirty="0">
+              <a:latin typeface="+mn-lt"/>
+            </a:endParaRPr>
+          </a:p>
+        </p:txBody>
+      </p:sp>
+      <p:sp>
+        <p:nvSpPr>
+          <p:cNvPr id="17416" name="TextBox 11"/>
+          <p:cNvSpPr txBox="1">
+            <a:spLocks noChangeArrowheads="1"/>
+          </p:cNvSpPr>
+          <p:nvPr/>
+        </p:nvSpPr>
+        <p:spPr bwMode="auto">
           <a:xfrm>
             <a:off x="1981200" y="1828800"/>
-            <a:ext cx="935064" cy="646331"/>
+            <a:ext cx="935038" cy="646113"/>
           </a:xfrm>
           <a:prstGeom prst="rect">
             <a:avLst/>
           </a:prstGeom>
           <a:noFill/>
-        </p:spPr>
-        <p:txBody>
-          <a:bodyPr wrap="none" rtlCol="0">
+          <a:ln w="9525">
+            <a:noFill/>
+            <a:miter lim="800000"/>
+            <a:headEnd/>
+            <a:tailEnd/>
+          </a:ln>
+        </p:spPr>
+        <p:txBody>
+          <a:bodyPr wrap="none">
             <a:spAutoFit/>
           </a:bodyPr>
           <a:lstStyle/>
           <a:p>
             <a:r>
-              <a:rPr lang="en-US" u="sng" dirty="0" err="1" smtClean="0"/>
+              <a:rPr lang="en-US" u="sng">
+                <a:latin typeface="Calibri" pitchFamily="34" charset="0"/>
+              </a:rPr>
               <a:t>vidid</a:t>
             </a:r>
-            <a:endParaRPr lang="en-US" u="sng" dirty="0" smtClean="0"/>
-          </a:p>
-          <a:p>
-            <a:pPr algn="r"/>
-            <a:r>
-              <a:rPr lang="en-US" dirty="0" err="1" smtClean="0"/>
+          </a:p>
+          <a:p>
+            <a:r>
+              <a:rPr lang="en-US">
+                <a:latin typeface="Calibri" pitchFamily="34" charset="0"/>
+              </a:rPr>
               <a:t>acqdate</a:t>
             </a:r>
-            <a:endParaRPr lang="en-US" dirty="0"/>
-          </a:p>
-        </p:txBody>
-      </p:sp>
-      <p:sp>
-        <p:nvSpPr>
-          <p:cNvPr id="13" name="TextBox 12"/>
-          <p:cNvSpPr txBox="1"/>
-          <p:nvPr/>
-        </p:nvSpPr>
-        <p:spPr>
-          <a:xfrm>
-            <a:off x="6629400" y="1828801"/>
-            <a:ext cx="1110560" cy="646331"/>
+          </a:p>
+        </p:txBody>
+      </p:sp>
+      <p:sp>
+        <p:nvSpPr>
+          <p:cNvPr id="17417" name="TextBox 12"/>
+          <p:cNvSpPr txBox="1">
+            <a:spLocks noChangeArrowheads="1"/>
+          </p:cNvSpPr>
+          <p:nvPr/>
+        </p:nvSpPr>
+        <p:spPr bwMode="auto">
+          <a:xfrm>
+            <a:off x="6629400" y="1828800"/>
+            <a:ext cx="1111250" cy="646113"/>
           </a:xfrm>
           <a:prstGeom prst="rect">
             <a:avLst/>
           </a:prstGeom>
           <a:noFill/>
-        </p:spPr>
-        <p:txBody>
-          <a:bodyPr wrap="square" rtlCol="0">
+          <a:ln w="9525">
+            <a:noFill/>
+            <a:miter lim="800000"/>
+            <a:headEnd/>
+            <a:tailEnd/>
+          </a:ln>
+        </p:spPr>
+        <p:txBody>
+          <a:bodyPr>
             <a:spAutoFit/>
           </a:bodyPr>
           <a:lstStyle/>
           <a:p>
             <a:r>
-              <a:rPr lang="en-US" u="sng" dirty="0" err="1" smtClean="0"/>
+              <a:rPr lang="en-US" u="sng">
+                <a:latin typeface="Calibri" pitchFamily="34" charset="0"/>
+              </a:rPr>
               <a:t>ditributor</a:t>
             </a:r>
-            <a:endParaRPr lang="en-US" u="sng" dirty="0" smtClean="0"/>
           </a:p>
           <a:p>
             <a:pPr algn="ctr"/>
-            <a:endParaRPr lang="en-US" dirty="0"/>
-          </a:p>
-        </p:txBody>
-      </p:sp>
-      <p:sp>
-        <p:nvSpPr>
-          <p:cNvPr id="14" name="TextBox 13"/>
-          <p:cNvSpPr txBox="1"/>
-          <p:nvPr/>
-        </p:nvSpPr>
-        <p:spPr>
+            <a:endParaRPr lang="en-US">
+              <a:latin typeface="Calibri" pitchFamily="34" charset="0"/>
+            </a:endParaRPr>
+          </a:p>
+        </p:txBody>
+      </p:sp>
+      <p:sp>
+        <p:nvSpPr>
+          <p:cNvPr id="17418" name="TextBox 13"/>
+          <p:cNvSpPr txBox="1">
+            <a:spLocks noChangeArrowheads="1"/>
+          </p:cNvSpPr>
+          <p:nvPr/>
+        </p:nvSpPr>
+        <p:spPr bwMode="auto">
           <a:xfrm>
             <a:off x="4343400" y="1828800"/>
-            <a:ext cx="901209" cy="646331"/>
+            <a:ext cx="901700" cy="646113"/>
           </a:xfrm>
           <a:prstGeom prst="rect">
             <a:avLst/>
           </a:prstGeom>
           <a:noFill/>
-        </p:spPr>
-        <p:txBody>
-          <a:bodyPr wrap="none" rtlCol="0">
+          <a:ln w="9525">
+            <a:noFill/>
+            <a:miter lim="800000"/>
+            <a:headEnd/>
+            <a:tailEnd/>
+          </a:ln>
+        </p:spPr>
+        <p:txBody>
+          <a:bodyPr wrap="none">
             <a:spAutoFit/>
           </a:bodyPr>
           <a:lstStyle/>
           <a:p>
             <a:r>
-              <a:rPr lang="en-US" u="sng" dirty="0" smtClean="0"/>
+              <a:rPr lang="en-US" u="sng">
+                <a:latin typeface="Calibri" pitchFamily="34" charset="0"/>
+              </a:rPr>
               <a:t>title</a:t>
             </a:r>
           </a:p>
           <a:p>
-            <a:pPr algn="r"/>
-            <a:r>
-              <a:rPr lang="en-US" u="sng" dirty="0" err="1" smtClean="0"/>
+            <a:r>
+              <a:rPr lang="en-US" u="sng">
+                <a:latin typeface="Calibri" pitchFamily="34" charset="0"/>
+              </a:rPr>
               <a:t>yrmade</a:t>
             </a:r>
-            <a:endParaRPr lang="en-US" u="sng" dirty="0"/>
-          </a:p>
-        </p:txBody>
-      </p:sp>
-      <p:sp>
-        <p:nvSpPr>
-          <p:cNvPr id="15" name="TextBox 14"/>
-          <p:cNvSpPr txBox="1"/>
-          <p:nvPr/>
-        </p:nvSpPr>
-        <p:spPr>
+          </a:p>
+        </p:txBody>
+      </p:sp>
+      <p:sp>
+        <p:nvSpPr>
+          <p:cNvPr id="17419" name="TextBox 14"/>
+          <p:cNvSpPr txBox="1">
+            <a:spLocks noChangeArrowheads="1"/>
+          </p:cNvSpPr>
+          <p:nvPr/>
+        </p:nvSpPr>
+        <p:spPr bwMode="auto">
           <a:xfrm>
             <a:off x="2438400" y="3505200"/>
-            <a:ext cx="1171154" cy="923330"/>
+            <a:ext cx="1171575" cy="923925"/>
           </a:xfrm>
           <a:prstGeom prst="rect">
             <a:avLst/>
           </a:prstGeom>
           <a:noFill/>
-        </p:spPr>
-        <p:txBody>
-          <a:bodyPr wrap="none" rtlCol="0">
+          <a:ln w="9525">
+            <a:noFill/>
+            <a:miter lim="800000"/>
+            <a:headEnd/>
+            <a:tailEnd/>
+          </a:ln>
+        </p:spPr>
+        <p:txBody>
+          <a:bodyPr wrap="none">
             <a:spAutoFit/>
           </a:bodyPr>
           <a:lstStyle/>
           <a:p>
             <a:r>
-              <a:rPr lang="en-US" u="sng" dirty="0" err="1" smtClean="0"/>
+              <a:rPr lang="en-US" u="sng">
+                <a:latin typeface="Calibri" pitchFamily="34" charset="0"/>
+              </a:rPr>
               <a:t>custid</a:t>
             </a:r>
-            <a:endParaRPr lang="en-US" u="sng" dirty="0" smtClean="0"/>
-          </a:p>
-          <a:p>
-            <a:pPr algn="r"/>
-            <a:r>
-              <a:rPr lang="en-US" dirty="0" err="1" smtClean="0"/>
+          </a:p>
+          <a:p>
+            <a:r>
+              <a:rPr lang="en-US">
+                <a:latin typeface="Calibri" pitchFamily="34" charset="0"/>
+              </a:rPr>
               <a:t>custaddr</a:t>
             </a:r>
-            <a:endParaRPr lang="en-US" dirty="0" smtClean="0"/>
-          </a:p>
-          <a:p>
-            <a:pPr algn="r"/>
-            <a:r>
-              <a:rPr lang="en-US" dirty="0" err="1" smtClean="0"/>
+          </a:p>
+          <a:p>
+            <a:r>
+              <a:rPr lang="en-US">
+                <a:latin typeface="Calibri" pitchFamily="34" charset="0"/>
+              </a:rPr>
               <a:t>custphone</a:t>
             </a:r>
-            <a:endParaRPr lang="en-US" dirty="0"/>
-          </a:p>
-        </p:txBody>
-      </p:sp>
-      <p:sp>
-        <p:nvSpPr>
-          <p:cNvPr id="18" name="TextBox 17"/>
-          <p:cNvSpPr txBox="1"/>
-          <p:nvPr/>
-        </p:nvSpPr>
-        <p:spPr>
+          </a:p>
+        </p:txBody>
+      </p:sp>
+      <p:sp>
+        <p:nvSpPr>
+          <p:cNvPr id="17420" name="TextBox 17"/>
+          <p:cNvSpPr txBox="1">
+            <a:spLocks noChangeArrowheads="1"/>
+          </p:cNvSpPr>
+          <p:nvPr/>
+        </p:nvSpPr>
+        <p:spPr bwMode="auto">
           <a:xfrm>
             <a:off x="4419600" y="3429000"/>
-            <a:ext cx="1044068" cy="923330"/>
+            <a:ext cx="1044575" cy="923925"/>
           </a:xfrm>
           <a:prstGeom prst="rect">
             <a:avLst/>
           </a:prstGeom>
           <a:noFill/>
-        </p:spPr>
-        <p:txBody>
-          <a:bodyPr wrap="none" rtlCol="0">
+          <a:ln w="9525">
+            <a:noFill/>
+            <a:miter lim="800000"/>
+            <a:headEnd/>
+            <a:tailEnd/>
+          </a:ln>
+        </p:spPr>
+        <p:txBody>
+          <a:bodyPr wrap="none">
             <a:spAutoFit/>
           </a:bodyPr>
           <a:lstStyle/>
           <a:p>
             <a:r>
-              <a:rPr lang="en-US" dirty="0" err="1" smtClean="0"/>
+              <a:rPr lang="en-US">
+                <a:latin typeface="Calibri" pitchFamily="34" charset="0"/>
+              </a:rPr>
               <a:t>rentdate</a:t>
             </a:r>
-            <a:endParaRPr lang="en-US" dirty="0" smtClean="0"/>
-          </a:p>
-          <a:p>
-            <a:r>
-              <a:rPr lang="en-US" dirty="0" err="1" smtClean="0"/>
+          </a:p>
+          <a:p>
+            <a:r>
+              <a:rPr lang="en-US">
+                <a:latin typeface="Calibri" pitchFamily="34" charset="0"/>
+              </a:rPr>
               <a:t>Renttime</a:t>
             </a:r>
-            <a:endParaRPr lang="en-US" dirty="0" smtClean="0"/>
-          </a:p>
-          <a:p>
-            <a:r>
-              <a:rPr lang="en-US" dirty="0" err="1" smtClean="0"/>
+          </a:p>
+          <a:p>
+            <a:r>
+              <a:rPr lang="en-US">
+                <a:latin typeface="Calibri" pitchFamily="34" charset="0"/>
+              </a:rPr>
               <a:t>duedate</a:t>
             </a:r>
-            <a:endParaRPr lang="en-US" dirty="0"/>
-          </a:p>
-        </p:txBody>
-      </p:sp>
-      <p:sp>
-        <p:nvSpPr>
-          <p:cNvPr id="19" name="TextBox 18"/>
-          <p:cNvSpPr txBox="1"/>
-          <p:nvPr/>
-        </p:nvSpPr>
-        <p:spPr>
+          </a:p>
+        </p:txBody>
+      </p:sp>
+      <p:sp>
+        <p:nvSpPr>
+          <p:cNvPr id="17421" name="TextBox 18"/>
+          <p:cNvSpPr txBox="1">
+            <a:spLocks noChangeArrowheads="1"/>
+          </p:cNvSpPr>
+          <p:nvPr/>
+        </p:nvSpPr>
+        <p:spPr bwMode="auto">
           <a:xfrm>
             <a:off x="6781800" y="3429000"/>
-            <a:ext cx="1138453" cy="646331"/>
+            <a:ext cx="1138238" cy="646113"/>
           </a:xfrm>
           <a:prstGeom prst="rect">
             <a:avLst/>
           </a:prstGeom>
           <a:noFill/>
-        </p:spPr>
-        <p:txBody>
-          <a:bodyPr wrap="none" rtlCol="0">
+          <a:ln w="9525">
+            <a:noFill/>
+            <a:miter lim="800000"/>
+            <a:headEnd/>
+            <a:tailEnd/>
+          </a:ln>
+        </p:spPr>
+        <p:txBody>
+          <a:bodyPr wrap="none">
             <a:spAutoFit/>
           </a:bodyPr>
           <a:lstStyle/>
           <a:p>
             <a:r>
-              <a:rPr lang="en-US" u="sng" dirty="0" err="1" smtClean="0"/>
+              <a:rPr lang="en-US" u="sng">
+                <a:latin typeface="Calibri" pitchFamily="34" charset="0"/>
+              </a:rPr>
               <a:t>empno</a:t>
             </a:r>
-            <a:endParaRPr lang="en-US" u="sng" dirty="0" smtClean="0"/>
-          </a:p>
-          <a:p>
-            <a:r>
-              <a:rPr lang="en-US" dirty="0" err="1" smtClean="0"/>
+          </a:p>
+          <a:p>
+            <a:r>
+              <a:rPr lang="en-US">
+                <a:latin typeface="Calibri" pitchFamily="34" charset="0"/>
+              </a:rPr>
               <a:t>empname</a:t>
             </a:r>
-            <a:endParaRPr lang="en-US" dirty="0"/>
           </a:p>
         </p:txBody>
       </p:sp>
@@ -5582,8 +6590,8 @@
         </p:nvCxnSpPr>
         <p:spPr>
           <a:xfrm>
-            <a:off x="4695408" y="1632466"/>
-            <a:ext cx="1629192" cy="1588"/>
+            <a:off x="4695825" y="1631950"/>
+            <a:ext cx="1628775" cy="1588"/>
           </a:xfrm>
           <a:prstGeom prst="line">
             <a:avLst/>
@@ -5615,8 +6623,8 @@
         </p:nvCxnSpPr>
         <p:spPr>
           <a:xfrm>
-            <a:off x="2404484" y="1632466"/>
-            <a:ext cx="1710316" cy="1588"/>
+            <a:off x="2405063" y="1631950"/>
+            <a:ext cx="1709737" cy="1588"/>
           </a:xfrm>
           <a:prstGeom prst="line">
             <a:avLst/>
@@ -5648,8 +6656,8 @@
         </p:nvCxnSpPr>
         <p:spPr>
           <a:xfrm rot="10800000">
-            <a:off x="4884934" y="3308866"/>
-            <a:ext cx="1363467" cy="1588"/>
+            <a:off x="4884738" y="3308350"/>
+            <a:ext cx="1363662" cy="1588"/>
           </a:xfrm>
           <a:prstGeom prst="line">
             <a:avLst/>
@@ -5681,8 +6689,8 @@
         </p:nvCxnSpPr>
         <p:spPr>
           <a:xfrm rot="10800000">
-            <a:off x="2998570" y="3308866"/>
-            <a:ext cx="1268631" cy="1588"/>
+            <a:off x="2998788" y="3308350"/>
+            <a:ext cx="1268412" cy="1588"/>
           </a:xfrm>
           <a:prstGeom prst="line">
             <a:avLst/>
@@ -5714,8 +6722,8 @@
         </p:nvCxnSpPr>
         <p:spPr>
           <a:xfrm rot="16200000" flipH="1">
-            <a:off x="2654720" y="1202853"/>
-            <a:ext cx="1307068" cy="2535625"/>
+            <a:off x="2655095" y="1202531"/>
+            <a:ext cx="1306512" cy="2536825"/>
           </a:xfrm>
           <a:prstGeom prst="bentConnector3">
             <a:avLst>
@@ -5749,8 +6757,8 @@
         </p:nvCxnSpPr>
         <p:spPr>
           <a:xfrm rot="5400000" flipH="1" flipV="1">
-            <a:off x="1665853" y="3862268"/>
-            <a:ext cx="1154668" cy="417196"/>
+            <a:off x="1666082" y="3863181"/>
+            <a:ext cx="1154112" cy="415925"/>
           </a:xfrm>
           <a:prstGeom prst="line">
             <a:avLst/>
@@ -5798,233 +6806,273 @@
       </p:grpSpPr>
       <p:sp>
         <p:nvSpPr>
-          <p:cNvPr id="4" name="TextBox 3"/>
-          <p:cNvSpPr txBox="1"/>
-          <p:nvPr/>
-        </p:nvSpPr>
-        <p:spPr>
+          <p:cNvPr id="18433" name="TextBox 3"/>
+          <p:cNvSpPr txBox="1">
+            <a:spLocks noChangeArrowheads="1"/>
+          </p:cNvSpPr>
+          <p:nvPr/>
+        </p:nvSpPr>
+        <p:spPr bwMode="auto">
           <a:xfrm>
             <a:off x="2057400" y="1981200"/>
-            <a:ext cx="972126" cy="2308324"/>
+            <a:ext cx="971550" cy="2308225"/>
           </a:xfrm>
           <a:prstGeom prst="rect">
             <a:avLst/>
           </a:prstGeom>
           <a:noFill/>
-          <a:ln>
+          <a:ln w="9525">
             <a:solidFill>
               <a:schemeClr val="tx1"/>
             </a:solidFill>
+            <a:miter lim="800000"/>
+            <a:headEnd/>
+            <a:tailEnd/>
           </a:ln>
         </p:spPr>
         <p:txBody>
-          <a:bodyPr wrap="square" rtlCol="0">
+          <a:bodyPr>
             <a:spAutoFit/>
           </a:bodyPr>
           <a:lstStyle/>
           <a:p>
             <a:r>
-              <a:rPr lang="en-US" dirty="0" err="1" smtClean="0"/>
+              <a:rPr lang="en-US">
+                <a:latin typeface="Calibri" pitchFamily="34" charset="0"/>
+              </a:rPr>
               <a:t>empno</a:t>
             </a:r>
-            <a:endParaRPr lang="en-US" dirty="0" smtClean="0"/>
-          </a:p>
-          <a:p>
-            <a:r>
-              <a:rPr lang="en-US" dirty="0" err="1" smtClean="0"/>
+          </a:p>
+          <a:p>
+            <a:r>
+              <a:rPr lang="en-US">
+                <a:latin typeface="Calibri" pitchFamily="34" charset="0"/>
+              </a:rPr>
               <a:t>ename</a:t>
             </a:r>
-            <a:endParaRPr lang="en-US" dirty="0" smtClean="0"/>
-          </a:p>
-          <a:p>
-            <a:r>
-              <a:rPr lang="en-US" dirty="0" smtClean="0"/>
+          </a:p>
+          <a:p>
+            <a:r>
+              <a:rPr lang="en-US">
+                <a:latin typeface="Calibri" pitchFamily="34" charset="0"/>
+              </a:rPr>
               <a:t>job</a:t>
             </a:r>
           </a:p>
           <a:p>
             <a:r>
-              <a:rPr lang="en-US" dirty="0" smtClean="0"/>
+              <a:rPr lang="en-US">
+                <a:latin typeface="Calibri" pitchFamily="34" charset="0"/>
+              </a:rPr>
               <a:t>mgr</a:t>
             </a:r>
           </a:p>
           <a:p>
             <a:r>
-              <a:rPr lang="en-US" dirty="0" err="1" smtClean="0"/>
+              <a:rPr lang="en-US">
+                <a:latin typeface="Calibri" pitchFamily="34" charset="0"/>
+              </a:rPr>
               <a:t>hiredate</a:t>
             </a:r>
-            <a:endParaRPr lang="en-US" dirty="0" smtClean="0"/>
-          </a:p>
-          <a:p>
-            <a:r>
-              <a:rPr lang="en-US" dirty="0" err="1" smtClean="0"/>
+          </a:p>
+          <a:p>
+            <a:r>
+              <a:rPr lang="en-US">
+                <a:latin typeface="Calibri" pitchFamily="34" charset="0"/>
+              </a:rPr>
               <a:t>sal</a:t>
             </a:r>
-            <a:endParaRPr lang="en-US" dirty="0" smtClean="0"/>
-          </a:p>
-          <a:p>
-            <a:r>
-              <a:rPr lang="en-US" dirty="0" err="1" smtClean="0"/>
+          </a:p>
+          <a:p>
+            <a:r>
+              <a:rPr lang="en-US">
+                <a:latin typeface="Calibri" pitchFamily="34" charset="0"/>
+              </a:rPr>
               <a:t>comm</a:t>
             </a:r>
-            <a:endParaRPr lang="en-US" dirty="0" smtClean="0"/>
-          </a:p>
-          <a:p>
-            <a:r>
-              <a:rPr lang="en-US" dirty="0" err="1" smtClean="0"/>
+          </a:p>
+          <a:p>
+            <a:r>
+              <a:rPr lang="en-US">
+                <a:latin typeface="Calibri" pitchFamily="34" charset="0"/>
+              </a:rPr>
               <a:t>deptno</a:t>
             </a:r>
-            <a:endParaRPr lang="en-US" dirty="0"/>
-          </a:p>
-        </p:txBody>
-      </p:sp>
-      <p:sp>
-        <p:nvSpPr>
-          <p:cNvPr id="5" name="TextBox 4"/>
-          <p:cNvSpPr txBox="1"/>
-          <p:nvPr/>
-        </p:nvSpPr>
-        <p:spPr>
+          </a:p>
+        </p:txBody>
+      </p:sp>
+      <p:sp>
+        <p:nvSpPr>
+          <p:cNvPr id="18434" name="TextBox 4"/>
+          <p:cNvSpPr txBox="1">
+            <a:spLocks noChangeArrowheads="1"/>
+          </p:cNvSpPr>
+          <p:nvPr/>
+        </p:nvSpPr>
+        <p:spPr bwMode="auto">
           <a:xfrm>
             <a:off x="2057400" y="1295400"/>
-            <a:ext cx="859979" cy="369332"/>
+            <a:ext cx="860425" cy="369888"/>
           </a:xfrm>
           <a:prstGeom prst="rect">
             <a:avLst/>
           </a:prstGeom>
           <a:noFill/>
-        </p:spPr>
-        <p:txBody>
-          <a:bodyPr wrap="square" rtlCol="0">
+          <a:ln w="9525">
+            <a:noFill/>
+            <a:miter lim="800000"/>
+            <a:headEnd/>
+            <a:tailEnd/>
+          </a:ln>
+        </p:spPr>
+        <p:txBody>
+          <a:bodyPr>
             <a:spAutoFit/>
           </a:bodyPr>
           <a:lstStyle/>
           <a:p>
             <a:r>
-              <a:rPr lang="en-US" dirty="0" err="1" smtClean="0"/>
-              <a:t>Emps</a:t>
-            </a:r>
-            <a:r>
-              <a:rPr lang="en-US" dirty="0" smtClean="0"/>
-              <a:t> e</a:t>
-            </a:r>
-            <a:endParaRPr lang="en-US" dirty="0"/>
-          </a:p>
-        </p:txBody>
-      </p:sp>
-      <p:sp>
-        <p:nvSpPr>
-          <p:cNvPr id="6" name="TextBox 5"/>
-          <p:cNvSpPr txBox="1"/>
-          <p:nvPr/>
-        </p:nvSpPr>
-        <p:spPr>
+              <a:rPr lang="en-US">
+                <a:latin typeface="Calibri" pitchFamily="34" charset="0"/>
+              </a:rPr>
+              <a:t>Emps e</a:t>
+            </a:r>
+          </a:p>
+        </p:txBody>
+      </p:sp>
+      <p:sp>
+        <p:nvSpPr>
+          <p:cNvPr id="18435" name="TextBox 5"/>
+          <p:cNvSpPr txBox="1">
+            <a:spLocks noChangeArrowheads="1"/>
+          </p:cNvSpPr>
+          <p:nvPr/>
+        </p:nvSpPr>
+        <p:spPr bwMode="auto">
           <a:xfrm>
             <a:off x="4038600" y="1981200"/>
-            <a:ext cx="972126" cy="2308324"/>
+            <a:ext cx="971550" cy="2308225"/>
           </a:xfrm>
           <a:prstGeom prst="rect">
             <a:avLst/>
           </a:prstGeom>
           <a:noFill/>
-          <a:ln>
+          <a:ln w="9525">
             <a:solidFill>
               <a:schemeClr val="tx1"/>
             </a:solidFill>
+            <a:miter lim="800000"/>
+            <a:headEnd/>
+            <a:tailEnd/>
           </a:ln>
         </p:spPr>
         <p:txBody>
-          <a:bodyPr wrap="square" rtlCol="0">
+          <a:bodyPr>
             <a:spAutoFit/>
           </a:bodyPr>
           <a:lstStyle/>
           <a:p>
             <a:r>
-              <a:rPr lang="en-US" dirty="0" err="1" smtClean="0"/>
+              <a:rPr lang="en-US">
+                <a:latin typeface="Calibri" pitchFamily="34" charset="0"/>
+              </a:rPr>
               <a:t>empno</a:t>
             </a:r>
-            <a:endParaRPr lang="en-US" dirty="0" smtClean="0"/>
-          </a:p>
-          <a:p>
-            <a:r>
-              <a:rPr lang="en-US" dirty="0" err="1" smtClean="0"/>
+          </a:p>
+          <a:p>
+            <a:r>
+              <a:rPr lang="en-US">
+                <a:latin typeface="Calibri" pitchFamily="34" charset="0"/>
+              </a:rPr>
               <a:t>ename</a:t>
             </a:r>
-            <a:endParaRPr lang="en-US" dirty="0" smtClean="0"/>
-          </a:p>
-          <a:p>
-            <a:r>
-              <a:rPr lang="en-US" dirty="0" smtClean="0"/>
+          </a:p>
+          <a:p>
+            <a:r>
+              <a:rPr lang="en-US">
+                <a:latin typeface="Calibri" pitchFamily="34" charset="0"/>
+              </a:rPr>
               <a:t>job</a:t>
             </a:r>
           </a:p>
           <a:p>
             <a:r>
-              <a:rPr lang="en-US" dirty="0" smtClean="0"/>
+              <a:rPr lang="en-US">
+                <a:latin typeface="Calibri" pitchFamily="34" charset="0"/>
+              </a:rPr>
               <a:t>mgr</a:t>
             </a:r>
           </a:p>
           <a:p>
             <a:r>
-              <a:rPr lang="en-US" dirty="0" err="1" smtClean="0"/>
+              <a:rPr lang="en-US">
+                <a:latin typeface="Calibri" pitchFamily="34" charset="0"/>
+              </a:rPr>
               <a:t>hiredate</a:t>
             </a:r>
-            <a:endParaRPr lang="en-US" dirty="0" smtClean="0"/>
-          </a:p>
-          <a:p>
-            <a:r>
-              <a:rPr lang="en-US" dirty="0" err="1" smtClean="0"/>
+          </a:p>
+          <a:p>
+            <a:r>
+              <a:rPr lang="en-US">
+                <a:latin typeface="Calibri" pitchFamily="34" charset="0"/>
+              </a:rPr>
               <a:t>sal</a:t>
             </a:r>
-            <a:endParaRPr lang="en-US" dirty="0" smtClean="0"/>
-          </a:p>
-          <a:p>
-            <a:r>
-              <a:rPr lang="en-US" dirty="0" err="1" smtClean="0"/>
+          </a:p>
+          <a:p>
+            <a:r>
+              <a:rPr lang="en-US">
+                <a:latin typeface="Calibri" pitchFamily="34" charset="0"/>
+              </a:rPr>
               <a:t>comm</a:t>
             </a:r>
-            <a:endParaRPr lang="en-US" dirty="0" smtClean="0"/>
-          </a:p>
-          <a:p>
-            <a:r>
-              <a:rPr lang="en-US" dirty="0" err="1" smtClean="0"/>
+          </a:p>
+          <a:p>
+            <a:r>
+              <a:rPr lang="en-US">
+                <a:latin typeface="Calibri" pitchFamily="34" charset="0"/>
+              </a:rPr>
               <a:t>deptno</a:t>
             </a:r>
-            <a:endParaRPr lang="en-US" dirty="0"/>
-          </a:p>
-        </p:txBody>
-      </p:sp>
-      <p:sp>
-        <p:nvSpPr>
-          <p:cNvPr id="7" name="TextBox 6"/>
-          <p:cNvSpPr txBox="1"/>
-          <p:nvPr/>
-        </p:nvSpPr>
-        <p:spPr>
+          </a:p>
+        </p:txBody>
+      </p:sp>
+      <p:sp>
+        <p:nvSpPr>
+          <p:cNvPr id="18436" name="TextBox 6"/>
+          <p:cNvSpPr txBox="1">
+            <a:spLocks noChangeArrowheads="1"/>
+          </p:cNvSpPr>
+          <p:nvPr/>
+        </p:nvSpPr>
+        <p:spPr bwMode="auto">
           <a:xfrm>
             <a:off x="4038600" y="1295400"/>
-            <a:ext cx="928909" cy="369332"/>
+            <a:ext cx="928688" cy="369888"/>
           </a:xfrm>
           <a:prstGeom prst="rect">
             <a:avLst/>
           </a:prstGeom>
           <a:noFill/>
-        </p:spPr>
-        <p:txBody>
-          <a:bodyPr wrap="square" rtlCol="0">
+          <a:ln w="9525">
+            <a:noFill/>
+            <a:miter lim="800000"/>
+            <a:headEnd/>
+            <a:tailEnd/>
+          </a:ln>
+        </p:spPr>
+        <p:txBody>
+          <a:bodyPr>
             <a:spAutoFit/>
           </a:bodyPr>
           <a:lstStyle/>
           <a:p>
             <a:r>
-              <a:rPr lang="en-US" dirty="0" err="1" smtClean="0"/>
-              <a:t>Emps</a:t>
-            </a:r>
-            <a:r>
-              <a:rPr lang="en-US" dirty="0" smtClean="0"/>
-              <a:t> m</a:t>
-            </a:r>
-            <a:endParaRPr lang="en-US" dirty="0"/>
+              <a:rPr lang="en-US">
+                <a:latin typeface="Calibri" pitchFamily="34" charset="0"/>
+              </a:rPr>
+              <a:t>Emps m</a:t>
+            </a:r>
           </a:p>
         </p:txBody>
       </p:sp>
@@ -6072,7 +7120,7 @@
         <p:spPr>
           <a:xfrm>
             <a:off x="1600200" y="2438400"/>
-            <a:ext cx="457200" cy="45719"/>
+            <a:ext cx="457200" cy="46038"/>
           </a:xfrm>
           <a:prstGeom prst="rightArrow">
             <a:avLst/>
@@ -6097,10 +7145,18 @@
           </a:fontRef>
         </p:style>
         <p:txBody>
-          <a:bodyPr rtlCol="0" anchor="ctr"/>
+          <a:bodyPr anchor="ctr"/>
           <a:lstStyle/>
           <a:p>
-            <a:pPr algn="ctr"/>
+            <a:pPr algn="ctr" fontAlgn="auto">
+              <a:spcBef>
+                <a:spcPts val="0"/>
+              </a:spcBef>
+              <a:spcAft>
+                <a:spcPts val="0"/>
+              </a:spcAft>
+              <a:defRPr/>
+            </a:pPr>
             <a:endParaRPr lang="en-US"/>
           </a:p>
         </p:txBody>
@@ -6114,7 +7170,7 @@
         <p:spPr>
           <a:xfrm>
             <a:off x="1600200" y="2667000"/>
-            <a:ext cx="457200" cy="45719"/>
+            <a:ext cx="457200" cy="46038"/>
           </a:xfrm>
           <a:prstGeom prst="rightArrow">
             <a:avLst/>
@@ -6139,10 +7195,18 @@
           </a:fontRef>
         </p:style>
         <p:txBody>
-          <a:bodyPr rtlCol="0" anchor="ctr"/>
+          <a:bodyPr anchor="ctr"/>
           <a:lstStyle/>
           <a:p>
-            <a:pPr algn="ctr"/>
+            <a:pPr algn="ctr" fontAlgn="auto">
+              <a:spcBef>
+                <a:spcPts val="0"/>
+              </a:spcBef>
+              <a:spcAft>
+                <a:spcPts val="0"/>
+              </a:spcAft>
+              <a:defRPr/>
+            </a:pPr>
             <a:endParaRPr lang="en-US"/>
           </a:p>
         </p:txBody>
@@ -6156,7 +7220,7 @@
         <p:spPr>
           <a:xfrm>
             <a:off x="3581400" y="2971800"/>
-            <a:ext cx="457200" cy="45719"/>
+            <a:ext cx="457200" cy="46038"/>
           </a:xfrm>
           <a:prstGeom prst="rightArrow">
             <a:avLst/>
@@ -6181,41 +7245,58 @@
           </a:fontRef>
         </p:style>
         <p:txBody>
-          <a:bodyPr rtlCol="0" anchor="ctr"/>
+          <a:bodyPr anchor="ctr"/>
           <a:lstStyle/>
           <a:p>
-            <a:pPr algn="ctr"/>
+            <a:pPr algn="ctr" fontAlgn="auto">
+              <a:spcBef>
+                <a:spcPts val="0"/>
+              </a:spcBef>
+              <a:spcAft>
+                <a:spcPts val="0"/>
+              </a:spcAft>
+              <a:defRPr/>
+            </a:pPr>
             <a:endParaRPr lang="en-US"/>
           </a:p>
         </p:txBody>
       </p:sp>
       <p:sp>
         <p:nvSpPr>
-          <p:cNvPr id="23" name="TextBox 22"/>
-          <p:cNvSpPr txBox="1"/>
-          <p:nvPr/>
-        </p:nvSpPr>
-        <p:spPr>
+          <p:cNvPr id="18441" name="TextBox 22"/>
+          <p:cNvSpPr txBox="1">
+            <a:spLocks noChangeArrowheads="1"/>
+          </p:cNvSpPr>
+          <p:nvPr/>
+        </p:nvSpPr>
+        <p:spPr bwMode="auto">
           <a:xfrm>
             <a:off x="3200400" y="2819400"/>
-            <a:ext cx="300082" cy="369332"/>
+            <a:ext cx="300038" cy="369888"/>
           </a:xfrm>
           <a:prstGeom prst="rect">
             <a:avLst/>
           </a:prstGeom>
           <a:noFill/>
-        </p:spPr>
-        <p:txBody>
-          <a:bodyPr wrap="square" rtlCol="0">
+          <a:ln w="9525">
+            <a:noFill/>
+            <a:miter lim="800000"/>
+            <a:headEnd/>
+            <a:tailEnd/>
+          </a:ln>
+        </p:spPr>
+        <p:txBody>
+          <a:bodyPr>
             <a:spAutoFit/>
           </a:bodyPr>
           <a:lstStyle/>
           <a:p>
             <a:r>
-              <a:rPr lang="en-US" dirty="0" smtClean="0"/>
+              <a:rPr lang="en-US">
+                <a:latin typeface="Calibri" pitchFamily="34" charset="0"/>
+              </a:rPr>
               <a:t>#</a:t>
             </a:r>
-            <a:endParaRPr lang="en-US" dirty="0"/>
           </a:p>
         </p:txBody>
       </p:sp>
@@ -6246,7 +7327,7 @@
       </p:grpSpPr>
       <p:sp>
         <p:nvSpPr>
-          <p:cNvPr id="4" name="Title 3"/>
+          <p:cNvPr id="19457" name="Title 3"/>
           <p:cNvSpPr>
             <a:spLocks noGrp="1"/>
           </p:cNvSpPr>
@@ -6260,10 +7341,9 @@
           <a:lstStyle/>
           <a:p>
             <a:r>
-              <a:rPr lang="en-US" dirty="0" smtClean="0"/>
+              <a:rPr lang="en-US" smtClean="0"/>
               <a:t>Hw5-2</a:t>
             </a:r>
-            <a:endParaRPr lang="en-US" dirty="0"/>
           </a:p>
         </p:txBody>
       </p:sp>
@@ -6275,8 +7355,8 @@
         </p:nvSpPr>
         <p:spPr>
           <a:xfrm>
-            <a:off x="1676400" y="2971800"/>
-            <a:ext cx="823687" cy="369332"/>
+            <a:off x="1676400" y="3124200"/>
+            <a:ext cx="835025" cy="376238"/>
           </a:xfrm>
           <a:prstGeom prst="rect">
             <a:avLst/>
@@ -6291,16 +7371,29 @@
           </a:ln>
         </p:spPr>
         <p:txBody>
-          <a:bodyPr wrap="none" rtlCol="0">
+          <a:bodyPr wrap="none">
             <a:spAutoFit/>
           </a:bodyPr>
           <a:lstStyle/>
           <a:p>
-            <a:r>
-              <a:rPr lang="en-US" dirty="0" smtClean="0"/>
+            <a:pPr fontAlgn="auto">
+              <a:spcBef>
+                <a:spcPts val="0"/>
+              </a:spcBef>
+              <a:spcAft>
+                <a:spcPts val="0"/>
+              </a:spcAft>
+              <a:defRPr/>
+            </a:pPr>
+            <a:r>
+              <a:rPr lang="en-US" dirty="0">
+                <a:latin typeface="+mn-lt"/>
+              </a:rPr>
               <a:t>Person</a:t>
             </a:r>
-            <a:endParaRPr lang="en-US" dirty="0"/>
+            <a:endParaRPr lang="en-US" dirty="0">
+              <a:latin typeface="+mn-lt"/>
+            </a:endParaRPr>
           </a:p>
         </p:txBody>
       </p:sp>
@@ -6312,8 +7405,8 @@
         </p:nvSpPr>
         <p:spPr>
           <a:xfrm>
-            <a:off x="3962400" y="1905000"/>
-            <a:ext cx="846194" cy="369332"/>
+            <a:off x="3992563" y="1905000"/>
+            <a:ext cx="990600" cy="376238"/>
           </a:xfrm>
           <a:prstGeom prst="rect">
             <a:avLst/>
@@ -6328,79 +7421,68 @@
           </a:ln>
         </p:spPr>
         <p:txBody>
-          <a:bodyPr wrap="square" rtlCol="0">
+          <a:bodyPr>
             <a:spAutoFit/>
           </a:bodyPr>
           <a:lstStyle/>
           <a:p>
-            <a:r>
-              <a:rPr lang="en-US" dirty="0" smtClean="0"/>
+            <a:pPr fontAlgn="auto">
+              <a:spcBef>
+                <a:spcPts val="0"/>
+              </a:spcBef>
+              <a:spcAft>
+                <a:spcPts val="0"/>
+              </a:spcAft>
+              <a:defRPr/>
+            </a:pPr>
+            <a:r>
+              <a:rPr lang="en-US" dirty="0">
+                <a:latin typeface="+mn-lt"/>
+              </a:rPr>
               <a:t>Project</a:t>
             </a:r>
-            <a:endParaRPr lang="en-US" dirty="0"/>
-          </a:p>
-        </p:txBody>
-      </p:sp>
-      <p:cxnSp>
-        <p:nvCxnSpPr>
-          <p:cNvPr id="8" name="Straight Connector 7"/>
-          <p:cNvCxnSpPr>
-            <a:stCxn id="5" idx="0"/>
-            <a:endCxn id="6" idx="1"/>
-          </p:cNvCxnSpPr>
-          <p:nvPr/>
-        </p:nvCxnSpPr>
-        <p:spPr>
-          <a:xfrm rot="5400000" flipH="1" flipV="1">
-            <a:off x="2584255" y="1593655"/>
-            <a:ext cx="882134" cy="1874156"/>
-          </a:xfrm>
-          <a:prstGeom prst="line">
-            <a:avLst/>
-          </a:prstGeom>
-        </p:spPr>
-        <p:style>
-          <a:lnRef idx="1">
-            <a:schemeClr val="accent1"/>
-          </a:lnRef>
-          <a:fillRef idx="0">
-            <a:schemeClr val="accent1"/>
-          </a:fillRef>
-          <a:effectRef idx="0">
-            <a:schemeClr val="accent1"/>
-          </a:effectRef>
-          <a:fontRef idx="minor">
-            <a:schemeClr val="tx1"/>
-          </a:fontRef>
-        </p:style>
-      </p:cxnSp>
-      <p:sp>
-        <p:nvSpPr>
-          <p:cNvPr id="10" name="TextBox 9"/>
-          <p:cNvSpPr txBox="1"/>
-          <p:nvPr/>
-        </p:nvSpPr>
-        <p:spPr>
-          <a:xfrm>
-            <a:off x="2286000" y="1981200"/>
-            <a:ext cx="995785" cy="369332"/>
+            <a:endParaRPr lang="en-US" dirty="0">
+              <a:latin typeface="+mn-lt"/>
+            </a:endParaRPr>
+          </a:p>
+        </p:txBody>
+      </p:sp>
+      <p:sp>
+        <p:nvSpPr>
+          <p:cNvPr id="19461" name="TextBox 9"/>
+          <p:cNvSpPr txBox="1">
+            <a:spLocks noChangeArrowheads="1"/>
+          </p:cNvSpPr>
+          <p:nvPr/>
+        </p:nvSpPr>
+        <p:spPr bwMode="auto">
+          <a:xfrm>
+            <a:off x="2362200" y="1752600"/>
+            <a:ext cx="1176338" cy="366713"/>
           </a:xfrm>
           <a:prstGeom prst="rect">
             <a:avLst/>
           </a:prstGeom>
           <a:noFill/>
-        </p:spPr>
-        <p:txBody>
-          <a:bodyPr wrap="none" rtlCol="0">
+          <a:ln w="9525">
+            <a:noFill/>
+            <a:miter lim="800000"/>
+            <a:headEnd/>
+            <a:tailEnd/>
+          </a:ln>
+        </p:spPr>
+        <p:txBody>
+          <a:bodyPr wrap="none">
             <a:spAutoFit/>
           </a:bodyPr>
           <a:lstStyle/>
           <a:p>
             <a:r>
-              <a:rPr lang="en-US" dirty="0" smtClean="0"/>
-              <a:t>assigned</a:t>
-            </a:r>
-            <a:endParaRPr lang="en-US" dirty="0"/>
+              <a:rPr lang="en-US">
+                <a:latin typeface="Calibri" pitchFamily="34" charset="0"/>
+              </a:rPr>
+              <a:t>Assigned &gt;</a:t>
+            </a:r>
           </a:p>
         </p:txBody>
       </p:sp>
@@ -6412,8 +7494,8 @@
         </p:nvSpPr>
         <p:spPr>
           <a:xfrm>
-            <a:off x="3962400" y="4572000"/>
-            <a:ext cx="972126" cy="369332"/>
+            <a:off x="4000500" y="4572000"/>
+            <a:ext cx="974725" cy="376238"/>
           </a:xfrm>
           <a:prstGeom prst="rect">
             <a:avLst/>
@@ -6429,79 +7511,68 @@
           </a:ln>
         </p:spPr>
         <p:txBody>
-          <a:bodyPr wrap="none" rtlCol="0">
+          <a:bodyPr wrap="none">
             <a:spAutoFit/>
           </a:bodyPr>
           <a:lstStyle/>
           <a:p>
-            <a:r>
-              <a:rPr lang="en-US" dirty="0" smtClean="0"/>
+            <a:pPr fontAlgn="auto">
+              <a:spcBef>
+                <a:spcPts val="0"/>
+              </a:spcBef>
+              <a:spcAft>
+                <a:spcPts val="0"/>
+              </a:spcAft>
+              <a:defRPr/>
+            </a:pPr>
+            <a:r>
+              <a:rPr lang="en-US" dirty="0">
+                <a:latin typeface="+mn-lt"/>
+              </a:rPr>
               <a:t>Meeting</a:t>
             </a:r>
-            <a:endParaRPr lang="en-US" dirty="0"/>
-          </a:p>
-        </p:txBody>
-      </p:sp>
-      <p:cxnSp>
-        <p:nvCxnSpPr>
-          <p:cNvPr id="13" name="Straight Connector 12"/>
-          <p:cNvCxnSpPr>
-            <a:stCxn id="11" idx="1"/>
-            <a:endCxn id="5" idx="2"/>
-          </p:cNvCxnSpPr>
-          <p:nvPr/>
-        </p:nvCxnSpPr>
-        <p:spPr>
-          <a:xfrm rot="10800000">
-            <a:off x="2088244" y="3341132"/>
-            <a:ext cx="1874156" cy="1415534"/>
-          </a:xfrm>
-          <a:prstGeom prst="line">
-            <a:avLst/>
-          </a:prstGeom>
-        </p:spPr>
-        <p:style>
-          <a:lnRef idx="1">
-            <a:schemeClr val="accent1"/>
-          </a:lnRef>
-          <a:fillRef idx="0">
-            <a:schemeClr val="accent1"/>
-          </a:fillRef>
-          <a:effectRef idx="0">
-            <a:schemeClr val="accent1"/>
-          </a:effectRef>
-          <a:fontRef idx="minor">
-            <a:schemeClr val="tx1"/>
-          </a:fontRef>
-        </p:style>
-      </p:cxnSp>
-      <p:sp>
-        <p:nvSpPr>
-          <p:cNvPr id="14" name="TextBox 13"/>
-          <p:cNvSpPr txBox="1"/>
-          <p:nvPr/>
-        </p:nvSpPr>
-        <p:spPr>
-          <a:xfrm>
-            <a:off x="2362200" y="3810000"/>
-            <a:ext cx="800347" cy="369332"/>
+            <a:endParaRPr lang="en-US" dirty="0">
+              <a:latin typeface="+mn-lt"/>
+            </a:endParaRPr>
+          </a:p>
+        </p:txBody>
+      </p:sp>
+      <p:sp>
+        <p:nvSpPr>
+          <p:cNvPr id="19464" name="TextBox 13"/>
+          <p:cNvSpPr txBox="1">
+            <a:spLocks noChangeArrowheads="1"/>
+          </p:cNvSpPr>
+          <p:nvPr/>
+        </p:nvSpPr>
+        <p:spPr bwMode="auto">
+          <a:xfrm>
+            <a:off x="2438400" y="4343400"/>
+            <a:ext cx="1079500" cy="366713"/>
           </a:xfrm>
           <a:prstGeom prst="rect">
             <a:avLst/>
           </a:prstGeom>
           <a:noFill/>
-        </p:spPr>
-        <p:txBody>
-          <a:bodyPr wrap="none" rtlCol="0">
+          <a:ln w="9525">
+            <a:noFill/>
+            <a:miter lim="800000"/>
+            <a:headEnd/>
+            <a:tailEnd/>
+          </a:ln>
+        </p:spPr>
+        <p:txBody>
+          <a:bodyPr wrap="none">
             <a:spAutoFit/>
           </a:bodyPr>
           <a:lstStyle/>
           <a:p>
             <a:r>
-              <a:rPr lang="en-US" dirty="0" smtClean="0"/>
-              <a:t>attend</a:t>
-            </a:r>
-            <a:endParaRPr lang="en-US" dirty="0"/>
+              <a:rPr lang="en-US">
+                <a:latin typeface="Calibri" pitchFamily="34" charset="0"/>
+              </a:rPr>
+              <a:t>Attends &gt;</a:t>
+            </a:r>
           </a:p>
         </p:txBody>
       </p:sp>
@@ -6513,8 +7584,8 @@
         </p:nvSpPr>
         <p:spPr>
           <a:xfrm>
-            <a:off x="4038600" y="3124200"/>
-            <a:ext cx="788999" cy="369332"/>
+            <a:off x="4030663" y="3124200"/>
+            <a:ext cx="914400" cy="376238"/>
           </a:xfrm>
           <a:prstGeom prst="rect">
             <a:avLst/>
@@ -6530,16 +7601,29 @@
           </a:ln>
         </p:spPr>
         <p:txBody>
-          <a:bodyPr wrap="square" rtlCol="0">
+          <a:bodyPr>
             <a:spAutoFit/>
           </a:bodyPr>
           <a:lstStyle/>
           <a:p>
-            <a:r>
-              <a:rPr lang="en-US" dirty="0" smtClean="0"/>
+            <a:pPr fontAlgn="auto">
+              <a:spcBef>
+                <a:spcPts val="0"/>
+              </a:spcBef>
+              <a:spcAft>
+                <a:spcPts val="0"/>
+              </a:spcAft>
+              <a:defRPr/>
+            </a:pPr>
+            <a:r>
+              <a:rPr lang="en-US" dirty="0">
+                <a:latin typeface="+mn-lt"/>
+              </a:rPr>
               <a:t>Action</a:t>
             </a:r>
-            <a:endParaRPr lang="en-US" dirty="0"/>
+            <a:endParaRPr lang="en-US" dirty="0">
+              <a:latin typeface="+mn-lt"/>
+            </a:endParaRPr>
           </a:p>
         </p:txBody>
       </p:sp>
@@ -6547,62 +7631,67 @@
         <p:nvCxnSpPr>
           <p:cNvPr id="17" name="Straight Connector 16"/>
           <p:cNvCxnSpPr>
+            <a:cxnSpLocks noChangeShapeType="1"/>
             <a:stCxn id="11" idx="0"/>
             <a:endCxn id="15" idx="2"/>
           </p:cNvCxnSpPr>
           <p:nvPr/>
         </p:nvCxnSpPr>
-        <p:spPr>
-          <a:xfrm rot="16200000" flipV="1">
-            <a:off x="3901548" y="4025084"/>
-            <a:ext cx="1078468" cy="15363"/>
+        <p:spPr bwMode="auto">
+          <a:xfrm flipV="1">
+            <a:off x="4487863" y="3500438"/>
+            <a:ext cx="0" cy="1071562"/>
           </a:xfrm>
           <a:prstGeom prst="line">
             <a:avLst/>
           </a:prstGeom>
-        </p:spPr>
-        <p:style>
-          <a:lnRef idx="1">
-            <a:schemeClr val="accent1"/>
-          </a:lnRef>
-          <a:fillRef idx="0">
-            <a:schemeClr val="accent1"/>
-          </a:fillRef>
-          <a:effectRef idx="0">
-            <a:schemeClr val="accent1"/>
-          </a:effectRef>
-          <a:fontRef idx="minor">
-            <a:schemeClr val="tx1"/>
-          </a:fontRef>
-        </p:style>
+          <a:noFill/>
+          <a:ln w="9525" algn="ctr">
+            <a:solidFill>
+              <a:srgbClr val="4A7EBB"/>
+            </a:solidFill>
+            <a:round/>
+            <a:headEnd/>
+            <a:tailEnd/>
+          </a:ln>
+        </p:spPr>
       </p:cxnSp>
       <p:sp>
         <p:nvSpPr>
-          <p:cNvPr id="18" name="TextBox 17"/>
-          <p:cNvSpPr txBox="1"/>
-          <p:nvPr/>
-        </p:nvSpPr>
-        <p:spPr>
+          <p:cNvPr id="19467" name="TextBox 17"/>
+          <p:cNvSpPr txBox="1">
+            <a:spLocks noChangeArrowheads="1"/>
+          </p:cNvSpPr>
+          <p:nvPr/>
+        </p:nvSpPr>
+        <p:spPr bwMode="auto">
           <a:xfrm>
             <a:off x="4572000" y="3733800"/>
-            <a:ext cx="1007776" cy="369332"/>
+            <a:ext cx="1092200" cy="366713"/>
           </a:xfrm>
           <a:prstGeom prst="rect">
             <a:avLst/>
           </a:prstGeom>
           <a:noFill/>
-        </p:spPr>
-        <p:txBody>
-          <a:bodyPr wrap="none" rtlCol="0">
+          <a:ln w="9525">
+            <a:noFill/>
+            <a:miter lim="800000"/>
+            <a:headEnd/>
+            <a:tailEnd/>
+          </a:ln>
+        </p:spPr>
+        <p:txBody>
+          <a:bodyPr wrap="none">
             <a:spAutoFit/>
           </a:bodyPr>
           <a:lstStyle/>
           <a:p>
             <a:r>
-              <a:rPr lang="en-US" dirty="0" smtClean="0"/>
-              <a:t>Result of</a:t>
-            </a:r>
-            <a:endParaRPr lang="en-US" dirty="0"/>
+              <a:rPr lang="en-US">
+                <a:latin typeface="Calibri" pitchFamily="34" charset="0"/>
+              </a:rPr>
+              <a:t>Results of</a:t>
+            </a:r>
           </a:p>
         </p:txBody>
       </p:sp>
@@ -6610,171 +7699,211 @@
         <p:nvCxnSpPr>
           <p:cNvPr id="26" name="Straight Connector 25"/>
           <p:cNvCxnSpPr>
+            <a:cxnSpLocks noChangeShapeType="1"/>
             <a:stCxn id="15" idx="0"/>
             <a:endCxn id="6" idx="2"/>
           </p:cNvCxnSpPr>
           <p:nvPr/>
         </p:nvCxnSpPr>
-        <p:spPr>
-          <a:xfrm rot="16200000" flipV="1">
-            <a:off x="3984365" y="2675464"/>
-            <a:ext cx="849868" cy="47603"/>
+        <p:spPr bwMode="auto">
+          <a:xfrm flipV="1">
+            <a:off x="4487863" y="2281238"/>
+            <a:ext cx="0" cy="842962"/>
           </a:xfrm>
           <a:prstGeom prst="line">
             <a:avLst/>
           </a:prstGeom>
-        </p:spPr>
-        <p:style>
-          <a:lnRef idx="1">
-            <a:schemeClr val="accent1"/>
-          </a:lnRef>
-          <a:fillRef idx="0">
-            <a:schemeClr val="accent1"/>
-          </a:fillRef>
-          <a:effectRef idx="0">
-            <a:schemeClr val="accent1"/>
-          </a:effectRef>
-          <a:fontRef idx="minor">
-            <a:schemeClr val="tx1"/>
-          </a:fontRef>
-        </p:style>
+          <a:noFill/>
+          <a:ln w="9525" algn="ctr">
+            <a:solidFill>
+              <a:srgbClr val="4A7EBB"/>
+            </a:solidFill>
+            <a:round/>
+            <a:headEnd/>
+            <a:tailEnd/>
+          </a:ln>
+        </p:spPr>
       </p:cxnSp>
       <p:sp>
         <p:nvSpPr>
-          <p:cNvPr id="27" name="TextBox 26"/>
-          <p:cNvSpPr txBox="1"/>
-          <p:nvPr/>
-        </p:nvSpPr>
-        <p:spPr>
-          <a:xfrm>
-            <a:off x="4495800" y="2590800"/>
-            <a:ext cx="1167499" cy="369332"/>
+          <p:cNvPr id="19469" name="TextBox 26"/>
+          <p:cNvSpPr txBox="1">
+            <a:spLocks noChangeArrowheads="1"/>
+          </p:cNvSpPr>
+          <p:nvPr/>
+        </p:nvSpPr>
+        <p:spPr bwMode="auto">
+          <a:xfrm>
+            <a:off x="2971800" y="2362200"/>
+            <a:ext cx="1433513" cy="366713"/>
           </a:xfrm>
           <a:prstGeom prst="rect">
             <a:avLst/>
           </a:prstGeom>
           <a:noFill/>
-        </p:spPr>
-        <p:txBody>
-          <a:bodyPr wrap="none" rtlCol="0">
+          <a:ln w="9525">
+            <a:noFill/>
+            <a:miter lim="800000"/>
+            <a:headEnd/>
+            <a:tailEnd/>
+          </a:ln>
+        </p:spPr>
+        <p:txBody>
+          <a:bodyPr wrap="none">
             <a:spAutoFit/>
           </a:bodyPr>
           <a:lstStyle/>
           <a:p>
             <a:r>
-              <a:rPr lang="en-US" dirty="0" smtClean="0"/>
-              <a:t>associated</a:t>
-            </a:r>
-            <a:endParaRPr lang="en-US" dirty="0"/>
-          </a:p>
-        </p:txBody>
-      </p:sp>
-      <p:sp>
-        <p:nvSpPr>
-          <p:cNvPr id="32" name="TextBox 31"/>
-          <p:cNvSpPr txBox="1"/>
-          <p:nvPr/>
-        </p:nvSpPr>
-        <p:spPr>
-          <a:xfrm>
-            <a:off x="1371600" y="3429000"/>
-            <a:ext cx="716863" cy="923330"/>
+              <a:rPr lang="en-US">
+                <a:latin typeface="Calibri" pitchFamily="34" charset="0"/>
+              </a:rPr>
+              <a:t>Associated to</a:t>
+            </a:r>
+          </a:p>
+        </p:txBody>
+      </p:sp>
+      <p:sp>
+        <p:nvSpPr>
+          <p:cNvPr id="19470" name="TextBox 31"/>
+          <p:cNvSpPr txBox="1">
+            <a:spLocks noChangeArrowheads="1"/>
+          </p:cNvSpPr>
+          <p:nvPr/>
+        </p:nvSpPr>
+        <p:spPr bwMode="auto">
+          <a:xfrm>
+            <a:off x="2209800" y="3505200"/>
+            <a:ext cx="711200" cy="915988"/>
           </a:xfrm>
           <a:prstGeom prst="rect">
             <a:avLst/>
           </a:prstGeom>
           <a:noFill/>
-        </p:spPr>
-        <p:txBody>
-          <a:bodyPr wrap="none" rtlCol="0">
+          <a:ln w="9525">
+            <a:noFill/>
+            <a:miter lim="800000"/>
+            <a:headEnd/>
+            <a:tailEnd/>
+          </a:ln>
+        </p:spPr>
+        <p:txBody>
+          <a:bodyPr wrap="none">
             <a:spAutoFit/>
           </a:bodyPr>
           <a:lstStyle/>
           <a:p>
             <a:r>
-              <a:rPr lang="en-US" u="sng" dirty="0" err="1" smtClean="0"/>
+              <a:rPr lang="en-US" u="sng">
+                <a:latin typeface="Calibri" pitchFamily="34" charset="0"/>
+              </a:rPr>
               <a:t>uid</a:t>
             </a:r>
-            <a:endParaRPr lang="en-US" u="sng" dirty="0" smtClean="0"/>
-          </a:p>
-          <a:p>
-            <a:r>
-              <a:rPr lang="en-US" dirty="0" smtClean="0"/>
+          </a:p>
+          <a:p>
+            <a:r>
+              <a:rPr lang="en-US">
+                <a:latin typeface="Calibri" pitchFamily="34" charset="0"/>
+              </a:rPr>
               <a:t>name</a:t>
             </a:r>
           </a:p>
           <a:p>
-            <a:endParaRPr lang="en-US" dirty="0"/>
-          </a:p>
-        </p:txBody>
-      </p:sp>
-      <p:sp>
-        <p:nvSpPr>
-          <p:cNvPr id="45" name="TextBox 44"/>
-          <p:cNvSpPr txBox="1"/>
-          <p:nvPr/>
-        </p:nvSpPr>
-        <p:spPr>
-          <a:xfrm>
-            <a:off x="4800600" y="1828800"/>
-            <a:ext cx="918841" cy="646331"/>
+            <a:endParaRPr lang="en-US">
+              <a:latin typeface="Calibri" pitchFamily="34" charset="0"/>
+            </a:endParaRPr>
+          </a:p>
+        </p:txBody>
+      </p:sp>
+      <p:sp>
+        <p:nvSpPr>
+          <p:cNvPr id="19471" name="TextBox 44"/>
+          <p:cNvSpPr txBox="1">
+            <a:spLocks noChangeArrowheads="1"/>
+          </p:cNvSpPr>
+          <p:nvPr/>
+        </p:nvSpPr>
+        <p:spPr bwMode="auto">
+          <a:xfrm>
+            <a:off x="4724400" y="2209800"/>
+            <a:ext cx="965200" cy="641350"/>
           </a:xfrm>
           <a:prstGeom prst="rect">
             <a:avLst/>
           </a:prstGeom>
           <a:noFill/>
-        </p:spPr>
-        <p:txBody>
-          <a:bodyPr wrap="none" rtlCol="0">
+          <a:ln w="9525">
+            <a:noFill/>
+            <a:miter lim="800000"/>
+            <a:headEnd/>
+            <a:tailEnd/>
+          </a:ln>
+        </p:spPr>
+        <p:txBody>
+          <a:bodyPr wrap="none">
             <a:spAutoFit/>
           </a:bodyPr>
           <a:lstStyle/>
           <a:p>
             <a:r>
-              <a:rPr lang="en-US" u="sng" dirty="0" err="1" smtClean="0"/>
-              <a:t>prid</a:t>
-            </a:r>
-            <a:endParaRPr lang="en-US" u="sng" dirty="0" smtClean="0"/>
-          </a:p>
-          <a:p>
-            <a:r>
-              <a:rPr lang="en-US" dirty="0" err="1" smtClean="0"/>
-              <a:t>prname</a:t>
-            </a:r>
-            <a:endParaRPr lang="en-US" dirty="0"/>
-          </a:p>
-        </p:txBody>
-      </p:sp>
-      <p:sp>
-        <p:nvSpPr>
-          <p:cNvPr id="56" name="TextBox 55"/>
-          <p:cNvSpPr txBox="1"/>
-          <p:nvPr/>
-        </p:nvSpPr>
-        <p:spPr>
-          <a:xfrm>
-            <a:off x="4038600" y="5257800"/>
-            <a:ext cx="604846" cy="646331"/>
+              <a:rPr lang="en-US" u="sng">
+                <a:latin typeface="Calibri" pitchFamily="34" charset="0"/>
+              </a:rPr>
+              <a:t>prjid</a:t>
+            </a:r>
+          </a:p>
+          <a:p>
+            <a:r>
+              <a:rPr lang="en-US">
+                <a:latin typeface="Calibri" pitchFamily="34" charset="0"/>
+              </a:rPr>
+              <a:t>prjname</a:t>
+            </a:r>
+          </a:p>
+        </p:txBody>
+      </p:sp>
+      <p:sp>
+        <p:nvSpPr>
+          <p:cNvPr id="19472" name="TextBox 55"/>
+          <p:cNvSpPr txBox="1">
+            <a:spLocks noChangeArrowheads="1"/>
+          </p:cNvSpPr>
+          <p:nvPr/>
+        </p:nvSpPr>
+        <p:spPr bwMode="auto">
+          <a:xfrm>
+            <a:off x="4572000" y="4876800"/>
+            <a:ext cx="604838" cy="641350"/>
           </a:xfrm>
           <a:prstGeom prst="rect">
             <a:avLst/>
           </a:prstGeom>
           <a:noFill/>
-        </p:spPr>
-        <p:txBody>
-          <a:bodyPr wrap="none" rtlCol="0">
+          <a:ln w="9525">
+            <a:noFill/>
+            <a:miter lim="800000"/>
+            <a:headEnd/>
+            <a:tailEnd/>
+          </a:ln>
+        </p:spPr>
+        <p:txBody>
+          <a:bodyPr wrap="none">
             <a:spAutoFit/>
           </a:bodyPr>
           <a:lstStyle/>
           <a:p>
             <a:r>
-              <a:rPr lang="en-US" u="sng" dirty="0" smtClean="0"/>
+              <a:rPr lang="en-US" u="sng">
+                <a:latin typeface="Calibri" pitchFamily="34" charset="0"/>
+              </a:rPr>
               <a:t>mid</a:t>
             </a:r>
           </a:p>
           <a:p>
             <a:r>
-              <a:rPr lang="en-US" dirty="0" smtClean="0"/>
+              <a:rPr lang="en-US">
+                <a:latin typeface="Calibri" pitchFamily="34" charset="0"/>
+              </a:rPr>
               <a:t>date</a:t>
             </a:r>
           </a:p>
@@ -6782,38 +7911,641 @@
       </p:sp>
       <p:sp>
         <p:nvSpPr>
-          <p:cNvPr id="58" name="TextBox 57"/>
-          <p:cNvSpPr txBox="1"/>
-          <p:nvPr/>
-        </p:nvSpPr>
-        <p:spPr>
-          <a:xfrm>
-            <a:off x="5029200" y="3048000"/>
-            <a:ext cx="909929" cy="646331"/>
+          <p:cNvPr id="19473" name="TextBox 57"/>
+          <p:cNvSpPr txBox="1">
+            <a:spLocks noChangeArrowheads="1"/>
+          </p:cNvSpPr>
+          <p:nvPr/>
+        </p:nvSpPr>
+        <p:spPr bwMode="auto">
+          <a:xfrm>
+            <a:off x="4648200" y="3429000"/>
+            <a:ext cx="782638" cy="366713"/>
           </a:xfrm>
           <a:prstGeom prst="rect">
             <a:avLst/>
           </a:prstGeom>
           <a:noFill/>
-        </p:spPr>
-        <p:txBody>
-          <a:bodyPr wrap="none" rtlCol="0">
+          <a:ln w="9525">
+            <a:noFill/>
+            <a:miter lim="800000"/>
+            <a:headEnd/>
+            <a:tailEnd/>
+          </a:ln>
+        </p:spPr>
+        <p:txBody>
+          <a:bodyPr wrap="none">
             <a:spAutoFit/>
           </a:bodyPr>
           <a:lstStyle/>
           <a:p>
             <a:r>
-              <a:rPr lang="en-US" u="sng" dirty="0" err="1" smtClean="0"/>
-              <a:t>actitem</a:t>
-            </a:r>
-            <a:endParaRPr lang="en-US" u="sng" dirty="0" smtClean="0"/>
-          </a:p>
-          <a:p>
-            <a:r>
-              <a:rPr lang="en-US" dirty="0" smtClean="0"/>
-              <a:t>owner</a:t>
-            </a:r>
-            <a:endParaRPr lang="en-US" dirty="0"/>
+              <a:rPr lang="en-US" u="sng">
+                <a:latin typeface="Calibri" pitchFamily="34" charset="0"/>
+              </a:rPr>
+              <a:t>itemid</a:t>
+            </a:r>
+          </a:p>
+        </p:txBody>
+      </p:sp>
+      <p:sp>
+        <p:nvSpPr>
+          <p:cNvPr id="19477" name="Text Box 21"/>
+          <p:cNvSpPr txBox="1">
+            <a:spLocks noChangeArrowheads="1"/>
+          </p:cNvSpPr>
+          <p:nvPr/>
+        </p:nvSpPr>
+        <p:spPr bwMode="auto">
+          <a:xfrm>
+            <a:off x="2590800" y="2895600"/>
+            <a:ext cx="1366838" cy="366713"/>
+          </a:xfrm>
+          <a:prstGeom prst="rect">
+            <a:avLst/>
+          </a:prstGeom>
+          <a:noFill/>
+          <a:ln w="9525">
+            <a:noFill/>
+            <a:miter lim="800000"/>
+            <a:headEnd/>
+            <a:tailEnd/>
+          </a:ln>
+          <a:effectLst/>
+        </p:spPr>
+        <p:txBody>
+          <a:bodyPr wrap="none">
+            <a:spAutoFit/>
+          </a:bodyPr>
+          <a:lstStyle/>
+          <a:p>
+            <a:r>
+              <a:rPr lang="en-US">
+                <a:latin typeface="Calibri" pitchFamily="34" charset="0"/>
+              </a:rPr>
+              <a:t>Managed</a:t>
+            </a:r>
+            <a:r>
+              <a:rPr lang="en-US"/>
+              <a:t> by</a:t>
+            </a:r>
+          </a:p>
+        </p:txBody>
+      </p:sp>
+      <p:cxnSp>
+        <p:nvCxnSpPr>
+          <p:cNvPr id="19479" name="AutoShape 23"/>
+          <p:cNvCxnSpPr>
+            <a:cxnSpLocks noChangeShapeType="1"/>
+            <a:stCxn id="5" idx="0"/>
+            <a:endCxn id="6" idx="1"/>
+          </p:cNvCxnSpPr>
+          <p:nvPr/>
+        </p:nvCxnSpPr>
+        <p:spPr bwMode="auto">
+          <a:xfrm rot="16200000">
+            <a:off x="2528094" y="1659732"/>
+            <a:ext cx="1030287" cy="1898650"/>
+          </a:xfrm>
+          <a:prstGeom prst="bentConnector2">
+            <a:avLst/>
+          </a:prstGeom>
+          <a:noFill/>
+          <a:ln w="9525">
+            <a:solidFill>
+              <a:schemeClr val="tx1"/>
+            </a:solidFill>
+            <a:miter lim="800000"/>
+            <a:headEnd/>
+            <a:tailEnd/>
+          </a:ln>
+          <a:effectLst/>
+        </p:spPr>
+      </p:cxnSp>
+      <p:cxnSp>
+        <p:nvCxnSpPr>
+          <p:cNvPr id="19482" name="AutoShape 26"/>
+          <p:cNvCxnSpPr>
+            <a:cxnSpLocks noChangeShapeType="1"/>
+            <a:stCxn id="11" idx="1"/>
+            <a:endCxn id="5" idx="2"/>
+          </p:cNvCxnSpPr>
+          <p:nvPr/>
+        </p:nvCxnSpPr>
+        <p:spPr bwMode="auto">
+          <a:xfrm rot="10800000">
+            <a:off x="2093913" y="3500438"/>
+            <a:ext cx="1906587" cy="1260475"/>
+          </a:xfrm>
+          <a:prstGeom prst="bentConnector2">
+            <a:avLst/>
+          </a:prstGeom>
+          <a:noFill/>
+          <a:ln w="9525">
+            <a:solidFill>
+              <a:schemeClr val="tx1"/>
+            </a:solidFill>
+            <a:miter lim="800000"/>
+            <a:headEnd/>
+            <a:tailEnd/>
+          </a:ln>
+          <a:effectLst/>
+        </p:spPr>
+      </p:cxnSp>
+      <p:cxnSp>
+        <p:nvCxnSpPr>
+          <p:cNvPr id="19483" name="AutoShape 27"/>
+          <p:cNvCxnSpPr>
+            <a:cxnSpLocks noChangeShapeType="1"/>
+            <a:stCxn id="5" idx="3"/>
+            <a:endCxn id="15" idx="1"/>
+          </p:cNvCxnSpPr>
+          <p:nvPr/>
+        </p:nvCxnSpPr>
+        <p:spPr bwMode="auto">
+          <a:xfrm>
+            <a:off x="2511425" y="3313113"/>
+            <a:ext cx="1519238" cy="0"/>
+          </a:xfrm>
+          <a:prstGeom prst="straightConnector1">
+            <a:avLst/>
+          </a:prstGeom>
+          <a:noFill/>
+          <a:ln w="9525">
+            <a:solidFill>
+              <a:schemeClr val="tx1"/>
+            </a:solidFill>
+            <a:round/>
+            <a:headEnd/>
+            <a:tailEnd/>
+          </a:ln>
+          <a:effectLst/>
+        </p:spPr>
+      </p:cxnSp>
+      <p:sp>
+        <p:nvSpPr>
+          <p:cNvPr id="19486" name="Line 30"/>
+          <p:cNvSpPr>
+            <a:spLocks noChangeShapeType="1"/>
+          </p:cNvSpPr>
+          <p:nvPr/>
+        </p:nvSpPr>
+        <p:spPr bwMode="auto">
+          <a:xfrm>
+            <a:off x="1905000" y="3733800"/>
+            <a:ext cx="304800" cy="0"/>
+          </a:xfrm>
+          <a:prstGeom prst="line">
+            <a:avLst/>
+          </a:prstGeom>
+          <a:noFill/>
+          <a:ln w="9525">
+            <a:solidFill>
+              <a:schemeClr val="tx1"/>
+            </a:solidFill>
+            <a:round/>
+            <a:headEnd/>
+            <a:tailEnd/>
+          </a:ln>
+          <a:effectLst/>
+        </p:spPr>
+        <p:txBody>
+          <a:bodyPr/>
+          <a:lstStyle/>
+          <a:p>
+            <a:endParaRPr lang="en-US"/>
+          </a:p>
+        </p:txBody>
+      </p:sp>
+      <p:sp>
+        <p:nvSpPr>
+          <p:cNvPr id="19490" name="Line 34"/>
+          <p:cNvSpPr>
+            <a:spLocks noChangeShapeType="1"/>
+          </p:cNvSpPr>
+          <p:nvPr/>
+        </p:nvSpPr>
+        <p:spPr bwMode="auto">
+          <a:xfrm flipV="1">
+            <a:off x="1905000" y="2971800"/>
+            <a:ext cx="152400" cy="152400"/>
+          </a:xfrm>
+          <a:prstGeom prst="line">
+            <a:avLst/>
+          </a:prstGeom>
+          <a:noFill/>
+          <a:ln w="9525">
+            <a:solidFill>
+              <a:schemeClr val="tx1"/>
+            </a:solidFill>
+            <a:round/>
+            <a:headEnd/>
+            <a:tailEnd/>
+          </a:ln>
+          <a:effectLst/>
+        </p:spPr>
+        <p:txBody>
+          <a:bodyPr/>
+          <a:lstStyle/>
+          <a:p>
+            <a:endParaRPr lang="en-US"/>
+          </a:p>
+        </p:txBody>
+      </p:sp>
+      <p:sp>
+        <p:nvSpPr>
+          <p:cNvPr id="19491" name="Line 35"/>
+          <p:cNvSpPr>
+            <a:spLocks noChangeShapeType="1"/>
+          </p:cNvSpPr>
+          <p:nvPr/>
+        </p:nvSpPr>
+        <p:spPr bwMode="auto">
+          <a:xfrm>
+            <a:off x="2057400" y="2971800"/>
+            <a:ext cx="152400" cy="152400"/>
+          </a:xfrm>
+          <a:prstGeom prst="line">
+            <a:avLst/>
+          </a:prstGeom>
+          <a:noFill/>
+          <a:ln w="9525">
+            <a:solidFill>
+              <a:schemeClr val="tx1"/>
+            </a:solidFill>
+            <a:round/>
+            <a:headEnd/>
+            <a:tailEnd/>
+          </a:ln>
+          <a:effectLst/>
+        </p:spPr>
+        <p:txBody>
+          <a:bodyPr/>
+          <a:lstStyle/>
+          <a:p>
+            <a:endParaRPr lang="en-US"/>
+          </a:p>
+        </p:txBody>
+      </p:sp>
+      <p:sp>
+        <p:nvSpPr>
+          <p:cNvPr id="19492" name="Line 36"/>
+          <p:cNvSpPr>
+            <a:spLocks noChangeShapeType="1"/>
+          </p:cNvSpPr>
+          <p:nvPr/>
+        </p:nvSpPr>
+        <p:spPr bwMode="auto">
+          <a:xfrm flipH="1">
+            <a:off x="3810000" y="1981200"/>
+            <a:ext cx="152400" cy="76200"/>
+          </a:xfrm>
+          <a:prstGeom prst="line">
+            <a:avLst/>
+          </a:prstGeom>
+          <a:noFill/>
+          <a:ln w="9525">
+            <a:solidFill>
+              <a:schemeClr val="tx1"/>
+            </a:solidFill>
+            <a:round/>
+            <a:headEnd/>
+            <a:tailEnd/>
+          </a:ln>
+          <a:effectLst/>
+        </p:spPr>
+        <p:txBody>
+          <a:bodyPr/>
+          <a:lstStyle/>
+          <a:p>
+            <a:endParaRPr lang="en-US"/>
+          </a:p>
+        </p:txBody>
+      </p:sp>
+      <p:sp>
+        <p:nvSpPr>
+          <p:cNvPr id="19493" name="Line 37"/>
+          <p:cNvSpPr>
+            <a:spLocks noChangeShapeType="1"/>
+          </p:cNvSpPr>
+          <p:nvPr/>
+        </p:nvSpPr>
+        <p:spPr bwMode="auto">
+          <a:xfrm flipH="1" flipV="1">
+            <a:off x="3810000" y="2057400"/>
+            <a:ext cx="152400" cy="152400"/>
+          </a:xfrm>
+          <a:prstGeom prst="line">
+            <a:avLst/>
+          </a:prstGeom>
+          <a:noFill/>
+          <a:ln w="9525">
+            <a:solidFill>
+              <a:schemeClr val="tx1"/>
+            </a:solidFill>
+            <a:round/>
+            <a:headEnd/>
+            <a:tailEnd/>
+          </a:ln>
+          <a:effectLst/>
+        </p:spPr>
+        <p:txBody>
+          <a:bodyPr/>
+          <a:lstStyle/>
+          <a:p>
+            <a:endParaRPr lang="en-US"/>
+          </a:p>
+        </p:txBody>
+      </p:sp>
+      <p:sp>
+        <p:nvSpPr>
+          <p:cNvPr id="19494" name="Line 38"/>
+          <p:cNvSpPr>
+            <a:spLocks noChangeShapeType="1"/>
+          </p:cNvSpPr>
+          <p:nvPr/>
+        </p:nvSpPr>
+        <p:spPr bwMode="auto">
+          <a:xfrm flipH="1">
+            <a:off x="3810000" y="4648200"/>
+            <a:ext cx="152400" cy="76200"/>
+          </a:xfrm>
+          <a:prstGeom prst="line">
+            <a:avLst/>
+          </a:prstGeom>
+          <a:noFill/>
+          <a:ln w="9525">
+            <a:solidFill>
+              <a:schemeClr val="tx1"/>
+            </a:solidFill>
+            <a:round/>
+            <a:headEnd/>
+            <a:tailEnd/>
+          </a:ln>
+          <a:effectLst/>
+        </p:spPr>
+        <p:txBody>
+          <a:bodyPr/>
+          <a:lstStyle/>
+          <a:p>
+            <a:endParaRPr lang="en-US"/>
+          </a:p>
+        </p:txBody>
+      </p:sp>
+      <p:sp>
+        <p:nvSpPr>
+          <p:cNvPr id="19495" name="Line 39"/>
+          <p:cNvSpPr>
+            <a:spLocks noChangeShapeType="1"/>
+          </p:cNvSpPr>
+          <p:nvPr/>
+        </p:nvSpPr>
+        <p:spPr bwMode="auto">
+          <a:xfrm flipH="1" flipV="1">
+            <a:off x="3810000" y="4724400"/>
+            <a:ext cx="152400" cy="152400"/>
+          </a:xfrm>
+          <a:prstGeom prst="line">
+            <a:avLst/>
+          </a:prstGeom>
+          <a:noFill/>
+          <a:ln w="9525">
+            <a:solidFill>
+              <a:schemeClr val="tx1"/>
+            </a:solidFill>
+            <a:round/>
+            <a:headEnd/>
+            <a:tailEnd/>
+          </a:ln>
+          <a:effectLst/>
+        </p:spPr>
+        <p:txBody>
+          <a:bodyPr/>
+          <a:lstStyle/>
+          <a:p>
+            <a:endParaRPr lang="en-US"/>
+          </a:p>
+        </p:txBody>
+      </p:sp>
+      <p:sp>
+        <p:nvSpPr>
+          <p:cNvPr id="19496" name="Line 40"/>
+          <p:cNvSpPr>
+            <a:spLocks noChangeShapeType="1"/>
+          </p:cNvSpPr>
+          <p:nvPr/>
+        </p:nvSpPr>
+        <p:spPr bwMode="auto">
+          <a:xfrm>
+            <a:off x="1905000" y="3505200"/>
+            <a:ext cx="152400" cy="152400"/>
+          </a:xfrm>
+          <a:prstGeom prst="line">
+            <a:avLst/>
+          </a:prstGeom>
+          <a:noFill/>
+          <a:ln w="9525">
+            <a:solidFill>
+              <a:schemeClr val="tx1"/>
+            </a:solidFill>
+            <a:round/>
+            <a:headEnd/>
+            <a:tailEnd/>
+          </a:ln>
+          <a:effectLst/>
+        </p:spPr>
+        <p:txBody>
+          <a:bodyPr/>
+          <a:lstStyle/>
+          <a:p>
+            <a:endParaRPr lang="en-US"/>
+          </a:p>
+        </p:txBody>
+      </p:sp>
+      <p:sp>
+        <p:nvSpPr>
+          <p:cNvPr id="19497" name="Line 41"/>
+          <p:cNvSpPr>
+            <a:spLocks noChangeShapeType="1"/>
+          </p:cNvSpPr>
+          <p:nvPr/>
+        </p:nvSpPr>
+        <p:spPr bwMode="auto">
+          <a:xfrm flipH="1">
+            <a:off x="2057400" y="3505200"/>
+            <a:ext cx="228600" cy="228600"/>
+          </a:xfrm>
+          <a:prstGeom prst="line">
+            <a:avLst/>
+          </a:prstGeom>
+          <a:noFill/>
+          <a:ln w="9525">
+            <a:solidFill>
+              <a:schemeClr val="tx1"/>
+            </a:solidFill>
+            <a:round/>
+            <a:headEnd/>
+            <a:tailEnd/>
+          </a:ln>
+          <a:effectLst/>
+        </p:spPr>
+        <p:txBody>
+          <a:bodyPr/>
+          <a:lstStyle/>
+          <a:p>
+            <a:endParaRPr lang="en-US"/>
+          </a:p>
+        </p:txBody>
+      </p:sp>
+      <p:sp>
+        <p:nvSpPr>
+          <p:cNvPr id="19498" name="AutoShape 42"/>
+          <p:cNvSpPr>
+            <a:spLocks noChangeArrowheads="1"/>
+          </p:cNvSpPr>
+          <p:nvPr/>
+        </p:nvSpPr>
+        <p:spPr bwMode="auto">
+          <a:xfrm rot="-5400000">
+            <a:off x="3771900" y="3238500"/>
+            <a:ext cx="304800" cy="228600"/>
+          </a:xfrm>
+          <a:prstGeom prst="triangle">
+            <a:avLst>
+              <a:gd name="adj" fmla="val 50000"/>
+            </a:avLst>
+          </a:prstGeom>
+          <a:solidFill>
+            <a:schemeClr val="bg1"/>
+          </a:solidFill>
+          <a:ln w="9525">
+            <a:solidFill>
+              <a:schemeClr val="tx1"/>
+            </a:solidFill>
+            <a:miter lim="800000"/>
+            <a:headEnd/>
+            <a:tailEnd/>
+          </a:ln>
+          <a:effectLst/>
+        </p:spPr>
+        <p:txBody>
+          <a:bodyPr wrap="none" anchor="ctr"/>
+          <a:lstStyle/>
+          <a:p>
+            <a:endParaRPr lang="en-US"/>
+          </a:p>
+        </p:txBody>
+      </p:sp>
+      <p:sp>
+        <p:nvSpPr>
+          <p:cNvPr id="19499" name="AutoShape 43"/>
+          <p:cNvSpPr>
+            <a:spLocks noChangeArrowheads="1"/>
+          </p:cNvSpPr>
+          <p:nvPr/>
+        </p:nvSpPr>
+        <p:spPr bwMode="auto">
+          <a:xfrm flipH="1" flipV="1">
+            <a:off x="4343400" y="3505200"/>
+            <a:ext cx="304800" cy="228600"/>
+          </a:xfrm>
+          <a:prstGeom prst="triangle">
+            <a:avLst>
+              <a:gd name="adj" fmla="val 50000"/>
+            </a:avLst>
+          </a:prstGeom>
+          <a:solidFill>
+            <a:schemeClr val="bg1"/>
+          </a:solidFill>
+          <a:ln w="9525">
+            <a:solidFill>
+              <a:schemeClr val="tx1"/>
+            </a:solidFill>
+            <a:miter lim="800000"/>
+            <a:headEnd/>
+            <a:tailEnd/>
+          </a:ln>
+          <a:effectLst/>
+        </p:spPr>
+        <p:txBody>
+          <a:bodyPr wrap="none" anchor="ctr"/>
+          <a:lstStyle/>
+          <a:p>
+            <a:endParaRPr lang="en-US"/>
+          </a:p>
+        </p:txBody>
+      </p:sp>
+      <p:sp>
+        <p:nvSpPr>
+          <p:cNvPr id="19500" name="AutoShape 44"/>
+          <p:cNvSpPr>
+            <a:spLocks noChangeArrowheads="1"/>
+          </p:cNvSpPr>
+          <p:nvPr/>
+        </p:nvSpPr>
+        <p:spPr bwMode="auto">
+          <a:xfrm flipH="1">
+            <a:off x="4343400" y="2895600"/>
+            <a:ext cx="304800" cy="228600"/>
+          </a:xfrm>
+          <a:prstGeom prst="triangle">
+            <a:avLst>
+              <a:gd name="adj" fmla="val 50000"/>
+            </a:avLst>
+          </a:prstGeom>
+          <a:solidFill>
+            <a:schemeClr val="bg1"/>
+          </a:solidFill>
+          <a:ln w="9525">
+            <a:solidFill>
+              <a:schemeClr val="tx1"/>
+            </a:solidFill>
+            <a:miter lim="800000"/>
+            <a:headEnd/>
+            <a:tailEnd/>
+          </a:ln>
+          <a:effectLst/>
+        </p:spPr>
+        <p:txBody>
+          <a:bodyPr wrap="none" anchor="ctr"/>
+          <a:lstStyle/>
+          <a:p>
+            <a:endParaRPr lang="en-US"/>
+          </a:p>
+        </p:txBody>
+      </p:sp>
+      <p:sp>
+        <p:nvSpPr>
+          <p:cNvPr id="19501" name="Line 45"/>
+          <p:cNvSpPr>
+            <a:spLocks noChangeShapeType="1"/>
+          </p:cNvSpPr>
+          <p:nvPr/>
+        </p:nvSpPr>
+        <p:spPr bwMode="auto">
+          <a:xfrm>
+            <a:off x="4419600" y="3581400"/>
+            <a:ext cx="152400" cy="0"/>
+          </a:xfrm>
+          <a:prstGeom prst="line">
+            <a:avLst/>
+          </a:prstGeom>
+          <a:noFill/>
+          <a:ln w="9525">
+            <a:solidFill>
+              <a:schemeClr val="tx1"/>
+            </a:solidFill>
+            <a:round/>
+            <a:headEnd/>
+            <a:tailEnd/>
+          </a:ln>
+          <a:effectLst/>
+        </p:spPr>
+        <p:txBody>
+          <a:bodyPr/>
+          <a:lstStyle/>
+          <a:p>
+            <a:endParaRPr lang="en-US"/>
           </a:p>
         </p:txBody>
       </p:sp>
@@ -6844,25 +8576,29 @@
       </p:grpSpPr>
       <p:grpSp>
         <p:nvGrpSpPr>
-          <p:cNvPr id="29" name="Group 28"/>
-          <p:cNvGrpSpPr/>
+          <p:cNvPr id="20481" name="Group 28"/>
+          <p:cNvGrpSpPr>
+            <a:grpSpLocks/>
+          </p:cNvGrpSpPr>
           <p:nvPr/>
         </p:nvGrpSpPr>
-        <p:grpSpPr>
+        <p:grpSpPr bwMode="auto">
           <a:xfrm>
             <a:off x="1600200" y="1219200"/>
-            <a:ext cx="5396113" cy="2994124"/>
+            <a:ext cx="5395913" cy="2994025"/>
             <a:chOff x="1600200" y="1219200"/>
             <a:chExt cx="5396113" cy="2994124"/>
           </a:xfrm>
         </p:grpSpPr>
         <p:sp>
           <p:nvSpPr>
-            <p:cNvPr id="4" name="TextBox 3"/>
-            <p:cNvSpPr txBox="1"/>
+            <p:cNvPr id="20483" name="TextBox 3"/>
+            <p:cNvSpPr txBox="1">
+              <a:spLocks noChangeArrowheads="1"/>
+            </p:cNvSpPr>
             <p:nvPr/>
           </p:nvSpPr>
-          <p:spPr>
+          <p:spPr bwMode="auto">
             <a:xfrm>
               <a:off x="2057400" y="1981200"/>
               <a:ext cx="972126" cy="923330"/>
@@ -6871,47 +8607,55 @@
               <a:avLst/>
             </a:prstGeom>
             <a:noFill/>
-            <a:ln>
+            <a:ln w="9525">
               <a:solidFill>
                 <a:schemeClr val="tx1"/>
               </a:solidFill>
+              <a:miter lim="800000"/>
+              <a:headEnd/>
+              <a:tailEnd/>
             </a:ln>
           </p:spPr>
           <p:txBody>
-            <a:bodyPr wrap="square" rtlCol="0">
+            <a:bodyPr>
               <a:spAutoFit/>
             </a:bodyPr>
             <a:lstStyle/>
             <a:p>
               <a:r>
-                <a:rPr lang="en-US" dirty="0" err="1" smtClean="0"/>
+                <a:rPr lang="en-US">
+                  <a:latin typeface="Calibri" pitchFamily="34" charset="0"/>
+                </a:rPr>
                 <a:t>deptno</a:t>
               </a:r>
-              <a:endParaRPr lang="en-US" dirty="0" smtClean="0"/>
             </a:p>
             <a:p>
               <a:r>
-                <a:rPr lang="en-US" dirty="0" err="1" smtClean="0"/>
+                <a:rPr lang="en-US">
+                  <a:latin typeface="Calibri" pitchFamily="34" charset="0"/>
+                </a:rPr>
                 <a:t>dname</a:t>
               </a:r>
-              <a:endParaRPr lang="en-US" dirty="0" smtClean="0"/>
             </a:p>
             <a:p>
               <a:r>
-                <a:rPr lang="en-US" dirty="0" smtClean="0"/>
+                <a:rPr lang="en-US">
+                  <a:latin typeface="Calibri" pitchFamily="34" charset="0"/>
+                </a:rPr>
                 <a:t>loc</a:t>
               </a:r>
-              <a:endParaRPr lang="en-US" dirty="0" smtClean="0"/>
             </a:p>
           </p:txBody>
         </p:sp>
         <p:sp>
           <p:nvSpPr>
-            <p:cNvPr id="5" name="TextBox 4"/>
-            <p:cNvSpPr txBox="1"/>
+            <p:cNvPr id="20484" name="TextBox 4"/>
+            <p:cNvSpPr txBox="1">
+              <a:spLocks noChangeArrowheads="1"/>
+            </p:cNvSpPr>
             <p:nvPr/>
           </p:nvSpPr>
-          <p:spPr>
+          <p:spPr bwMode="auto">
             <a:xfrm>
               <a:off x="2057400" y="1295400"/>
               <a:ext cx="859979" cy="369332"/>
@@ -6920,28 +8664,37 @@
               <a:avLst/>
             </a:prstGeom>
             <a:noFill/>
+            <a:ln w="9525">
+              <a:noFill/>
+              <a:miter lim="800000"/>
+              <a:headEnd/>
+              <a:tailEnd/>
+            </a:ln>
           </p:spPr>
           <p:txBody>
-            <a:bodyPr wrap="square" rtlCol="0">
+            <a:bodyPr>
               <a:spAutoFit/>
             </a:bodyPr>
             <a:lstStyle/>
             <a:p>
               <a:r>
-                <a:rPr lang="en-US" dirty="0" err="1" smtClean="0"/>
+                <a:rPr lang="en-US">
+                  <a:latin typeface="Calibri" pitchFamily="34" charset="0"/>
+                </a:rPr>
                 <a:t>Depts</a:t>
               </a:r>
-              <a:endParaRPr lang="en-US" dirty="0"/>
             </a:p>
           </p:txBody>
         </p:sp>
         <p:sp>
           <p:nvSpPr>
-            <p:cNvPr id="6" name="TextBox 5"/>
-            <p:cNvSpPr txBox="1"/>
+            <p:cNvPr id="20485" name="TextBox 5"/>
+            <p:cNvSpPr txBox="1">
+              <a:spLocks noChangeArrowheads="1"/>
+            </p:cNvSpPr>
             <p:nvPr/>
           </p:nvSpPr>
-          <p:spPr>
+          <p:spPr bwMode="auto">
             <a:xfrm>
               <a:off x="3810000" y="1905000"/>
               <a:ext cx="972126" cy="2308324"/>
@@ -6950,80 +8703,95 @@
               <a:avLst/>
             </a:prstGeom>
             <a:noFill/>
-            <a:ln>
+            <a:ln w="9525">
               <a:solidFill>
                 <a:schemeClr val="tx1"/>
               </a:solidFill>
+              <a:miter lim="800000"/>
+              <a:headEnd/>
+              <a:tailEnd/>
             </a:ln>
           </p:spPr>
           <p:txBody>
-            <a:bodyPr wrap="square" rtlCol="0">
+            <a:bodyPr>
               <a:spAutoFit/>
             </a:bodyPr>
             <a:lstStyle/>
             <a:p>
               <a:r>
-                <a:rPr lang="en-US" dirty="0" err="1" smtClean="0"/>
+                <a:rPr lang="en-US">
+                  <a:latin typeface="Calibri" pitchFamily="34" charset="0"/>
+                </a:rPr>
                 <a:t>empno</a:t>
               </a:r>
-              <a:endParaRPr lang="en-US" dirty="0" smtClean="0"/>
             </a:p>
             <a:p>
               <a:r>
-                <a:rPr lang="en-US" dirty="0" err="1" smtClean="0"/>
+                <a:rPr lang="en-US">
+                  <a:latin typeface="Calibri" pitchFamily="34" charset="0"/>
+                </a:rPr>
                 <a:t>ename</a:t>
               </a:r>
-              <a:endParaRPr lang="en-US" dirty="0" smtClean="0"/>
             </a:p>
             <a:p>
               <a:r>
-                <a:rPr lang="en-US" dirty="0" smtClean="0"/>
+                <a:rPr lang="en-US">
+                  <a:latin typeface="Calibri" pitchFamily="34" charset="0"/>
+                </a:rPr>
                 <a:t>job</a:t>
               </a:r>
             </a:p>
             <a:p>
               <a:r>
-                <a:rPr lang="en-US" dirty="0" smtClean="0"/>
+                <a:rPr lang="en-US">
+                  <a:latin typeface="Calibri" pitchFamily="34" charset="0"/>
+                </a:rPr>
                 <a:t>mgr</a:t>
               </a:r>
             </a:p>
             <a:p>
               <a:r>
-                <a:rPr lang="en-US" dirty="0" err="1" smtClean="0"/>
+                <a:rPr lang="en-US">
+                  <a:latin typeface="Calibri" pitchFamily="34" charset="0"/>
+                </a:rPr>
                 <a:t>hiredate</a:t>
               </a:r>
-              <a:endParaRPr lang="en-US" dirty="0" smtClean="0"/>
             </a:p>
             <a:p>
               <a:r>
-                <a:rPr lang="en-US" dirty="0" err="1" smtClean="0"/>
+                <a:rPr lang="en-US">
+                  <a:latin typeface="Calibri" pitchFamily="34" charset="0"/>
+                </a:rPr>
                 <a:t>sal</a:t>
               </a:r>
-              <a:endParaRPr lang="en-US" dirty="0" smtClean="0"/>
             </a:p>
             <a:p>
               <a:r>
-                <a:rPr lang="en-US" dirty="0" err="1" smtClean="0"/>
+                <a:rPr lang="en-US">
+                  <a:latin typeface="Calibri" pitchFamily="34" charset="0"/>
+                </a:rPr>
                 <a:t>comm</a:t>
               </a:r>
-              <a:endParaRPr lang="en-US" dirty="0" smtClean="0"/>
             </a:p>
             <a:p>
               <a:r>
-                <a:rPr lang="en-US" dirty="0" err="1" smtClean="0"/>
+                <a:rPr lang="en-US">
+                  <a:latin typeface="Calibri" pitchFamily="34" charset="0"/>
+                </a:rPr>
                 <a:t>deptno</a:t>
               </a:r>
-              <a:endParaRPr lang="en-US" dirty="0"/>
             </a:p>
           </p:txBody>
         </p:sp>
         <p:sp>
           <p:nvSpPr>
-            <p:cNvPr id="7" name="TextBox 6"/>
-            <p:cNvSpPr txBox="1"/>
+            <p:cNvPr id="20486" name="TextBox 6"/>
+            <p:cNvSpPr txBox="1">
+              <a:spLocks noChangeArrowheads="1"/>
+            </p:cNvSpPr>
             <p:nvPr/>
           </p:nvSpPr>
-          <p:spPr>
+          <p:spPr bwMode="auto">
             <a:xfrm>
               <a:off x="3810000" y="1295400"/>
               <a:ext cx="928909" cy="369332"/>
@@ -7032,18 +8800,25 @@
               <a:avLst/>
             </a:prstGeom>
             <a:noFill/>
+            <a:ln w="9525">
+              <a:noFill/>
+              <a:miter lim="800000"/>
+              <a:headEnd/>
+              <a:tailEnd/>
+            </a:ln>
           </p:spPr>
           <p:txBody>
-            <a:bodyPr wrap="square" rtlCol="0">
+            <a:bodyPr>
               <a:spAutoFit/>
             </a:bodyPr>
             <a:lstStyle/>
             <a:p>
               <a:r>
-                <a:rPr lang="en-US" dirty="0" err="1" smtClean="0"/>
+                <a:rPr lang="en-US">
+                  <a:latin typeface="Calibri" pitchFamily="34" charset="0"/>
+                </a:rPr>
                 <a:t>Emps</a:t>
               </a:r>
-              <a:endParaRPr lang="en-US" dirty="0"/>
             </a:p>
           </p:txBody>
         </p:sp>
@@ -7055,8 +8830,8 @@
           </p:nvCxnSpPr>
           <p:spPr>
             <a:xfrm rot="16200000" flipH="1">
-              <a:off x="2400300" y="2552700"/>
-              <a:ext cx="1981200" cy="990600"/>
+              <a:off x="2400334" y="2552742"/>
+              <a:ext cx="1981266" cy="990637"/>
             </a:xfrm>
             <a:prstGeom prst="line">
               <a:avLst/>
@@ -7090,8 +8865,8 @@
           </p:nvSpPr>
           <p:spPr>
             <a:xfrm>
-              <a:off x="1600200" y="2133600"/>
-              <a:ext cx="457200" cy="45719"/>
+              <a:off x="1600200" y="2133630"/>
+              <a:ext cx="457217" cy="46040"/>
             </a:xfrm>
             <a:prstGeom prst="rightArrow">
               <a:avLst/>
@@ -7116,10 +8891,18 @@
             </a:fontRef>
           </p:style>
           <p:txBody>
-            <a:bodyPr rtlCol="0" anchor="ctr"/>
+            <a:bodyPr anchor="ctr"/>
             <a:lstStyle/>
             <a:p>
-              <a:pPr algn="ctr"/>
+              <a:pPr algn="ctr" fontAlgn="auto">
+                <a:spcBef>
+                  <a:spcPts val="0"/>
+                </a:spcBef>
+                <a:spcAft>
+                  <a:spcPts val="0"/>
+                </a:spcAft>
+                <a:defRPr/>
+              </a:pPr>
               <a:endParaRPr lang="en-US"/>
             </a:p>
           </p:txBody>
@@ -7132,8 +8915,8 @@
           </p:nvSpPr>
           <p:spPr>
             <a:xfrm>
-              <a:off x="5257800" y="2286000"/>
-              <a:ext cx="457200" cy="45719"/>
+              <a:off x="5257936" y="2286035"/>
+              <a:ext cx="457217" cy="46040"/>
             </a:xfrm>
             <a:prstGeom prst="rightArrow">
               <a:avLst/>
@@ -7158,10 +8941,18 @@
             </a:fontRef>
           </p:style>
           <p:txBody>
-            <a:bodyPr rtlCol="0" anchor="ctr"/>
+            <a:bodyPr anchor="ctr"/>
             <a:lstStyle/>
             <a:p>
-              <a:pPr algn="ctr"/>
+              <a:pPr algn="ctr" fontAlgn="auto">
+                <a:spcBef>
+                  <a:spcPts val="0"/>
+                </a:spcBef>
+                <a:spcAft>
+                  <a:spcPts val="0"/>
+                </a:spcAft>
+                <a:defRPr/>
+              </a:pPr>
               <a:endParaRPr lang="en-US"/>
             </a:p>
           </p:txBody>
@@ -7174,8 +8965,8 @@
           </p:nvSpPr>
           <p:spPr>
             <a:xfrm>
-              <a:off x="3429000" y="2133600"/>
-              <a:ext cx="457200" cy="45719"/>
+              <a:off x="3429068" y="2133630"/>
+              <a:ext cx="457217" cy="46040"/>
             </a:xfrm>
             <a:prstGeom prst="rightArrow">
               <a:avLst/>
@@ -7200,21 +8991,31 @@
             </a:fontRef>
           </p:style>
           <p:txBody>
-            <a:bodyPr rtlCol="0" anchor="ctr"/>
+            <a:bodyPr anchor="ctr"/>
             <a:lstStyle/>
             <a:p>
-              <a:pPr algn="ctr"/>
+              <a:pPr algn="ctr" fontAlgn="auto">
+                <a:spcBef>
+                  <a:spcPts val="0"/>
+                </a:spcBef>
+                <a:spcAft>
+                  <a:spcPts val="0"/>
+                </a:spcAft>
+                <a:defRPr/>
+              </a:pPr>
               <a:endParaRPr lang="en-US"/>
             </a:p>
           </p:txBody>
         </p:sp>
         <p:sp>
           <p:nvSpPr>
-            <p:cNvPr id="12" name="TextBox 11"/>
-            <p:cNvSpPr txBox="1"/>
+            <p:cNvPr id="20491" name="TextBox 11"/>
+            <p:cNvSpPr txBox="1">
+              <a:spLocks noChangeArrowheads="1"/>
+            </p:cNvSpPr>
             <p:nvPr/>
           </p:nvSpPr>
-          <p:spPr>
+          <p:spPr bwMode="auto">
             <a:xfrm>
               <a:off x="3124200" y="1981200"/>
               <a:ext cx="300082" cy="369332"/>
@@ -7223,18 +9024,25 @@
               <a:avLst/>
             </a:prstGeom>
             <a:noFill/>
+            <a:ln w="9525">
+              <a:noFill/>
+              <a:miter lim="800000"/>
+              <a:headEnd/>
+              <a:tailEnd/>
+            </a:ln>
           </p:spPr>
           <p:txBody>
-            <a:bodyPr wrap="square" rtlCol="0">
+            <a:bodyPr>
               <a:spAutoFit/>
             </a:bodyPr>
             <a:lstStyle/>
             <a:p>
               <a:r>
-                <a:rPr lang="en-US" dirty="0" smtClean="0"/>
+                <a:rPr lang="en-US">
+                  <a:latin typeface="Calibri" pitchFamily="34" charset="0"/>
+                </a:rPr>
                 <a:t>#</a:t>
               </a:r>
-              <a:endParaRPr lang="en-US" dirty="0"/>
             </a:p>
           </p:txBody>
         </p:sp>
@@ -7246,8 +9054,8 @@
           </p:nvSpPr>
           <p:spPr>
             <a:xfrm>
-              <a:off x="5715000" y="1828800"/>
-              <a:ext cx="1281313" cy="923330"/>
+              <a:off x="5715153" y="1828820"/>
+              <a:ext cx="1281160" cy="923956"/>
             </a:xfrm>
             <a:prstGeom prst="rect">
               <a:avLst/>
@@ -7262,40 +9070,81 @@
             </a:ln>
           </p:spPr>
           <p:txBody>
-            <a:bodyPr wrap="none" rtlCol="0">
+            <a:bodyPr wrap="none">
               <a:spAutoFit/>
             </a:bodyPr>
             <a:lstStyle/>
             <a:p>
+              <a:pPr fontAlgn="auto">
+                <a:spcBef>
+                  <a:spcPts val="0"/>
+                </a:spcBef>
+                <a:spcAft>
+                  <a:spcPts val="0"/>
+                </a:spcAft>
+                <a:defRPr/>
+              </a:pPr>
               <a:r>
-                <a:rPr lang="en-US" dirty="0" err="1" smtClean="0"/>
+                <a:rPr lang="en-US" dirty="0" err="1">
+                  <a:latin typeface="+mn-lt"/>
+                </a:rPr>
                 <a:t>empno</a:t>
               </a:r>
-              <a:endParaRPr lang="en-US" dirty="0" smtClean="0"/>
+              <a:endParaRPr lang="en-US" dirty="0">
+                <a:latin typeface="+mn-lt"/>
+              </a:endParaRPr>
             </a:p>
             <a:p>
+              <a:pPr fontAlgn="auto">
+                <a:spcBef>
+                  <a:spcPts val="0"/>
+                </a:spcBef>
+                <a:spcAft>
+                  <a:spcPts val="0"/>
+                </a:spcAft>
+                <a:defRPr/>
+              </a:pPr>
               <a:r>
-                <a:rPr lang="en-US" dirty="0" err="1" smtClean="0"/>
+                <a:rPr lang="en-US" dirty="0" err="1">
+                  <a:latin typeface="+mn-lt"/>
+                </a:rPr>
                 <a:t>pno</a:t>
               </a:r>
-              <a:endParaRPr lang="en-US" dirty="0" smtClean="0"/>
+              <a:endParaRPr lang="en-US" dirty="0">
+                <a:latin typeface="+mn-lt"/>
+              </a:endParaRPr>
             </a:p>
             <a:p>
+              <a:pPr fontAlgn="auto">
+                <a:spcBef>
+                  <a:spcPts val="0"/>
+                </a:spcBef>
+                <a:spcAft>
+                  <a:spcPts val="0"/>
+                </a:spcAft>
+                <a:defRPr/>
+              </a:pPr>
               <a:r>
-                <a:rPr lang="en-US" dirty="0" err="1" smtClean="0"/>
+                <a:rPr lang="en-US" dirty="0" err="1">
+                  <a:latin typeface="+mn-lt"/>
+                </a:rPr>
                 <a:t>hrsPerweek</a:t>
               </a:r>
-              <a:endParaRPr lang="en-US" dirty="0"/>
+              <a:endParaRPr lang="en-US" dirty="0">
+                <a:latin typeface="+mn-lt"/>
+              </a:endParaRPr>
             </a:p>
           </p:txBody>
         </p:sp>
         <p:sp>
           <p:nvSpPr>
-            <p:cNvPr id="14" name="TextBox 13"/>
-            <p:cNvSpPr txBox="1"/>
+            <p:cNvPr id="20493" name="TextBox 13"/>
+            <p:cNvSpPr txBox="1">
+              <a:spLocks noChangeArrowheads="1"/>
+            </p:cNvSpPr>
             <p:nvPr/>
           </p:nvSpPr>
-          <p:spPr>
+          <p:spPr bwMode="auto">
             <a:xfrm>
               <a:off x="5486400" y="1219200"/>
               <a:ext cx="619080" cy="369332"/>
@@ -7304,18 +9153,25 @@
               <a:avLst/>
             </a:prstGeom>
             <a:noFill/>
+            <a:ln w="9525">
+              <a:noFill/>
+              <a:miter lim="800000"/>
+              <a:headEnd/>
+              <a:tailEnd/>
+            </a:ln>
           </p:spPr>
           <p:txBody>
-            <a:bodyPr wrap="none" rtlCol="0">
+            <a:bodyPr wrap="none">
               <a:spAutoFit/>
             </a:bodyPr>
             <a:lstStyle/>
             <a:p>
               <a:r>
-                <a:rPr lang="en-US" dirty="0" err="1" smtClean="0"/>
+                <a:rPr lang="en-US">
+                  <a:latin typeface="Calibri" pitchFamily="34" charset="0"/>
+                </a:rPr>
                 <a:t>Asns</a:t>
               </a:r>
-              <a:endParaRPr lang="en-US" dirty="0" smtClean="0"/>
             </a:p>
           </p:txBody>
         </p:sp>
@@ -7327,8 +9183,8 @@
           </p:nvCxnSpPr>
           <p:spPr>
             <a:xfrm flipV="1">
-              <a:off x="4724400" y="1981200"/>
-              <a:ext cx="990600" cy="76200"/>
+              <a:off x="4724516" y="1981225"/>
+              <a:ext cx="990637" cy="76203"/>
             </a:xfrm>
             <a:prstGeom prst="line">
               <a:avLst/>
@@ -7356,11 +9212,13 @@
         </p:cxnSp>
         <p:sp>
           <p:nvSpPr>
-            <p:cNvPr id="27" name="TextBox 26"/>
-            <p:cNvSpPr txBox="1"/>
+            <p:cNvPr id="20495" name="TextBox 26"/>
+            <p:cNvSpPr txBox="1">
+              <a:spLocks noChangeArrowheads="1"/>
+            </p:cNvSpPr>
             <p:nvPr/>
           </p:nvSpPr>
-          <p:spPr>
+          <p:spPr bwMode="auto">
             <a:xfrm>
               <a:off x="4953000" y="2438400"/>
               <a:ext cx="838200" cy="369332"/>
@@ -7369,25 +9227,32 @@
               <a:avLst/>
             </a:prstGeom>
             <a:noFill/>
+            <a:ln w="9525">
+              <a:noFill/>
+              <a:miter lim="800000"/>
+              <a:headEnd/>
+              <a:tailEnd/>
+            </a:ln>
           </p:spPr>
           <p:txBody>
-            <a:bodyPr wrap="square" rtlCol="0">
+            <a:bodyPr>
               <a:spAutoFit/>
             </a:bodyPr>
             <a:lstStyle/>
             <a:p>
               <a:r>
-                <a:rPr lang="en-US" dirty="0" smtClean="0"/>
+                <a:rPr lang="en-US">
+                  <a:latin typeface="Calibri" pitchFamily="34" charset="0"/>
+                </a:rPr>
                 <a:t># &gt;=1</a:t>
               </a:r>
-              <a:endParaRPr lang="en-US" dirty="0"/>
             </a:p>
           </p:txBody>
         </p:sp>
       </p:grpSp>
       <p:sp>
         <p:nvSpPr>
-          <p:cNvPr id="30" name="Title 29"/>
+          <p:cNvPr id="20482" name="Title 29"/>
           <p:cNvSpPr>
             <a:spLocks noGrp="1"/>
           </p:cNvSpPr>
@@ -7401,10 +9266,733 @@
           <a:lstStyle/>
           <a:p>
             <a:r>
-              <a:rPr lang="en-US" dirty="0" smtClean="0"/>
+              <a:rPr lang="en-US" smtClean="0"/>
               <a:t>hw5-3-2</a:t>
             </a:r>
-            <a:endParaRPr lang="en-US" dirty="0"/>
+          </a:p>
+        </p:txBody>
+      </p:sp>
+    </p:spTree>
+  </p:cSld>
+  <p:clrMapOvr>
+    <a:masterClrMapping/>
+  </p:clrMapOvr>
+</p:sld>
+</file>
+
+<file path=ppt/slides/slide7.xml><?xml version="1.0" encoding="utf-8"?>
+<p:sld xmlns:a="http://schemas.openxmlformats.org/drawingml/2006/main" xmlns:r="http://schemas.openxmlformats.org/officeDocument/2006/relationships" xmlns:p="http://schemas.openxmlformats.org/presentationml/2006/main">
+  <p:cSld>
+    <p:spTree>
+      <p:nvGrpSpPr>
+        <p:cNvPr id="1" name=""/>
+        <p:cNvGrpSpPr/>
+        <p:nvPr/>
+      </p:nvGrpSpPr>
+      <p:grpSpPr>
+        <a:xfrm>
+          <a:off x="0" y="0"/>
+          <a:ext cx="0" cy="0"/>
+          <a:chOff x="0" y="0"/>
+          <a:chExt cx="0" cy="0"/>
+        </a:xfrm>
+      </p:grpSpPr>
+      <p:sp>
+        <p:nvSpPr>
+          <p:cNvPr id="21508" name="Text Box 4"/>
+          <p:cNvSpPr txBox="1">
+            <a:spLocks noChangeArrowheads="1"/>
+          </p:cNvSpPr>
+          <p:nvPr/>
+        </p:nvSpPr>
+        <p:spPr bwMode="auto">
+          <a:xfrm>
+            <a:off x="1317625" y="1058863"/>
+            <a:ext cx="1044575" cy="366712"/>
+          </a:xfrm>
+          <a:prstGeom prst="rect">
+            <a:avLst/>
+          </a:prstGeom>
+          <a:noFill/>
+          <a:ln w="9525">
+            <a:noFill/>
+            <a:miter lim="800000"/>
+            <a:headEnd/>
+            <a:tailEnd/>
+          </a:ln>
+          <a:effectLst/>
+        </p:spPr>
+        <p:txBody>
+          <a:bodyPr>
+            <a:spAutoFit/>
+          </a:bodyPr>
+          <a:lstStyle/>
+          <a:p>
+            <a:pPr>
+              <a:spcBef>
+                <a:spcPct val="50000"/>
+              </a:spcBef>
+            </a:pPr>
+            <a:r>
+              <a:rPr lang="en-US"/>
+              <a:t>Patients</a:t>
+            </a:r>
+          </a:p>
+        </p:txBody>
+      </p:sp>
+      <p:sp>
+        <p:nvSpPr>
+          <p:cNvPr id="21509" name="Text Box 5"/>
+          <p:cNvSpPr txBox="1">
+            <a:spLocks noChangeArrowheads="1"/>
+          </p:cNvSpPr>
+          <p:nvPr/>
+        </p:nvSpPr>
+        <p:spPr bwMode="auto">
+          <a:xfrm>
+            <a:off x="1355725" y="1408113"/>
+            <a:ext cx="1184275" cy="650875"/>
+          </a:xfrm>
+          <a:prstGeom prst="rect">
+            <a:avLst/>
+          </a:prstGeom>
+          <a:noFill/>
+          <a:ln w="9525">
+            <a:solidFill>
+              <a:schemeClr val="tx1"/>
+            </a:solidFill>
+            <a:miter lim="800000"/>
+            <a:headEnd/>
+            <a:tailEnd/>
+          </a:ln>
+          <a:effectLst/>
+        </p:spPr>
+        <p:txBody>
+          <a:bodyPr wrap="none">
+            <a:spAutoFit/>
+          </a:bodyPr>
+          <a:lstStyle/>
+          <a:p>
+            <a:r>
+              <a:rPr lang="en-US" u="sng"/>
+              <a:t>patid</a:t>
+            </a:r>
+          </a:p>
+          <a:p>
+            <a:r>
+              <a:rPr lang="en-US"/>
+              <a:t>prognosis</a:t>
+            </a:r>
+          </a:p>
+        </p:txBody>
+      </p:sp>
+      <p:sp>
+        <p:nvSpPr>
+          <p:cNvPr id="21510" name="Text Box 6"/>
+          <p:cNvSpPr txBox="1">
+            <a:spLocks noChangeArrowheads="1"/>
+          </p:cNvSpPr>
+          <p:nvPr/>
+        </p:nvSpPr>
+        <p:spPr bwMode="auto">
+          <a:xfrm>
+            <a:off x="4937125" y="950913"/>
+            <a:ext cx="971550" cy="366712"/>
+          </a:xfrm>
+          <a:prstGeom prst="rect">
+            <a:avLst/>
+          </a:prstGeom>
+          <a:noFill/>
+          <a:ln w="9525">
+            <a:noFill/>
+            <a:miter lim="800000"/>
+            <a:headEnd/>
+            <a:tailEnd/>
+          </a:ln>
+          <a:effectLst/>
+        </p:spPr>
+        <p:txBody>
+          <a:bodyPr wrap="none">
+            <a:spAutoFit/>
+          </a:bodyPr>
+          <a:lstStyle/>
+          <a:p>
+            <a:r>
+              <a:rPr lang="en-US"/>
+              <a:t>Doctors</a:t>
+            </a:r>
+          </a:p>
+        </p:txBody>
+      </p:sp>
+      <p:sp>
+        <p:nvSpPr>
+          <p:cNvPr id="21511" name="Text Box 7"/>
+          <p:cNvSpPr txBox="1">
+            <a:spLocks noChangeArrowheads="1"/>
+          </p:cNvSpPr>
+          <p:nvPr/>
+        </p:nvSpPr>
+        <p:spPr bwMode="auto">
+          <a:xfrm>
+            <a:off x="5105400" y="1371600"/>
+            <a:ext cx="803275" cy="650875"/>
+          </a:xfrm>
+          <a:prstGeom prst="rect">
+            <a:avLst/>
+          </a:prstGeom>
+          <a:noFill/>
+          <a:ln w="9525">
+            <a:solidFill>
+              <a:schemeClr val="tx1"/>
+            </a:solidFill>
+            <a:miter lim="800000"/>
+            <a:headEnd/>
+            <a:tailEnd/>
+          </a:ln>
+          <a:effectLst/>
+        </p:spPr>
+        <p:txBody>
+          <a:bodyPr wrap="none">
+            <a:spAutoFit/>
+          </a:bodyPr>
+          <a:lstStyle/>
+          <a:p>
+            <a:r>
+              <a:rPr lang="en-US" u="sng"/>
+              <a:t>staffid</a:t>
+            </a:r>
+          </a:p>
+          <a:p>
+            <a:r>
+              <a:rPr lang="en-US"/>
+              <a:t>title</a:t>
+            </a:r>
+          </a:p>
+        </p:txBody>
+      </p:sp>
+      <p:sp>
+        <p:nvSpPr>
+          <p:cNvPr id="21512" name="Text Box 8"/>
+          <p:cNvSpPr txBox="1">
+            <a:spLocks noChangeArrowheads="1"/>
+          </p:cNvSpPr>
+          <p:nvPr/>
+        </p:nvSpPr>
+        <p:spPr bwMode="auto">
+          <a:xfrm>
+            <a:off x="3260725" y="950913"/>
+            <a:ext cx="1162050" cy="366712"/>
+          </a:xfrm>
+          <a:prstGeom prst="rect">
+            <a:avLst/>
+          </a:prstGeom>
+          <a:noFill/>
+          <a:ln w="9525">
+            <a:noFill/>
+            <a:miter lim="800000"/>
+            <a:headEnd/>
+            <a:tailEnd/>
+          </a:ln>
+          <a:effectLst/>
+        </p:spPr>
+        <p:txBody>
+          <a:bodyPr wrap="none">
+            <a:spAutoFit/>
+          </a:bodyPr>
+          <a:lstStyle/>
+          <a:p>
+            <a:r>
+              <a:rPr lang="en-US"/>
+              <a:t>PatsDocs</a:t>
+            </a:r>
+          </a:p>
+        </p:txBody>
+      </p:sp>
+      <p:sp>
+        <p:nvSpPr>
+          <p:cNvPr id="21513" name="Text Box 9"/>
+          <p:cNvSpPr txBox="1">
+            <a:spLocks noChangeArrowheads="1"/>
+          </p:cNvSpPr>
+          <p:nvPr/>
+        </p:nvSpPr>
+        <p:spPr bwMode="auto">
+          <a:xfrm>
+            <a:off x="3352800" y="1371600"/>
+            <a:ext cx="930275" cy="650875"/>
+          </a:xfrm>
+          <a:prstGeom prst="rect">
+            <a:avLst/>
+          </a:prstGeom>
+          <a:noFill/>
+          <a:ln w="9525">
+            <a:solidFill>
+              <a:schemeClr val="tx1"/>
+            </a:solidFill>
+            <a:miter lim="800000"/>
+            <a:headEnd/>
+            <a:tailEnd/>
+          </a:ln>
+          <a:effectLst/>
+        </p:spPr>
+        <p:txBody>
+          <a:bodyPr wrap="none">
+            <a:spAutoFit/>
+          </a:bodyPr>
+          <a:lstStyle/>
+          <a:p>
+            <a:r>
+              <a:rPr lang="en-US" u="sng"/>
+              <a:t>patid</a:t>
+            </a:r>
+            <a:r>
+              <a:rPr lang="en-US"/>
+              <a:t> !</a:t>
+            </a:r>
+          </a:p>
+          <a:p>
+            <a:r>
+              <a:rPr lang="en-US" u="sng"/>
+              <a:t>staffid</a:t>
+            </a:r>
+            <a:r>
+              <a:rPr lang="en-US"/>
+              <a:t> !</a:t>
+            </a:r>
+          </a:p>
+        </p:txBody>
+      </p:sp>
+      <p:sp>
+        <p:nvSpPr>
+          <p:cNvPr id="21514" name="Text Box 10"/>
+          <p:cNvSpPr txBox="1">
+            <a:spLocks noChangeArrowheads="1"/>
+          </p:cNvSpPr>
+          <p:nvPr/>
+        </p:nvSpPr>
+        <p:spPr bwMode="auto">
+          <a:xfrm>
+            <a:off x="3048000" y="3124200"/>
+            <a:ext cx="1301750" cy="366713"/>
+          </a:xfrm>
+          <a:prstGeom prst="rect">
+            <a:avLst/>
+          </a:prstGeom>
+          <a:noFill/>
+          <a:ln w="9525">
+            <a:noFill/>
+            <a:miter lim="800000"/>
+            <a:headEnd/>
+            <a:tailEnd/>
+          </a:ln>
+          <a:effectLst/>
+        </p:spPr>
+        <p:txBody>
+          <a:bodyPr wrap="none">
+            <a:spAutoFit/>
+          </a:bodyPr>
+          <a:lstStyle/>
+          <a:p>
+            <a:r>
+              <a:rPr lang="en-US"/>
+              <a:t>Operations</a:t>
+            </a:r>
+          </a:p>
+        </p:txBody>
+      </p:sp>
+      <p:sp>
+        <p:nvSpPr>
+          <p:cNvPr id="21515" name="Text Box 11"/>
+          <p:cNvSpPr txBox="1">
+            <a:spLocks noChangeArrowheads="1"/>
+          </p:cNvSpPr>
+          <p:nvPr/>
+        </p:nvSpPr>
+        <p:spPr bwMode="auto">
+          <a:xfrm>
+            <a:off x="3124200" y="3581400"/>
+            <a:ext cx="1298575" cy="1200150"/>
+          </a:xfrm>
+          <a:prstGeom prst="rect">
+            <a:avLst/>
+          </a:prstGeom>
+          <a:noFill/>
+          <a:ln w="9525">
+            <a:solidFill>
+              <a:schemeClr val="tx1"/>
+            </a:solidFill>
+            <a:miter lim="800000"/>
+            <a:headEnd/>
+            <a:tailEnd/>
+          </a:ln>
+          <a:effectLst/>
+        </p:spPr>
+        <p:txBody>
+          <a:bodyPr wrap="none">
+            <a:spAutoFit/>
+          </a:bodyPr>
+          <a:lstStyle/>
+          <a:p>
+            <a:r>
+              <a:rPr lang="en-US" u="sng"/>
+              <a:t>operid</a:t>
+            </a:r>
+          </a:p>
+          <a:p>
+            <a:r>
+              <a:rPr lang="en-US"/>
+              <a:t>description</a:t>
+            </a:r>
+          </a:p>
+          <a:p>
+            <a:r>
+              <a:rPr lang="en-US"/>
+              <a:t>patid !</a:t>
+            </a:r>
+          </a:p>
+          <a:p>
+            <a:r>
+              <a:rPr lang="en-US"/>
+              <a:t>roomid !</a:t>
+            </a:r>
+          </a:p>
+        </p:txBody>
+      </p:sp>
+      <p:sp>
+        <p:nvSpPr>
+          <p:cNvPr id="21517" name="Text Box 13"/>
+          <p:cNvSpPr txBox="1">
+            <a:spLocks noChangeArrowheads="1"/>
+          </p:cNvSpPr>
+          <p:nvPr/>
+        </p:nvSpPr>
+        <p:spPr bwMode="auto">
+          <a:xfrm>
+            <a:off x="6400800" y="3581400"/>
+            <a:ext cx="908050" cy="366713"/>
+          </a:xfrm>
+          <a:prstGeom prst="rect">
+            <a:avLst/>
+          </a:prstGeom>
+          <a:noFill/>
+          <a:ln w="9525">
+            <a:noFill/>
+            <a:miter lim="800000"/>
+            <a:headEnd/>
+            <a:tailEnd/>
+          </a:ln>
+          <a:effectLst/>
+        </p:spPr>
+        <p:txBody>
+          <a:bodyPr wrap="none">
+            <a:spAutoFit/>
+          </a:bodyPr>
+          <a:lstStyle/>
+          <a:p>
+            <a:r>
+              <a:rPr lang="en-US"/>
+              <a:t>Rooms</a:t>
+            </a:r>
+          </a:p>
+        </p:txBody>
+      </p:sp>
+      <p:sp>
+        <p:nvSpPr>
+          <p:cNvPr id="21518" name="Text Box 14"/>
+          <p:cNvSpPr txBox="1">
+            <a:spLocks noChangeArrowheads="1"/>
+          </p:cNvSpPr>
+          <p:nvPr/>
+        </p:nvSpPr>
+        <p:spPr bwMode="auto">
+          <a:xfrm>
+            <a:off x="6384925" y="3922713"/>
+            <a:ext cx="1171575" cy="650875"/>
+          </a:xfrm>
+          <a:prstGeom prst="rect">
+            <a:avLst/>
+          </a:prstGeom>
+          <a:noFill/>
+          <a:ln w="9525">
+            <a:solidFill>
+              <a:schemeClr val="tx1"/>
+            </a:solidFill>
+            <a:miter lim="800000"/>
+            <a:headEnd/>
+            <a:tailEnd/>
+          </a:ln>
+          <a:effectLst/>
+        </p:spPr>
+        <p:txBody>
+          <a:bodyPr wrap="none">
+            <a:spAutoFit/>
+          </a:bodyPr>
+          <a:lstStyle/>
+          <a:p>
+            <a:r>
+              <a:rPr lang="en-US" u="sng"/>
+              <a:t>roomid</a:t>
+            </a:r>
+          </a:p>
+          <a:p>
+            <a:r>
+              <a:rPr lang="en-US"/>
+              <a:t>dscription</a:t>
+            </a:r>
+          </a:p>
+        </p:txBody>
+      </p:sp>
+      <p:sp>
+        <p:nvSpPr>
+          <p:cNvPr id="21519" name="Text Box 15"/>
+          <p:cNvSpPr txBox="1">
+            <a:spLocks noChangeArrowheads="1"/>
+          </p:cNvSpPr>
+          <p:nvPr/>
+        </p:nvSpPr>
+        <p:spPr bwMode="auto">
+          <a:xfrm>
+            <a:off x="5029200" y="2438400"/>
+            <a:ext cx="1009650" cy="366713"/>
+          </a:xfrm>
+          <a:prstGeom prst="rect">
+            <a:avLst/>
+          </a:prstGeom>
+          <a:noFill/>
+          <a:ln w="9525">
+            <a:noFill/>
+            <a:miter lim="800000"/>
+            <a:headEnd/>
+            <a:tailEnd/>
+          </a:ln>
+          <a:effectLst/>
+        </p:spPr>
+        <p:txBody>
+          <a:bodyPr wrap="none">
+            <a:spAutoFit/>
+          </a:bodyPr>
+          <a:lstStyle/>
+          <a:p>
+            <a:r>
+              <a:rPr lang="en-US"/>
+              <a:t>DocOps</a:t>
+            </a:r>
+          </a:p>
+        </p:txBody>
+      </p:sp>
+      <p:sp>
+        <p:nvSpPr>
+          <p:cNvPr id="21520" name="Text Box 16"/>
+          <p:cNvSpPr txBox="1">
+            <a:spLocks noChangeArrowheads="1"/>
+          </p:cNvSpPr>
+          <p:nvPr/>
+        </p:nvSpPr>
+        <p:spPr bwMode="auto">
+          <a:xfrm>
+            <a:off x="5105400" y="2819400"/>
+            <a:ext cx="955675" cy="650875"/>
+          </a:xfrm>
+          <a:prstGeom prst="rect">
+            <a:avLst/>
+          </a:prstGeom>
+          <a:noFill/>
+          <a:ln w="9525">
+            <a:solidFill>
+              <a:schemeClr val="tx1"/>
+            </a:solidFill>
+            <a:miter lim="800000"/>
+            <a:headEnd/>
+            <a:tailEnd/>
+          </a:ln>
+          <a:effectLst/>
+        </p:spPr>
+        <p:txBody>
+          <a:bodyPr wrap="none">
+            <a:spAutoFit/>
+          </a:bodyPr>
+          <a:lstStyle/>
+          <a:p>
+            <a:r>
+              <a:rPr lang="en-US" u="sng"/>
+              <a:t>staffid</a:t>
+            </a:r>
+            <a:r>
+              <a:rPr lang="en-US"/>
+              <a:t> !</a:t>
+            </a:r>
+          </a:p>
+          <a:p>
+            <a:r>
+              <a:rPr lang="en-US" u="sng"/>
+              <a:t>operid</a:t>
+            </a:r>
+            <a:r>
+              <a:rPr lang="en-US"/>
+              <a:t> !</a:t>
+            </a:r>
+          </a:p>
+        </p:txBody>
+      </p:sp>
+      <p:sp>
+        <p:nvSpPr>
+          <p:cNvPr id="21521" name="Text Box 17"/>
+          <p:cNvSpPr txBox="1">
+            <a:spLocks noChangeArrowheads="1"/>
+          </p:cNvSpPr>
+          <p:nvPr/>
+        </p:nvSpPr>
+        <p:spPr bwMode="auto">
+          <a:xfrm>
+            <a:off x="838200" y="3048000"/>
+            <a:ext cx="1555750" cy="366713"/>
+          </a:xfrm>
+          <a:prstGeom prst="rect">
+            <a:avLst/>
+          </a:prstGeom>
+          <a:noFill/>
+          <a:ln w="9525">
+            <a:noFill/>
+            <a:miter lim="800000"/>
+            <a:headEnd/>
+            <a:tailEnd/>
+          </a:ln>
+          <a:effectLst/>
+        </p:spPr>
+        <p:txBody>
+          <a:bodyPr wrap="none">
+            <a:spAutoFit/>
+          </a:bodyPr>
+          <a:lstStyle/>
+          <a:p>
+            <a:r>
+              <a:rPr lang="en-US"/>
+              <a:t>PatMedicines</a:t>
+            </a:r>
+          </a:p>
+        </p:txBody>
+      </p:sp>
+      <p:sp>
+        <p:nvSpPr>
+          <p:cNvPr id="21522" name="Text Box 18"/>
+          <p:cNvSpPr txBox="1">
+            <a:spLocks noChangeArrowheads="1"/>
+          </p:cNvSpPr>
+          <p:nvPr/>
+        </p:nvSpPr>
+        <p:spPr bwMode="auto">
+          <a:xfrm>
+            <a:off x="914400" y="3429000"/>
+            <a:ext cx="1222375" cy="650875"/>
+          </a:xfrm>
+          <a:prstGeom prst="rect">
+            <a:avLst/>
+          </a:prstGeom>
+          <a:noFill/>
+          <a:ln w="9525">
+            <a:solidFill>
+              <a:schemeClr val="tx1"/>
+            </a:solidFill>
+            <a:miter lim="800000"/>
+            <a:headEnd/>
+            <a:tailEnd/>
+          </a:ln>
+          <a:effectLst/>
+        </p:spPr>
+        <p:txBody>
+          <a:bodyPr wrap="none">
+            <a:spAutoFit/>
+          </a:bodyPr>
+          <a:lstStyle/>
+          <a:p>
+            <a:r>
+              <a:rPr lang="en-US" u="sng"/>
+              <a:t>patid !</a:t>
+            </a:r>
+          </a:p>
+          <a:p>
+            <a:r>
+              <a:rPr lang="en-US"/>
+              <a:t>medicines</a:t>
+            </a:r>
+          </a:p>
+        </p:txBody>
+      </p:sp>
+      <p:sp>
+        <p:nvSpPr>
+          <p:cNvPr id="21525" name="Text Box 21"/>
+          <p:cNvSpPr txBox="1">
+            <a:spLocks noChangeArrowheads="1"/>
+          </p:cNvSpPr>
+          <p:nvPr/>
+        </p:nvSpPr>
+        <p:spPr bwMode="auto">
+          <a:xfrm>
+            <a:off x="762000" y="4495800"/>
+            <a:ext cx="2190750" cy="366713"/>
+          </a:xfrm>
+          <a:prstGeom prst="rect">
+            <a:avLst/>
+          </a:prstGeom>
+          <a:noFill/>
+          <a:ln w="9525">
+            <a:noFill/>
+            <a:miter lim="800000"/>
+            <a:headEnd/>
+            <a:tailEnd/>
+          </a:ln>
+          <a:effectLst/>
+        </p:spPr>
+        <p:txBody>
+          <a:bodyPr wrap="none">
+            <a:spAutoFit/>
+          </a:bodyPr>
+          <a:lstStyle/>
+          <a:p>
+            <a:r>
+              <a:rPr lang="en-US"/>
+              <a:t>ApprovedMedicines</a:t>
+            </a:r>
+          </a:p>
+        </p:txBody>
+      </p:sp>
+      <p:sp>
+        <p:nvSpPr>
+          <p:cNvPr id="21526" name="Text Box 22"/>
+          <p:cNvSpPr txBox="1">
+            <a:spLocks noChangeArrowheads="1"/>
+          </p:cNvSpPr>
+          <p:nvPr/>
+        </p:nvSpPr>
+        <p:spPr bwMode="auto">
+          <a:xfrm>
+            <a:off x="914400" y="4800600"/>
+            <a:ext cx="1222375" cy="376238"/>
+          </a:xfrm>
+          <a:prstGeom prst="rect">
+            <a:avLst/>
+          </a:prstGeom>
+          <a:noFill/>
+          <a:ln w="9525">
+            <a:solidFill>
+              <a:schemeClr val="tx1"/>
+            </a:solidFill>
+            <a:miter lim="800000"/>
+            <a:headEnd/>
+            <a:tailEnd/>
+          </a:ln>
+          <a:effectLst/>
+        </p:spPr>
+        <p:txBody>
+          <a:bodyPr wrap="none">
+            <a:spAutoFit/>
+          </a:bodyPr>
+          <a:lstStyle/>
+          <a:p>
+            <a:r>
+              <a:rPr lang="en-US" u="sng"/>
+              <a:t>medicines</a:t>
+            </a:r>
           </a:p>
         </p:txBody>
       </p:sp>
